--- a/Lecture/Week09/Week09.pptx
+++ b/Lecture/Week09/Week09.pptx
@@ -236,7 +236,7 @@
           <a:p>
             <a:fld id="{4CFBB33C-050F-194E-9F71-A5A73BBD8CBC}" type="datetimeFigureOut">
               <a:rPr kumimoji="1" lang="zh-TW" altLang="en-US" smtClean="0"/>
-              <a:t>2019/4/29</a:t>
+              <a:t>2020/4/24</a:t>
             </a:fld>
             <a:endParaRPr kumimoji="1" lang="zh-TW" altLang="en-US"/>
           </a:p>
@@ -300,38 +300,37 @@
           <a:p>
             <a:pPr lvl="0"/>
             <a:r>
-              <a:rPr kumimoji="1" lang="zh-TW" altLang="en-US" smtClean="0"/>
+              <a:rPr kumimoji="1" lang="zh-TW" altLang="en-US"/>
               <a:t>按一下以編輯母片文字樣式</a:t>
             </a:r>
           </a:p>
           <a:p>
             <a:pPr lvl="1"/>
             <a:r>
-              <a:rPr kumimoji="1" lang="zh-TW" altLang="en-US" smtClean="0"/>
+              <a:rPr kumimoji="1" lang="zh-TW" altLang="en-US"/>
               <a:t>第二層</a:t>
             </a:r>
           </a:p>
           <a:p>
             <a:pPr lvl="2"/>
             <a:r>
-              <a:rPr kumimoji="1" lang="zh-TW" altLang="en-US" smtClean="0"/>
+              <a:rPr kumimoji="1" lang="zh-TW" altLang="en-US"/>
               <a:t>第三層</a:t>
             </a:r>
           </a:p>
           <a:p>
             <a:pPr lvl="3"/>
             <a:r>
-              <a:rPr kumimoji="1" lang="zh-TW" altLang="en-US" smtClean="0"/>
+              <a:rPr kumimoji="1" lang="zh-TW" altLang="en-US"/>
               <a:t>第四層</a:t>
             </a:r>
           </a:p>
           <a:p>
             <a:pPr lvl="4"/>
             <a:r>
-              <a:rPr kumimoji="1" lang="zh-TW" altLang="en-US" smtClean="0"/>
+              <a:rPr kumimoji="1" lang="zh-TW" altLang="en-US"/>
               <a:t>第五層</a:t>
             </a:r>
-            <a:endParaRPr kumimoji="1" lang="zh-TW" altLang="en-US"/>
           </a:p>
         </p:txBody>
       </p:sp>
@@ -542,10 +541,9 @@
           <a:lstStyle/>
           <a:p>
             <a:r>
-              <a:rPr kumimoji="1" lang="zh-TW" altLang="en-US" smtClean="0"/>
+              <a:rPr kumimoji="1" lang="zh-TW" altLang="en-US"/>
               <a:t>按一下以編輯母片標題樣式</a:t>
             </a:r>
-            <a:endParaRPr kumimoji="1" lang="zh-TW" altLang="en-US"/>
           </a:p>
         </p:txBody>
       </p:sp>
@@ -661,10 +659,9 @@
           </a:lstStyle>
           <a:p>
             <a:r>
-              <a:rPr kumimoji="1" lang="zh-TW" altLang="en-US" smtClean="0"/>
+              <a:rPr kumimoji="1" lang="zh-TW" altLang="en-US"/>
               <a:t>按一下以編輯母片子標題樣式</a:t>
             </a:r>
-            <a:endParaRPr kumimoji="1" lang="zh-TW" altLang="en-US"/>
           </a:p>
         </p:txBody>
       </p:sp>
@@ -687,7 +684,7 @@
             <a:fld id="{9D21D778-B565-4D7E-94D7-64010A445B68}" type="datetimeFigureOut">
               <a:rPr lang="en-US" smtClean="0"/>
               <a:pPr eaLnBrk="1" latinLnBrk="0" hangingPunct="1"/>
-              <a:t>4/29/2019</a:t>
+              <a:t>4/24/20</a:t>
             </a:fld>
             <a:endParaRPr lang="en-US"/>
           </a:p>
@@ -781,10 +778,9 @@
           <a:lstStyle/>
           <a:p>
             <a:r>
-              <a:rPr kumimoji="1" lang="zh-TW" altLang="en-US" smtClean="0"/>
+              <a:rPr kumimoji="1" lang="zh-TW" altLang="en-US"/>
               <a:t>按一下以編輯母片標題樣式</a:t>
             </a:r>
-            <a:endParaRPr kumimoji="1" lang="zh-TW" altLang="en-US"/>
           </a:p>
         </p:txBody>
       </p:sp>
@@ -805,38 +801,37 @@
           <a:p>
             <a:pPr lvl="0"/>
             <a:r>
-              <a:rPr kumimoji="1" lang="zh-TW" altLang="en-US" smtClean="0"/>
+              <a:rPr kumimoji="1" lang="zh-TW" altLang="en-US"/>
               <a:t>按一下以編輯母片文字樣式</a:t>
             </a:r>
           </a:p>
           <a:p>
             <a:pPr lvl="1"/>
             <a:r>
-              <a:rPr kumimoji="1" lang="zh-TW" altLang="en-US" smtClean="0"/>
+              <a:rPr kumimoji="1" lang="zh-TW" altLang="en-US"/>
               <a:t>第二層</a:t>
             </a:r>
           </a:p>
           <a:p>
             <a:pPr lvl="2"/>
             <a:r>
-              <a:rPr kumimoji="1" lang="zh-TW" altLang="en-US" smtClean="0"/>
+              <a:rPr kumimoji="1" lang="zh-TW" altLang="en-US"/>
               <a:t>第三層</a:t>
             </a:r>
           </a:p>
           <a:p>
             <a:pPr lvl="3"/>
             <a:r>
-              <a:rPr kumimoji="1" lang="zh-TW" altLang="en-US" smtClean="0"/>
+              <a:rPr kumimoji="1" lang="zh-TW" altLang="en-US"/>
               <a:t>第四層</a:t>
             </a:r>
           </a:p>
           <a:p>
             <a:pPr lvl="4"/>
             <a:r>
-              <a:rPr kumimoji="1" lang="zh-TW" altLang="en-US" smtClean="0"/>
+              <a:rPr kumimoji="1" lang="zh-TW" altLang="en-US"/>
               <a:t>第五層</a:t>
             </a:r>
-            <a:endParaRPr kumimoji="1" lang="zh-TW" altLang="en-US"/>
           </a:p>
         </p:txBody>
       </p:sp>
@@ -857,7 +852,7 @@
           <a:p>
             <a:fld id="{D728701E-CAF4-4159-9B3E-41C86DFFA30D}" type="datetimeFigureOut">
               <a:rPr lang="en-US" smtClean="0"/>
-              <a:t>4/29/2019</a:t>
+              <a:t>4/24/20</a:t>
             </a:fld>
             <a:endParaRPr lang="en-US"/>
           </a:p>
@@ -956,10 +951,9 @@
           <a:lstStyle/>
           <a:p>
             <a:r>
-              <a:rPr kumimoji="1" lang="zh-TW" altLang="en-US" smtClean="0"/>
+              <a:rPr kumimoji="1" lang="zh-TW" altLang="en-US"/>
               <a:t>按一下以編輯母片標題樣式</a:t>
             </a:r>
-            <a:endParaRPr kumimoji="1" lang="zh-TW" altLang="en-US"/>
           </a:p>
         </p:txBody>
       </p:sp>
@@ -985,38 +979,37 @@
           <a:p>
             <a:pPr lvl="0"/>
             <a:r>
-              <a:rPr kumimoji="1" lang="zh-TW" altLang="en-US" smtClean="0"/>
+              <a:rPr kumimoji="1" lang="zh-TW" altLang="en-US"/>
               <a:t>按一下以編輯母片文字樣式</a:t>
             </a:r>
           </a:p>
           <a:p>
             <a:pPr lvl="1"/>
             <a:r>
-              <a:rPr kumimoji="1" lang="zh-TW" altLang="en-US" smtClean="0"/>
+              <a:rPr kumimoji="1" lang="zh-TW" altLang="en-US"/>
               <a:t>第二層</a:t>
             </a:r>
           </a:p>
           <a:p>
             <a:pPr lvl="2"/>
             <a:r>
-              <a:rPr kumimoji="1" lang="zh-TW" altLang="en-US" smtClean="0"/>
+              <a:rPr kumimoji="1" lang="zh-TW" altLang="en-US"/>
               <a:t>第三層</a:t>
             </a:r>
           </a:p>
           <a:p>
             <a:pPr lvl="3"/>
             <a:r>
-              <a:rPr kumimoji="1" lang="zh-TW" altLang="en-US" smtClean="0"/>
+              <a:rPr kumimoji="1" lang="zh-TW" altLang="en-US"/>
               <a:t>第四層</a:t>
             </a:r>
           </a:p>
           <a:p>
             <a:pPr lvl="4"/>
             <a:r>
-              <a:rPr kumimoji="1" lang="zh-TW" altLang="en-US" smtClean="0"/>
+              <a:rPr kumimoji="1" lang="zh-TW" altLang="en-US"/>
               <a:t>第五層</a:t>
             </a:r>
-            <a:endParaRPr kumimoji="1" lang="zh-TW" altLang="en-US"/>
           </a:p>
         </p:txBody>
       </p:sp>
@@ -1037,7 +1030,7 @@
           <a:p>
             <a:fld id="{D728701E-CAF4-4159-9B3E-41C86DFFA30D}" type="datetimeFigureOut">
               <a:rPr lang="en-US" smtClean="0"/>
-              <a:t>4/29/2019</a:t>
+              <a:t>4/24/20</a:t>
             </a:fld>
             <a:endParaRPr lang="en-US"/>
           </a:p>
@@ -1132,38 +1125,37 @@
           <a:p>
             <a:pPr lvl="0"/>
             <a:r>
-              <a:rPr kumimoji="1" lang="zh-TW" altLang="en-US" smtClean="0"/>
+              <a:rPr kumimoji="1" lang="zh-TW" altLang="en-US"/>
               <a:t>按一下以編輯母片文字樣式</a:t>
             </a:r>
           </a:p>
           <a:p>
             <a:pPr lvl="1"/>
             <a:r>
-              <a:rPr kumimoji="1" lang="zh-TW" altLang="en-US" smtClean="0"/>
+              <a:rPr kumimoji="1" lang="zh-TW" altLang="en-US"/>
               <a:t>第二層</a:t>
             </a:r>
           </a:p>
           <a:p>
             <a:pPr lvl="2"/>
             <a:r>
-              <a:rPr kumimoji="1" lang="zh-TW" altLang="en-US" smtClean="0"/>
+              <a:rPr kumimoji="1" lang="zh-TW" altLang="en-US"/>
               <a:t>第三層</a:t>
             </a:r>
           </a:p>
           <a:p>
             <a:pPr lvl="3"/>
             <a:r>
-              <a:rPr kumimoji="1" lang="zh-TW" altLang="en-US" smtClean="0"/>
+              <a:rPr kumimoji="1" lang="zh-TW" altLang="en-US"/>
               <a:t>第四層</a:t>
             </a:r>
           </a:p>
           <a:p>
             <a:pPr lvl="4"/>
             <a:r>
-              <a:rPr kumimoji="1" lang="zh-TW" altLang="en-US" smtClean="0"/>
+              <a:rPr kumimoji="1" lang="zh-TW" altLang="en-US"/>
               <a:t>第五層</a:t>
             </a:r>
-            <a:endParaRPr kumimoji="1" lang="zh-TW" altLang="en-US"/>
           </a:p>
         </p:txBody>
       </p:sp>
@@ -1183,10 +1175,9 @@
           <a:lstStyle/>
           <a:p>
             <a:r>
-              <a:rPr lang="zh-TW" altLang="en-US" smtClean="0"/>
+              <a:rPr lang="zh-TW" altLang="en-US"/>
               <a:t>按一下以編輯母片標題樣式</a:t>
             </a:r>
-            <a:endParaRPr lang="zh-TW" altLang="en-US"/>
           </a:p>
         </p:txBody>
       </p:sp>
@@ -1245,10 +1236,9 @@
           </a:lstStyle>
           <a:p>
             <a:r>
-              <a:rPr kumimoji="1" lang="zh-TW" altLang="en-US" smtClean="0"/>
+              <a:rPr kumimoji="1" lang="zh-TW" altLang="en-US"/>
               <a:t>按一下以編輯母片標題樣式</a:t>
             </a:r>
-            <a:endParaRPr kumimoji="1" lang="zh-TW" altLang="en-US"/>
           </a:p>
         </p:txBody>
       </p:sp>
@@ -1365,7 +1355,7 @@
           <a:p>
             <a:pPr lvl="0"/>
             <a:r>
-              <a:rPr kumimoji="1" lang="zh-TW" altLang="en-US" smtClean="0"/>
+              <a:rPr kumimoji="1" lang="zh-TW" altLang="en-US"/>
               <a:t>按一下以編輯母片文字樣式</a:t>
             </a:r>
           </a:p>
@@ -1390,7 +1380,7 @@
             <a:fld id="{9D21D778-B565-4D7E-94D7-64010A445B68}" type="datetimeFigureOut">
               <a:rPr lang="en-US" smtClean="0"/>
               <a:pPr eaLnBrk="1" latinLnBrk="0" hangingPunct="1"/>
-              <a:t>4/29/2019</a:t>
+              <a:t>4/24/20</a:t>
             </a:fld>
             <a:endParaRPr lang="en-US"/>
           </a:p>
@@ -1484,10 +1474,9 @@
           <a:lstStyle/>
           <a:p>
             <a:r>
-              <a:rPr kumimoji="1" lang="zh-TW" altLang="en-US" smtClean="0"/>
+              <a:rPr kumimoji="1" lang="zh-TW" altLang="en-US"/>
               <a:t>按一下以編輯母片標題樣式</a:t>
             </a:r>
-            <a:endParaRPr kumimoji="1" lang="zh-TW" altLang="en-US"/>
           </a:p>
         </p:txBody>
       </p:sp>
@@ -1541,38 +1530,37 @@
           <a:p>
             <a:pPr lvl="0"/>
             <a:r>
-              <a:rPr kumimoji="1" lang="zh-TW" altLang="en-US" smtClean="0"/>
+              <a:rPr kumimoji="1" lang="zh-TW" altLang="en-US"/>
               <a:t>按一下以編輯母片文字樣式</a:t>
             </a:r>
           </a:p>
           <a:p>
             <a:pPr lvl="1"/>
             <a:r>
-              <a:rPr kumimoji="1" lang="zh-TW" altLang="en-US" smtClean="0"/>
+              <a:rPr kumimoji="1" lang="zh-TW" altLang="en-US"/>
               <a:t>第二層</a:t>
             </a:r>
           </a:p>
           <a:p>
             <a:pPr lvl="2"/>
             <a:r>
-              <a:rPr kumimoji="1" lang="zh-TW" altLang="en-US" smtClean="0"/>
+              <a:rPr kumimoji="1" lang="zh-TW" altLang="en-US"/>
               <a:t>第三層</a:t>
             </a:r>
           </a:p>
           <a:p>
             <a:pPr lvl="3"/>
             <a:r>
-              <a:rPr kumimoji="1" lang="zh-TW" altLang="en-US" smtClean="0"/>
+              <a:rPr kumimoji="1" lang="zh-TW" altLang="en-US"/>
               <a:t>第四層</a:t>
             </a:r>
           </a:p>
           <a:p>
             <a:pPr lvl="4"/>
             <a:r>
-              <a:rPr kumimoji="1" lang="zh-TW" altLang="en-US" smtClean="0"/>
+              <a:rPr kumimoji="1" lang="zh-TW" altLang="en-US"/>
               <a:t>第五層</a:t>
             </a:r>
-            <a:endParaRPr kumimoji="1" lang="zh-TW" altLang="en-US"/>
           </a:p>
         </p:txBody>
       </p:sp>
@@ -1626,38 +1614,37 @@
           <a:p>
             <a:pPr lvl="0"/>
             <a:r>
-              <a:rPr kumimoji="1" lang="zh-TW" altLang="en-US" smtClean="0"/>
+              <a:rPr kumimoji="1" lang="zh-TW" altLang="en-US"/>
               <a:t>按一下以編輯母片文字樣式</a:t>
             </a:r>
           </a:p>
           <a:p>
             <a:pPr lvl="1"/>
             <a:r>
-              <a:rPr kumimoji="1" lang="zh-TW" altLang="en-US" smtClean="0"/>
+              <a:rPr kumimoji="1" lang="zh-TW" altLang="en-US"/>
               <a:t>第二層</a:t>
             </a:r>
           </a:p>
           <a:p>
             <a:pPr lvl="2"/>
             <a:r>
-              <a:rPr kumimoji="1" lang="zh-TW" altLang="en-US" smtClean="0"/>
+              <a:rPr kumimoji="1" lang="zh-TW" altLang="en-US"/>
               <a:t>第三層</a:t>
             </a:r>
           </a:p>
           <a:p>
             <a:pPr lvl="3"/>
             <a:r>
-              <a:rPr kumimoji="1" lang="zh-TW" altLang="en-US" smtClean="0"/>
+              <a:rPr kumimoji="1" lang="zh-TW" altLang="en-US"/>
               <a:t>第四層</a:t>
             </a:r>
           </a:p>
           <a:p>
             <a:pPr lvl="4"/>
             <a:r>
-              <a:rPr kumimoji="1" lang="zh-TW" altLang="en-US" smtClean="0"/>
+              <a:rPr kumimoji="1" lang="zh-TW" altLang="en-US"/>
               <a:t>第五層</a:t>
             </a:r>
-            <a:endParaRPr kumimoji="1" lang="zh-TW" altLang="en-US"/>
           </a:p>
         </p:txBody>
       </p:sp>
@@ -1678,7 +1665,7 @@
           <a:p>
             <a:fld id="{D728701E-CAF4-4159-9B3E-41C86DFFA30D}" type="datetimeFigureOut">
               <a:rPr lang="en-US" smtClean="0"/>
-              <a:t>4/29/2019</a:t>
+              <a:t>4/24/20</a:t>
             </a:fld>
             <a:endParaRPr lang="en-US"/>
           </a:p>
@@ -1776,10 +1763,9 @@
           </a:lstStyle>
           <a:p>
             <a:r>
-              <a:rPr kumimoji="1" lang="zh-TW" altLang="en-US" smtClean="0"/>
+              <a:rPr kumimoji="1" lang="zh-TW" altLang="en-US"/>
               <a:t>按一下以編輯母片標題樣式</a:t>
             </a:r>
-            <a:endParaRPr kumimoji="1" lang="zh-TW" altLang="en-US"/>
           </a:p>
         </p:txBody>
       </p:sp>
@@ -1842,7 +1828,7 @@
           <a:p>
             <a:pPr lvl="0"/>
             <a:r>
-              <a:rPr kumimoji="1" lang="zh-TW" altLang="en-US" smtClean="0"/>
+              <a:rPr kumimoji="1" lang="zh-TW" altLang="en-US"/>
               <a:t>按一下以編輯母片文字樣式</a:t>
             </a:r>
           </a:p>
@@ -1898,38 +1884,37 @@
           <a:p>
             <a:pPr lvl="0"/>
             <a:r>
-              <a:rPr kumimoji="1" lang="zh-TW" altLang="en-US" smtClean="0"/>
+              <a:rPr kumimoji="1" lang="zh-TW" altLang="en-US"/>
               <a:t>按一下以編輯母片文字樣式</a:t>
             </a:r>
           </a:p>
           <a:p>
             <a:pPr lvl="1"/>
             <a:r>
-              <a:rPr kumimoji="1" lang="zh-TW" altLang="en-US" smtClean="0"/>
+              <a:rPr kumimoji="1" lang="zh-TW" altLang="en-US"/>
               <a:t>第二層</a:t>
             </a:r>
           </a:p>
           <a:p>
             <a:pPr lvl="2"/>
             <a:r>
-              <a:rPr kumimoji="1" lang="zh-TW" altLang="en-US" smtClean="0"/>
+              <a:rPr kumimoji="1" lang="zh-TW" altLang="en-US"/>
               <a:t>第三層</a:t>
             </a:r>
           </a:p>
           <a:p>
             <a:pPr lvl="3"/>
             <a:r>
-              <a:rPr kumimoji="1" lang="zh-TW" altLang="en-US" smtClean="0"/>
+              <a:rPr kumimoji="1" lang="zh-TW" altLang="en-US"/>
               <a:t>第四層</a:t>
             </a:r>
           </a:p>
           <a:p>
             <a:pPr lvl="4"/>
             <a:r>
-              <a:rPr kumimoji="1" lang="zh-TW" altLang="en-US" smtClean="0"/>
+              <a:rPr kumimoji="1" lang="zh-TW" altLang="en-US"/>
               <a:t>第五層</a:t>
             </a:r>
-            <a:endParaRPr kumimoji="1" lang="zh-TW" altLang="en-US"/>
           </a:p>
         </p:txBody>
       </p:sp>
@@ -1992,7 +1977,7 @@
           <a:p>
             <a:pPr lvl="0"/>
             <a:r>
-              <a:rPr kumimoji="1" lang="zh-TW" altLang="en-US" smtClean="0"/>
+              <a:rPr kumimoji="1" lang="zh-TW" altLang="en-US"/>
               <a:t>按一下以編輯母片文字樣式</a:t>
             </a:r>
           </a:p>
@@ -2048,38 +2033,37 @@
           <a:p>
             <a:pPr lvl="0"/>
             <a:r>
-              <a:rPr kumimoji="1" lang="zh-TW" altLang="en-US" smtClean="0"/>
+              <a:rPr kumimoji="1" lang="zh-TW" altLang="en-US"/>
               <a:t>按一下以編輯母片文字樣式</a:t>
             </a:r>
           </a:p>
           <a:p>
             <a:pPr lvl="1"/>
             <a:r>
-              <a:rPr kumimoji="1" lang="zh-TW" altLang="en-US" smtClean="0"/>
+              <a:rPr kumimoji="1" lang="zh-TW" altLang="en-US"/>
               <a:t>第二層</a:t>
             </a:r>
           </a:p>
           <a:p>
             <a:pPr lvl="2"/>
             <a:r>
-              <a:rPr kumimoji="1" lang="zh-TW" altLang="en-US" smtClean="0"/>
+              <a:rPr kumimoji="1" lang="zh-TW" altLang="en-US"/>
               <a:t>第三層</a:t>
             </a:r>
           </a:p>
           <a:p>
             <a:pPr lvl="3"/>
             <a:r>
-              <a:rPr kumimoji="1" lang="zh-TW" altLang="en-US" smtClean="0"/>
+              <a:rPr kumimoji="1" lang="zh-TW" altLang="en-US"/>
               <a:t>第四層</a:t>
             </a:r>
           </a:p>
           <a:p>
             <a:pPr lvl="4"/>
             <a:r>
-              <a:rPr kumimoji="1" lang="zh-TW" altLang="en-US" smtClean="0"/>
+              <a:rPr kumimoji="1" lang="zh-TW" altLang="en-US"/>
               <a:t>第五層</a:t>
             </a:r>
-            <a:endParaRPr kumimoji="1" lang="zh-TW" altLang="en-US"/>
           </a:p>
         </p:txBody>
       </p:sp>
@@ -2100,7 +2084,7 @@
           <a:p>
             <a:fld id="{D728701E-CAF4-4159-9B3E-41C86DFFA30D}" type="datetimeFigureOut">
               <a:rPr lang="en-US" smtClean="0"/>
-              <a:t>4/29/2019</a:t>
+              <a:t>4/24/20</a:t>
             </a:fld>
             <a:endParaRPr lang="en-US"/>
           </a:p>
@@ -2194,10 +2178,9 @@
           <a:lstStyle/>
           <a:p>
             <a:r>
-              <a:rPr kumimoji="1" lang="zh-TW" altLang="en-US" smtClean="0"/>
+              <a:rPr kumimoji="1" lang="zh-TW" altLang="en-US"/>
               <a:t>按一下以編輯母片標題樣式</a:t>
             </a:r>
-            <a:endParaRPr kumimoji="1" lang="zh-TW" altLang="en-US"/>
           </a:p>
         </p:txBody>
       </p:sp>
@@ -2218,7 +2201,7 @@
           <a:p>
             <a:fld id="{D728701E-CAF4-4159-9B3E-41C86DFFA30D}" type="datetimeFigureOut">
               <a:rPr lang="en-US" smtClean="0"/>
-              <a:t>4/29/2019</a:t>
+              <a:t>4/24/20</a:t>
             </a:fld>
             <a:endParaRPr lang="en-US"/>
           </a:p>
@@ -2313,7 +2296,7 @@
           <a:p>
             <a:fld id="{D728701E-CAF4-4159-9B3E-41C86DFFA30D}" type="datetimeFigureOut">
               <a:rPr lang="en-US" smtClean="0"/>
-              <a:t>4/29/2019</a:t>
+              <a:t>4/24/20</a:t>
             </a:fld>
             <a:endParaRPr lang="en-US"/>
           </a:p>
@@ -2416,10 +2399,9 @@
           </a:lstStyle>
           <a:p>
             <a:r>
-              <a:rPr kumimoji="1" lang="zh-TW" altLang="en-US" smtClean="0"/>
+              <a:rPr kumimoji="1" lang="zh-TW" altLang="en-US"/>
               <a:t>按一下以編輯母片標題樣式</a:t>
             </a:r>
-            <a:endParaRPr kumimoji="1" lang="zh-TW" altLang="en-US"/>
           </a:p>
         </p:txBody>
       </p:sp>
@@ -2473,38 +2455,37 @@
           <a:p>
             <a:pPr lvl="0"/>
             <a:r>
-              <a:rPr kumimoji="1" lang="zh-TW" altLang="en-US" smtClean="0"/>
+              <a:rPr kumimoji="1" lang="zh-TW" altLang="en-US"/>
               <a:t>按一下以編輯母片文字樣式</a:t>
             </a:r>
           </a:p>
           <a:p>
             <a:pPr lvl="1"/>
             <a:r>
-              <a:rPr kumimoji="1" lang="zh-TW" altLang="en-US" smtClean="0"/>
+              <a:rPr kumimoji="1" lang="zh-TW" altLang="en-US"/>
               <a:t>第二層</a:t>
             </a:r>
           </a:p>
           <a:p>
             <a:pPr lvl="2"/>
             <a:r>
-              <a:rPr kumimoji="1" lang="zh-TW" altLang="en-US" smtClean="0"/>
+              <a:rPr kumimoji="1" lang="zh-TW" altLang="en-US"/>
               <a:t>第三層</a:t>
             </a:r>
           </a:p>
           <a:p>
             <a:pPr lvl="3"/>
             <a:r>
-              <a:rPr kumimoji="1" lang="zh-TW" altLang="en-US" smtClean="0"/>
+              <a:rPr kumimoji="1" lang="zh-TW" altLang="en-US"/>
               <a:t>第四層</a:t>
             </a:r>
           </a:p>
           <a:p>
             <a:pPr lvl="4"/>
             <a:r>
-              <a:rPr kumimoji="1" lang="zh-TW" altLang="en-US" smtClean="0"/>
+              <a:rPr kumimoji="1" lang="zh-TW" altLang="en-US"/>
               <a:t>第五層</a:t>
             </a:r>
-            <a:endParaRPr kumimoji="1" lang="zh-TW" altLang="en-US"/>
           </a:p>
         </p:txBody>
       </p:sp>
@@ -2567,7 +2548,7 @@
           <a:p>
             <a:pPr lvl="0"/>
             <a:r>
-              <a:rPr kumimoji="1" lang="zh-TW" altLang="en-US" smtClean="0"/>
+              <a:rPr kumimoji="1" lang="zh-TW" altLang="en-US"/>
               <a:t>按一下以編輯母片文字樣式</a:t>
             </a:r>
           </a:p>
@@ -2590,7 +2571,7 @@
           <a:p>
             <a:fld id="{D728701E-CAF4-4159-9B3E-41C86DFFA30D}" type="datetimeFigureOut">
               <a:rPr lang="en-US" smtClean="0"/>
-              <a:t>4/29/2019</a:t>
+              <a:t>4/24/20</a:t>
             </a:fld>
             <a:endParaRPr lang="en-US"/>
           </a:p>
@@ -2693,10 +2674,9 @@
           </a:lstStyle>
           <a:p>
             <a:r>
-              <a:rPr kumimoji="1" lang="zh-TW" altLang="en-US" smtClean="0"/>
+              <a:rPr kumimoji="1" lang="zh-TW" altLang="en-US"/>
               <a:t>按一下以編輯母片標題樣式</a:t>
             </a:r>
-            <a:endParaRPr kumimoji="1" lang="zh-TW" altLang="en-US"/>
           </a:p>
         </p:txBody>
       </p:sp>
@@ -2820,7 +2800,7 @@
           <a:p>
             <a:pPr lvl="0"/>
             <a:r>
-              <a:rPr kumimoji="1" lang="zh-TW" altLang="en-US" smtClean="0"/>
+              <a:rPr kumimoji="1" lang="zh-TW" altLang="en-US"/>
               <a:t>按一下以編輯母片文字樣式</a:t>
             </a:r>
           </a:p>
@@ -2843,7 +2823,7 @@
           <a:p>
             <a:fld id="{D728701E-CAF4-4159-9B3E-41C86DFFA30D}" type="datetimeFigureOut">
               <a:rPr lang="en-US" smtClean="0"/>
-              <a:t>4/29/2019</a:t>
+              <a:t>4/24/20</a:t>
             </a:fld>
             <a:endParaRPr lang="en-US"/>
           </a:p>
@@ -2952,10 +2932,9 @@
           <a:lstStyle/>
           <a:p>
             <a:r>
-              <a:rPr kumimoji="1" lang="zh-TW" altLang="en-US" smtClean="0"/>
+              <a:rPr kumimoji="1" lang="zh-TW" altLang="en-US"/>
               <a:t>按一下以編輯母片標題樣式</a:t>
             </a:r>
-            <a:endParaRPr kumimoji="1" lang="zh-TW" altLang="en-US"/>
           </a:p>
         </p:txBody>
       </p:sp>
@@ -2986,38 +2965,37 @@
           <a:p>
             <a:pPr lvl="0"/>
             <a:r>
-              <a:rPr kumimoji="1" lang="zh-TW" altLang="en-US" smtClean="0"/>
+              <a:rPr kumimoji="1" lang="zh-TW" altLang="en-US"/>
               <a:t>按一下以編輯母片文字樣式</a:t>
             </a:r>
           </a:p>
           <a:p>
             <a:pPr lvl="1"/>
             <a:r>
-              <a:rPr kumimoji="1" lang="zh-TW" altLang="en-US" smtClean="0"/>
+              <a:rPr kumimoji="1" lang="zh-TW" altLang="en-US"/>
               <a:t>第二層</a:t>
             </a:r>
           </a:p>
           <a:p>
             <a:pPr lvl="2"/>
             <a:r>
-              <a:rPr kumimoji="1" lang="zh-TW" altLang="en-US" smtClean="0"/>
+              <a:rPr kumimoji="1" lang="zh-TW" altLang="en-US"/>
               <a:t>第三層</a:t>
             </a:r>
           </a:p>
           <a:p>
             <a:pPr lvl="3"/>
             <a:r>
-              <a:rPr kumimoji="1" lang="zh-TW" altLang="en-US" smtClean="0"/>
+              <a:rPr kumimoji="1" lang="zh-TW" altLang="en-US"/>
               <a:t>第四層</a:t>
             </a:r>
           </a:p>
           <a:p>
             <a:pPr lvl="4"/>
             <a:r>
-              <a:rPr kumimoji="1" lang="zh-TW" altLang="en-US" smtClean="0"/>
+              <a:rPr kumimoji="1" lang="zh-TW" altLang="en-US"/>
               <a:t>第五層</a:t>
             </a:r>
-            <a:endParaRPr kumimoji="1" lang="zh-TW" altLang="en-US"/>
           </a:p>
         </p:txBody>
       </p:sp>
@@ -3056,7 +3034,7 @@
           <a:p>
             <a:fld id="{D728701E-CAF4-4159-9B3E-41C86DFFA30D}" type="datetimeFigureOut">
               <a:rPr lang="en-US" smtClean="0"/>
-              <a:t>4/29/2019</a:t>
+              <a:t>4/24/20</a:t>
             </a:fld>
             <a:endParaRPr lang="en-US"/>
           </a:p>
@@ -4831,7 +4809,7 @@
               <a:p>
                 <a:pPr algn="ctr"/>
                 <a:r>
-                  <a:rPr lang="en-US" altLang="zh-TW" sz="5400" b="1" cap="none" spc="0" dirty="0" smtClean="0">
+                  <a:rPr lang="en-US" altLang="zh-TW" sz="5400" b="1" cap="none" spc="0" dirty="0">
                     <a:ln w="12700">
                       <a:solidFill>
                         <a:schemeClr val="tx2">
@@ -5234,14 +5212,14 @@
           <a:lstStyle/>
           <a:p>
             <a:r>
-              <a:rPr kumimoji="1" lang="en-US" altLang="zh-TW" dirty="0" smtClean="0"/>
+              <a:rPr kumimoji="1" lang="en-US" altLang="zh-TW" dirty="0"/>
               <a:t>Introduction to Programming(II)</a:t>
             </a:r>
             <a:br>
-              <a:rPr kumimoji="1" lang="en-US" altLang="zh-TW" dirty="0" smtClean="0"/>
+              <a:rPr kumimoji="1" lang="en-US" altLang="zh-TW" dirty="0"/>
             </a:br>
             <a:r>
-              <a:rPr kumimoji="1" lang="en-US" altLang="zh-TW" dirty="0" smtClean="0"/>
+              <a:rPr kumimoji="1" lang="en-US" altLang="zh-TW" dirty="0"/>
               <a:t>Week 09: C++ Operator Overloading</a:t>
             </a:r>
             <a:endParaRPr kumimoji="1" lang="zh-TW" altLang="en-US" dirty="0"/>
@@ -5264,10 +5242,9 @@
           <a:lstStyle/>
           <a:p>
             <a:r>
-              <a:rPr kumimoji="1" lang="zh-TW" altLang="en-US" dirty="0" smtClean="0"/>
+              <a:rPr kumimoji="1" lang="zh-TW" altLang="en-US" dirty="0"/>
               <a:t>李哲榮</a:t>
             </a:r>
-            <a:endParaRPr kumimoji="1" lang="zh-TW" altLang="en-US" dirty="0"/>
           </a:p>
         </p:txBody>
       </p:sp>
@@ -5281,21 +5258,6 @@
   <p:clrMapOvr>
     <a:masterClrMapping/>
   </p:clrMapOvr>
-  <mc:AlternateContent xmlns:mc="http://schemas.openxmlformats.org/markup-compatibility/2006" xmlns:p14="http://schemas.microsoft.com/office/powerpoint/2010/main">
-    <mc:Choice Requires="p14">
-      <p:transition spd="slow" p14:dur="2000"/>
-    </mc:Choice>
-    <mc:Fallback xmlns="">
-      <p:transition xmlns:p14="http://schemas.microsoft.com/office/powerpoint/2010/main" spd="slow"/>
-    </mc:Fallback>
-  </mc:AlternateContent>
-  <p:timing>
-    <p:tnLst>
-      <p:par>
-        <p:cTn id="1" dur="indefinite" restart="never" nodeType="tmRoot"/>
-      </p:par>
-    </p:tnLst>
-  </p:timing>
 </p:sld>
 </file>
 
@@ -5332,7 +5294,7 @@
           <a:lstStyle/>
           <a:p>
             <a:r>
-              <a:rPr lang="en-US" altLang="zh-TW" dirty="0" smtClean="0"/>
+              <a:rPr lang="en-US" altLang="zh-TW" dirty="0"/>
               <a:t>Example: string class</a:t>
             </a:r>
             <a:endParaRPr lang="zh-TW" altLang="en-US" dirty="0"/>
@@ -5361,7 +5323,7 @@
           <a:lstStyle/>
           <a:p>
             <a:r>
-              <a:rPr lang="zh-TW" altLang="en-US" sz="2400" dirty="0" smtClean="0">
+              <a:rPr lang="zh-TW" altLang="en-US" sz="2400" dirty="0">
                 <a:latin typeface="Courier New" panose="02070309020205020404" pitchFamily="49" charset="0"/>
                 <a:cs typeface="Courier New" panose="02070309020205020404" pitchFamily="49" charset="0"/>
               </a:rPr>
@@ -5370,120 +5332,36 @@
           </a:p>
           <a:p>
             <a:r>
-              <a:rPr lang="zh-TW" altLang="en-US" sz="2400" dirty="0" smtClean="0">
-                <a:latin typeface="Courier New" panose="02070309020205020404" pitchFamily="49" charset="0"/>
-                <a:cs typeface="Courier New" panose="02070309020205020404" pitchFamily="49" charset="0"/>
-              </a:rPr>
-              <a:t>cout &lt;</a:t>
-            </a:r>
-            <a:r>
               <a:rPr lang="zh-TW" altLang="en-US" sz="2400" dirty="0">
                 <a:latin typeface="Courier New" panose="02070309020205020404" pitchFamily="49" charset="0"/>
                 <a:cs typeface="Courier New" panose="02070309020205020404" pitchFamily="49" charset="0"/>
               </a:rPr>
-              <a:t>&lt; </a:t>
-            </a:r>
-            <a:r>
-              <a:rPr lang="zh-TW" altLang="en-US" sz="2400" dirty="0" smtClean="0">
-                <a:latin typeface="Courier New" panose="02070309020205020404" pitchFamily="49" charset="0"/>
-                <a:cs typeface="Courier New" panose="02070309020205020404" pitchFamily="49" charset="0"/>
-              </a:rPr>
-              <a:t>"\n The </a:t>
+              <a:t>cout &lt;&lt; "\n The results of comparing s2</a:t>
+            </a:r>
+            <a:r>
+              <a:rPr lang="en-US" altLang="zh-TW" sz="2400" dirty="0">
+                <a:latin typeface="Courier New" panose="02070309020205020404" pitchFamily="49" charset="0"/>
+                <a:cs typeface="Courier New" panose="02070309020205020404" pitchFamily="49" charset="0"/>
+              </a:rPr>
+              <a:t>&amp;</a:t>
             </a:r>
             <a:r>
               <a:rPr lang="zh-TW" altLang="en-US" sz="2400" dirty="0">
                 <a:latin typeface="Courier New" panose="02070309020205020404" pitchFamily="49" charset="0"/>
                 <a:cs typeface="Courier New" panose="02070309020205020404" pitchFamily="49" charset="0"/>
               </a:rPr>
-              <a:t>results of comparing s</a:t>
-            </a:r>
-            <a:r>
-              <a:rPr lang="zh-TW" altLang="en-US" sz="2400" dirty="0" smtClean="0">
-                <a:latin typeface="Courier New" panose="02070309020205020404" pitchFamily="49" charset="0"/>
-                <a:cs typeface="Courier New" panose="02070309020205020404" pitchFamily="49" charset="0"/>
-              </a:rPr>
-              <a:t>2</a:t>
-            </a:r>
-            <a:r>
-              <a:rPr lang="en-US" altLang="zh-TW" sz="2400" dirty="0" smtClean="0">
-                <a:latin typeface="Courier New" panose="02070309020205020404" pitchFamily="49" charset="0"/>
-                <a:cs typeface="Courier New" panose="02070309020205020404" pitchFamily="49" charset="0"/>
-              </a:rPr>
-              <a:t>&amp;</a:t>
-            </a:r>
-            <a:r>
-              <a:rPr lang="zh-TW" altLang="en-US" sz="2400" dirty="0" smtClean="0">
-                <a:latin typeface="Courier New" panose="02070309020205020404" pitchFamily="49" charset="0"/>
-                <a:cs typeface="Courier New" panose="02070309020205020404" pitchFamily="49" charset="0"/>
-              </a:rPr>
-              <a:t>s</a:t>
-            </a:r>
+              <a:t>s1:"</a:t>
+            </a:r>
+          </a:p>
+          <a:p>
             <a:r>
               <a:rPr lang="zh-TW" altLang="en-US" sz="2400" dirty="0">
                 <a:latin typeface="Courier New" panose="02070309020205020404" pitchFamily="49" charset="0"/>
                 <a:cs typeface="Courier New" panose="02070309020205020404" pitchFamily="49" charset="0"/>
               </a:rPr>
-              <a:t>1:"</a:t>
-            </a:r>
-          </a:p>
-          <a:p>
-            <a:r>
-              <a:rPr lang="zh-TW" altLang="en-US" sz="2400" dirty="0">
-                <a:latin typeface="Courier New" panose="02070309020205020404" pitchFamily="49" charset="0"/>
-                <a:cs typeface="Courier New" panose="02070309020205020404" pitchFamily="49" charset="0"/>
-              </a:rPr>
-              <a:t>     </a:t>
-            </a:r>
-            <a:r>
-              <a:rPr lang="zh-TW" altLang="en-US" sz="2400" dirty="0" smtClean="0">
-                <a:latin typeface="Courier New" panose="02070309020205020404" pitchFamily="49" charset="0"/>
-                <a:cs typeface="Courier New" panose="02070309020205020404" pitchFamily="49" charset="0"/>
-              </a:rPr>
-              <a:t>&lt;</a:t>
-            </a:r>
-            <a:r>
-              <a:rPr lang="zh-TW" altLang="en-US" sz="2400" dirty="0">
-                <a:latin typeface="Courier New" panose="02070309020205020404" pitchFamily="49" charset="0"/>
-                <a:cs typeface="Courier New" panose="02070309020205020404" pitchFamily="49" charset="0"/>
-              </a:rPr>
-              <a:t>&lt; </a:t>
-            </a:r>
-            <a:r>
-              <a:rPr lang="zh-TW" altLang="en-US" sz="2400" dirty="0" smtClean="0">
-                <a:latin typeface="Courier New" panose="02070309020205020404" pitchFamily="49" charset="0"/>
-                <a:cs typeface="Courier New" panose="02070309020205020404" pitchFamily="49" charset="0"/>
-              </a:rPr>
-              <a:t>“\</a:t>
-            </a:r>
-            <a:r>
-              <a:rPr lang="zh-TW" altLang="en-US" sz="2400" dirty="0">
-                <a:latin typeface="Courier New" panose="02070309020205020404" pitchFamily="49" charset="0"/>
-                <a:cs typeface="Courier New" panose="02070309020205020404" pitchFamily="49" charset="0"/>
-              </a:rPr>
-              <a:t>ns</a:t>
-            </a:r>
-            <a:r>
-              <a:rPr lang="zh-TW" altLang="en-US" sz="2400" dirty="0" smtClean="0">
-                <a:latin typeface="Courier New" panose="02070309020205020404" pitchFamily="49" charset="0"/>
-                <a:cs typeface="Courier New" panose="02070309020205020404" pitchFamily="49" charset="0"/>
-              </a:rPr>
-              <a:t>2==s</a:t>
-            </a:r>
-            <a:r>
-              <a:rPr lang="zh-TW" altLang="en-US" sz="2400" dirty="0">
-                <a:latin typeface="Courier New" panose="02070309020205020404" pitchFamily="49" charset="0"/>
-                <a:cs typeface="Courier New" panose="02070309020205020404" pitchFamily="49" charset="0"/>
-              </a:rPr>
-              <a:t>1 </a:t>
-            </a:r>
-            <a:r>
-              <a:rPr lang="zh-TW" altLang="en-US" sz="2400" dirty="0" smtClean="0">
-                <a:latin typeface="Courier New" panose="02070309020205020404" pitchFamily="49" charset="0"/>
-                <a:cs typeface="Courier New" panose="02070309020205020404" pitchFamily="49" charset="0"/>
-              </a:rPr>
-              <a:t>yields ” </a:t>
-            </a:r>
-            <a:endParaRPr lang="en-US" altLang="zh-TW" sz="2400" dirty="0" smtClean="0">
+              <a:t>     &lt;&lt; “\ns2==s1 yields ” </a:t>
+            </a:r>
+            <a:endParaRPr lang="en-US" altLang="zh-TW" sz="2400" dirty="0">
               <a:latin typeface="Courier New" panose="02070309020205020404" pitchFamily="49" charset="0"/>
               <a:cs typeface="Courier New" panose="02070309020205020404" pitchFamily="49" charset="0"/>
             </a:endParaRPr>
@@ -5494,236 +5372,14 @@
                 <a:latin typeface="Courier New" panose="02070309020205020404" pitchFamily="49" charset="0"/>
                 <a:cs typeface="Courier New" panose="02070309020205020404" pitchFamily="49" charset="0"/>
               </a:rPr>
-              <a:t> </a:t>
-            </a:r>
-            <a:r>
-              <a:rPr lang="en-US" altLang="zh-TW" sz="2400" dirty="0" smtClean="0">
-                <a:latin typeface="Courier New" panose="02070309020205020404" pitchFamily="49" charset="0"/>
-                <a:cs typeface="Courier New" panose="02070309020205020404" pitchFamily="49" charset="0"/>
-              </a:rPr>
-              <a:t>    </a:t>
-            </a:r>
-            <a:r>
-              <a:rPr lang="zh-TW" altLang="en-US" sz="2400" dirty="0" smtClean="0">
+              <a:t>     </a:t>
+            </a:r>
+            <a:r>
+              <a:rPr lang="zh-TW" altLang="en-US" sz="2400" dirty="0">
                 <a:latin typeface="Courier New" panose="02070309020205020404" pitchFamily="49" charset="0"/>
                 <a:cs typeface="Courier New" panose="02070309020205020404" pitchFamily="49" charset="0"/>
               </a:rPr>
               <a:t>&lt;&lt; (</a:t>
-            </a:r>
-            <a:r>
-              <a:rPr lang="zh-TW" altLang="en-US" sz="2400" dirty="0" smtClean="0">
-                <a:solidFill>
-                  <a:srgbClr val="FF0000"/>
-                </a:solidFill>
-                <a:latin typeface="Courier New" panose="02070309020205020404" pitchFamily="49" charset="0"/>
-                <a:cs typeface="Courier New" panose="02070309020205020404" pitchFamily="49" charset="0"/>
-              </a:rPr>
-              <a:t>s2==s1 </a:t>
-            </a:r>
-            <a:r>
-              <a:rPr lang="zh-TW" altLang="en-US" sz="2400" dirty="0" smtClean="0">
-                <a:latin typeface="Courier New" panose="02070309020205020404" pitchFamily="49" charset="0"/>
-                <a:cs typeface="Courier New" panose="02070309020205020404" pitchFamily="49" charset="0"/>
-              </a:rPr>
-              <a:t>? “true” : "false")</a:t>
-            </a:r>
-            <a:endParaRPr lang="zh-TW" altLang="en-US" sz="2400" dirty="0">
-              <a:latin typeface="Courier New" panose="02070309020205020404" pitchFamily="49" charset="0"/>
-              <a:cs typeface="Courier New" panose="02070309020205020404" pitchFamily="49" charset="0"/>
-            </a:endParaRPr>
-          </a:p>
-          <a:p>
-            <a:r>
-              <a:rPr lang="zh-TW" altLang="en-US" sz="2400" dirty="0">
-                <a:latin typeface="Courier New" panose="02070309020205020404" pitchFamily="49" charset="0"/>
-                <a:cs typeface="Courier New" panose="02070309020205020404" pitchFamily="49" charset="0"/>
-              </a:rPr>
-              <a:t>     </a:t>
-            </a:r>
-            <a:r>
-              <a:rPr lang="zh-TW" altLang="en-US" sz="2400" dirty="0" smtClean="0">
-                <a:latin typeface="Courier New" panose="02070309020205020404" pitchFamily="49" charset="0"/>
-                <a:cs typeface="Courier New" panose="02070309020205020404" pitchFamily="49" charset="0"/>
-              </a:rPr>
-              <a:t>&lt;</a:t>
-            </a:r>
-            <a:r>
-              <a:rPr lang="zh-TW" altLang="en-US" sz="2400" dirty="0">
-                <a:latin typeface="Courier New" panose="02070309020205020404" pitchFamily="49" charset="0"/>
-                <a:cs typeface="Courier New" panose="02070309020205020404" pitchFamily="49" charset="0"/>
-              </a:rPr>
-              <a:t>&lt; </a:t>
-            </a:r>
-            <a:r>
-              <a:rPr lang="zh-TW" altLang="en-US" sz="2400" dirty="0" smtClean="0">
-                <a:latin typeface="Courier New" panose="02070309020205020404" pitchFamily="49" charset="0"/>
-                <a:cs typeface="Courier New" panose="02070309020205020404" pitchFamily="49" charset="0"/>
-              </a:rPr>
-              <a:t>“\</a:t>
-            </a:r>
-            <a:r>
-              <a:rPr lang="zh-TW" altLang="en-US" sz="2400" dirty="0">
-                <a:latin typeface="Courier New" panose="02070309020205020404" pitchFamily="49" charset="0"/>
-                <a:cs typeface="Courier New" panose="02070309020205020404" pitchFamily="49" charset="0"/>
-              </a:rPr>
-              <a:t>ns</a:t>
-            </a:r>
-            <a:r>
-              <a:rPr lang="zh-TW" altLang="en-US" sz="2400" dirty="0" smtClean="0">
-                <a:latin typeface="Courier New" panose="02070309020205020404" pitchFamily="49" charset="0"/>
-                <a:cs typeface="Courier New" panose="02070309020205020404" pitchFamily="49" charset="0"/>
-              </a:rPr>
-              <a:t>2!=s</a:t>
-            </a:r>
-            <a:r>
-              <a:rPr lang="zh-TW" altLang="en-US" sz="2400" dirty="0">
-                <a:latin typeface="Courier New" panose="02070309020205020404" pitchFamily="49" charset="0"/>
-                <a:cs typeface="Courier New" panose="02070309020205020404" pitchFamily="49" charset="0"/>
-              </a:rPr>
-              <a:t>1 </a:t>
-            </a:r>
-            <a:r>
-              <a:rPr lang="zh-TW" altLang="en-US" sz="2400" dirty="0" smtClean="0">
-                <a:latin typeface="Courier New" panose="02070309020205020404" pitchFamily="49" charset="0"/>
-                <a:cs typeface="Courier New" panose="02070309020205020404" pitchFamily="49" charset="0"/>
-              </a:rPr>
-              <a:t>yields ”</a:t>
-            </a:r>
-            <a:endParaRPr lang="en-US" altLang="zh-TW" sz="2400" dirty="0" smtClean="0">
-              <a:latin typeface="Courier New" panose="02070309020205020404" pitchFamily="49" charset="0"/>
-              <a:cs typeface="Courier New" panose="02070309020205020404" pitchFamily="49" charset="0"/>
-            </a:endParaRPr>
-          </a:p>
-          <a:p>
-            <a:r>
-              <a:rPr lang="en-US" altLang="zh-TW" sz="2400" dirty="0">
-                <a:latin typeface="Courier New" panose="02070309020205020404" pitchFamily="49" charset="0"/>
-                <a:cs typeface="Courier New" panose="02070309020205020404" pitchFamily="49" charset="0"/>
-              </a:rPr>
-              <a:t> </a:t>
-            </a:r>
-            <a:r>
-              <a:rPr lang="en-US" altLang="zh-TW" sz="2400" dirty="0" smtClean="0">
-                <a:latin typeface="Courier New" panose="02070309020205020404" pitchFamily="49" charset="0"/>
-                <a:cs typeface="Courier New" panose="02070309020205020404" pitchFamily="49" charset="0"/>
-              </a:rPr>
-              <a:t>    </a:t>
-            </a:r>
-            <a:r>
-              <a:rPr lang="zh-TW" altLang="en-US" sz="2400" dirty="0" smtClean="0">
-                <a:latin typeface="Courier New" panose="02070309020205020404" pitchFamily="49" charset="0"/>
-                <a:cs typeface="Courier New" panose="02070309020205020404" pitchFamily="49" charset="0"/>
-              </a:rPr>
-              <a:t>&lt;&lt; (</a:t>
-            </a:r>
-            <a:r>
-              <a:rPr lang="zh-TW" altLang="en-US" sz="2400" dirty="0" smtClean="0">
-                <a:solidFill>
-                  <a:srgbClr val="FF0000"/>
-                </a:solidFill>
-                <a:latin typeface="Courier New" panose="02070309020205020404" pitchFamily="49" charset="0"/>
-                <a:cs typeface="Courier New" panose="02070309020205020404" pitchFamily="49" charset="0"/>
-              </a:rPr>
-              <a:t>s2!=s1 </a:t>
-            </a:r>
-            <a:r>
-              <a:rPr lang="zh-TW" altLang="en-US" sz="2400" dirty="0" smtClean="0">
-                <a:latin typeface="Courier New" panose="02070309020205020404" pitchFamily="49" charset="0"/>
-                <a:cs typeface="Courier New" panose="02070309020205020404" pitchFamily="49" charset="0"/>
-              </a:rPr>
-              <a:t>? “true” : "false")</a:t>
-            </a:r>
-            <a:endParaRPr lang="zh-TW" altLang="en-US" sz="2400" dirty="0">
-              <a:latin typeface="Courier New" panose="02070309020205020404" pitchFamily="49" charset="0"/>
-              <a:cs typeface="Courier New" panose="02070309020205020404" pitchFamily="49" charset="0"/>
-            </a:endParaRPr>
-          </a:p>
-          <a:p>
-            <a:r>
-              <a:rPr lang="zh-TW" altLang="en-US" sz="2400" dirty="0">
-                <a:latin typeface="Courier New" panose="02070309020205020404" pitchFamily="49" charset="0"/>
-                <a:cs typeface="Courier New" panose="02070309020205020404" pitchFamily="49" charset="0"/>
-              </a:rPr>
-              <a:t>     </a:t>
-            </a:r>
-            <a:r>
-              <a:rPr lang="zh-TW" altLang="en-US" sz="2400" dirty="0" smtClean="0">
-                <a:latin typeface="Courier New" panose="02070309020205020404" pitchFamily="49" charset="0"/>
-                <a:cs typeface="Courier New" panose="02070309020205020404" pitchFamily="49" charset="0"/>
-              </a:rPr>
-              <a:t>&lt;</a:t>
-            </a:r>
-            <a:r>
-              <a:rPr lang="zh-TW" altLang="en-US" sz="2400" dirty="0">
-                <a:latin typeface="Courier New" panose="02070309020205020404" pitchFamily="49" charset="0"/>
-                <a:cs typeface="Courier New" panose="02070309020205020404" pitchFamily="49" charset="0"/>
-              </a:rPr>
-              <a:t>&lt; </a:t>
-            </a:r>
-            <a:r>
-              <a:rPr lang="zh-TW" altLang="en-US" sz="2400" dirty="0" smtClean="0">
-                <a:latin typeface="Courier New" panose="02070309020205020404" pitchFamily="49" charset="0"/>
-                <a:cs typeface="Courier New" panose="02070309020205020404" pitchFamily="49" charset="0"/>
-              </a:rPr>
-              <a:t>“\</a:t>
-            </a:r>
-            <a:r>
-              <a:rPr lang="zh-TW" altLang="en-US" sz="2400" dirty="0">
-                <a:latin typeface="Courier New" panose="02070309020205020404" pitchFamily="49" charset="0"/>
-                <a:cs typeface="Courier New" panose="02070309020205020404" pitchFamily="49" charset="0"/>
-              </a:rPr>
-              <a:t>ns</a:t>
-            </a:r>
-            <a:r>
-              <a:rPr lang="zh-TW" altLang="en-US" sz="2400" dirty="0" smtClean="0">
-                <a:latin typeface="Courier New" panose="02070309020205020404" pitchFamily="49" charset="0"/>
-                <a:cs typeface="Courier New" panose="02070309020205020404" pitchFamily="49" charset="0"/>
-              </a:rPr>
-              <a:t>2 &gt;s</a:t>
-            </a:r>
-            <a:r>
-              <a:rPr lang="zh-TW" altLang="en-US" sz="2400" dirty="0">
-                <a:latin typeface="Courier New" panose="02070309020205020404" pitchFamily="49" charset="0"/>
-                <a:cs typeface="Courier New" panose="02070309020205020404" pitchFamily="49" charset="0"/>
-              </a:rPr>
-              <a:t>1 yields " </a:t>
-            </a:r>
-            <a:endParaRPr lang="en-US" altLang="zh-TW" sz="2400" dirty="0" smtClean="0">
-              <a:latin typeface="Courier New" panose="02070309020205020404" pitchFamily="49" charset="0"/>
-              <a:cs typeface="Courier New" panose="02070309020205020404" pitchFamily="49" charset="0"/>
-            </a:endParaRPr>
-          </a:p>
-          <a:p>
-            <a:r>
-              <a:rPr lang="en-US" altLang="zh-TW" sz="2400" dirty="0">
-                <a:latin typeface="Courier New" panose="02070309020205020404" pitchFamily="49" charset="0"/>
-                <a:cs typeface="Courier New" panose="02070309020205020404" pitchFamily="49" charset="0"/>
-              </a:rPr>
-              <a:t> </a:t>
-            </a:r>
-            <a:r>
-              <a:rPr lang="en-US" altLang="zh-TW" sz="2400" dirty="0" smtClean="0">
-                <a:latin typeface="Courier New" panose="02070309020205020404" pitchFamily="49" charset="0"/>
-                <a:cs typeface="Courier New" panose="02070309020205020404" pitchFamily="49" charset="0"/>
-              </a:rPr>
-              <a:t>    </a:t>
-            </a:r>
-            <a:r>
-              <a:rPr lang="zh-TW" altLang="en-US" sz="2400" dirty="0" smtClean="0">
-                <a:latin typeface="Courier New" panose="02070309020205020404" pitchFamily="49" charset="0"/>
-                <a:cs typeface="Courier New" panose="02070309020205020404" pitchFamily="49" charset="0"/>
-              </a:rPr>
-              <a:t>&lt;&lt; (</a:t>
-            </a:r>
-            <a:r>
-              <a:rPr lang="zh-TW" altLang="en-US" sz="2400" dirty="0" smtClean="0">
-                <a:solidFill>
-                  <a:srgbClr val="FF0000"/>
-                </a:solidFill>
-                <a:latin typeface="Courier New" panose="02070309020205020404" pitchFamily="49" charset="0"/>
-                <a:cs typeface="Courier New" panose="02070309020205020404" pitchFamily="49" charset="0"/>
-              </a:rPr>
-              <a:t>s</a:t>
             </a:r>
             <a:r>
               <a:rPr lang="zh-TW" altLang="en-US" sz="2400" dirty="0">
@@ -5733,102 +5389,43 @@
                 <a:latin typeface="Courier New" panose="02070309020205020404" pitchFamily="49" charset="0"/>
                 <a:cs typeface="Courier New" panose="02070309020205020404" pitchFamily="49" charset="0"/>
               </a:rPr>
-              <a:t>2 </a:t>
-            </a:r>
-            <a:r>
-              <a:rPr lang="zh-TW" altLang="en-US" sz="2400" dirty="0" smtClean="0">
-                <a:solidFill>
-                  <a:srgbClr val="FF0000"/>
-                </a:solidFill>
-                <a:latin typeface="Courier New" panose="02070309020205020404" pitchFamily="49" charset="0"/>
-                <a:cs typeface="Courier New" panose="02070309020205020404" pitchFamily="49" charset="0"/>
-              </a:rPr>
-              <a:t>&gt;s1 </a:t>
-            </a:r>
-            <a:r>
-              <a:rPr lang="zh-TW" altLang="en-US" sz="2400" dirty="0" smtClean="0">
-                <a:latin typeface="Courier New" panose="02070309020205020404" pitchFamily="49" charset="0"/>
-                <a:cs typeface="Courier New" panose="02070309020205020404" pitchFamily="49" charset="0"/>
-              </a:rPr>
-              <a:t>? “true” : "false") </a:t>
-            </a:r>
-            <a:endParaRPr lang="zh-TW" altLang="en-US" sz="2400" dirty="0">
+              <a:t>s2==s1 </a:t>
+            </a:r>
+            <a:r>
+              <a:rPr lang="zh-TW" altLang="en-US" sz="2400" dirty="0">
+                <a:latin typeface="Courier New" panose="02070309020205020404" pitchFamily="49" charset="0"/>
+                <a:cs typeface="Courier New" panose="02070309020205020404" pitchFamily="49" charset="0"/>
+              </a:rPr>
+              <a:t>? “true” : "false")</a:t>
+            </a:r>
+          </a:p>
+          <a:p>
+            <a:r>
+              <a:rPr lang="zh-TW" altLang="en-US" sz="2400" dirty="0">
+                <a:latin typeface="Courier New" panose="02070309020205020404" pitchFamily="49" charset="0"/>
+                <a:cs typeface="Courier New" panose="02070309020205020404" pitchFamily="49" charset="0"/>
+              </a:rPr>
+              <a:t>     &lt;&lt; “\ns2!=s1 yields ”</a:t>
+            </a:r>
+            <a:endParaRPr lang="en-US" altLang="zh-TW" sz="2400" dirty="0">
               <a:latin typeface="Courier New" panose="02070309020205020404" pitchFamily="49" charset="0"/>
               <a:cs typeface="Courier New" panose="02070309020205020404" pitchFamily="49" charset="0"/>
             </a:endParaRPr>
           </a:p>
           <a:p>
             <a:r>
+              <a:rPr lang="en-US" altLang="zh-TW" sz="2400" dirty="0">
+                <a:latin typeface="Courier New" panose="02070309020205020404" pitchFamily="49" charset="0"/>
+                <a:cs typeface="Courier New" panose="02070309020205020404" pitchFamily="49" charset="0"/>
+              </a:rPr>
+              <a:t>     </a:t>
+            </a:r>
+            <a:r>
               <a:rPr lang="zh-TW" altLang="en-US" sz="2400" dirty="0">
                 <a:latin typeface="Courier New" panose="02070309020205020404" pitchFamily="49" charset="0"/>
                 <a:cs typeface="Courier New" panose="02070309020205020404" pitchFamily="49" charset="0"/>
               </a:rPr>
-              <a:t>     </a:t>
-            </a:r>
-            <a:r>
-              <a:rPr lang="zh-TW" altLang="en-US" sz="2400" dirty="0" smtClean="0">
-                <a:latin typeface="Courier New" panose="02070309020205020404" pitchFamily="49" charset="0"/>
-                <a:cs typeface="Courier New" panose="02070309020205020404" pitchFamily="49" charset="0"/>
-              </a:rPr>
-              <a:t>&lt;</a:t>
-            </a:r>
-            <a:r>
-              <a:rPr lang="zh-TW" altLang="en-US" sz="2400" dirty="0">
-                <a:latin typeface="Courier New" panose="02070309020205020404" pitchFamily="49" charset="0"/>
-                <a:cs typeface="Courier New" panose="02070309020205020404" pitchFamily="49" charset="0"/>
-              </a:rPr>
-              <a:t>&lt; "\ns2 </a:t>
-            </a:r>
-            <a:r>
-              <a:rPr lang="zh-TW" altLang="en-US" sz="2400" dirty="0" smtClean="0">
-                <a:latin typeface="Courier New" panose="02070309020205020404" pitchFamily="49" charset="0"/>
-                <a:cs typeface="Courier New" panose="02070309020205020404" pitchFamily="49" charset="0"/>
-              </a:rPr>
-              <a:t>&lt;s</a:t>
-            </a:r>
-            <a:r>
-              <a:rPr lang="zh-TW" altLang="en-US" sz="2400" dirty="0">
-                <a:latin typeface="Courier New" panose="02070309020205020404" pitchFamily="49" charset="0"/>
-                <a:cs typeface="Courier New" panose="02070309020205020404" pitchFamily="49" charset="0"/>
-              </a:rPr>
-              <a:t>1 yields " </a:t>
-            </a:r>
-            <a:endParaRPr lang="en-US" altLang="zh-TW" sz="2400" dirty="0" smtClean="0">
-              <a:latin typeface="Courier New" panose="02070309020205020404" pitchFamily="49" charset="0"/>
-              <a:cs typeface="Courier New" panose="02070309020205020404" pitchFamily="49" charset="0"/>
-            </a:endParaRPr>
-          </a:p>
-          <a:p>
-            <a:r>
-              <a:rPr lang="en-US" altLang="zh-TW" sz="2400" dirty="0">
-                <a:latin typeface="Courier New" panose="02070309020205020404" pitchFamily="49" charset="0"/>
-                <a:cs typeface="Courier New" panose="02070309020205020404" pitchFamily="49" charset="0"/>
-              </a:rPr>
-              <a:t> </a:t>
-            </a:r>
-            <a:r>
-              <a:rPr lang="en-US" altLang="zh-TW" sz="2400" dirty="0" smtClean="0">
-                <a:latin typeface="Courier New" panose="02070309020205020404" pitchFamily="49" charset="0"/>
-                <a:cs typeface="Courier New" panose="02070309020205020404" pitchFamily="49" charset="0"/>
-              </a:rPr>
-              <a:t>    </a:t>
-            </a:r>
-            <a:r>
-              <a:rPr lang="zh-TW" altLang="en-US" sz="2400" dirty="0" smtClean="0">
-                <a:latin typeface="Courier New" panose="02070309020205020404" pitchFamily="49" charset="0"/>
-                <a:cs typeface="Courier New" panose="02070309020205020404" pitchFamily="49" charset="0"/>
-              </a:rPr>
               <a:t>&lt;&lt; (</a:t>
-            </a:r>
-            <a:r>
-              <a:rPr lang="zh-TW" altLang="en-US" sz="2400" dirty="0" smtClean="0">
-                <a:solidFill>
-                  <a:srgbClr val="FF0000"/>
-                </a:solidFill>
-                <a:latin typeface="Courier New" panose="02070309020205020404" pitchFamily="49" charset="0"/>
-                <a:cs typeface="Courier New" panose="02070309020205020404" pitchFamily="49" charset="0"/>
-              </a:rPr>
-              <a:t>s</a:t>
             </a:r>
             <a:r>
               <a:rPr lang="zh-TW" altLang="en-US" sz="2400" dirty="0">
@@ -5838,67 +5435,117 @@
                 <a:latin typeface="Courier New" panose="02070309020205020404" pitchFamily="49" charset="0"/>
                 <a:cs typeface="Courier New" panose="02070309020205020404" pitchFamily="49" charset="0"/>
               </a:rPr>
-              <a:t>2 </a:t>
-            </a:r>
-            <a:r>
-              <a:rPr lang="zh-TW" altLang="en-US" sz="2400" dirty="0" smtClean="0">
+              <a:t>s2!=s1 </a:t>
+            </a:r>
+            <a:r>
+              <a:rPr lang="zh-TW" altLang="en-US" sz="2400" dirty="0">
+                <a:latin typeface="Courier New" panose="02070309020205020404" pitchFamily="49" charset="0"/>
+                <a:cs typeface="Courier New" panose="02070309020205020404" pitchFamily="49" charset="0"/>
+              </a:rPr>
+              <a:t>? “true” : "false")</a:t>
+            </a:r>
+          </a:p>
+          <a:p>
+            <a:r>
+              <a:rPr lang="zh-TW" altLang="en-US" sz="2400" dirty="0">
+                <a:latin typeface="Courier New" panose="02070309020205020404" pitchFamily="49" charset="0"/>
+                <a:cs typeface="Courier New" panose="02070309020205020404" pitchFamily="49" charset="0"/>
+              </a:rPr>
+              <a:t>     &lt;&lt; “\ns2 &gt;s1 yields " </a:t>
+            </a:r>
+            <a:endParaRPr lang="en-US" altLang="zh-TW" sz="2400" dirty="0">
+              <a:latin typeface="Courier New" panose="02070309020205020404" pitchFamily="49" charset="0"/>
+              <a:cs typeface="Courier New" panose="02070309020205020404" pitchFamily="49" charset="0"/>
+            </a:endParaRPr>
+          </a:p>
+          <a:p>
+            <a:r>
+              <a:rPr lang="en-US" altLang="zh-TW" sz="2400" dirty="0">
+                <a:latin typeface="Courier New" panose="02070309020205020404" pitchFamily="49" charset="0"/>
+                <a:cs typeface="Courier New" panose="02070309020205020404" pitchFamily="49" charset="0"/>
+              </a:rPr>
+              <a:t>     </a:t>
+            </a:r>
+            <a:r>
+              <a:rPr lang="zh-TW" altLang="en-US" sz="2400" dirty="0">
+                <a:latin typeface="Courier New" panose="02070309020205020404" pitchFamily="49" charset="0"/>
+                <a:cs typeface="Courier New" panose="02070309020205020404" pitchFamily="49" charset="0"/>
+              </a:rPr>
+              <a:t>&lt;&lt; (</a:t>
+            </a:r>
+            <a:r>
+              <a:rPr lang="zh-TW" altLang="en-US" sz="2400" dirty="0">
                 <a:solidFill>
                   <a:srgbClr val="FF0000"/>
                 </a:solidFill>
                 <a:latin typeface="Courier New" panose="02070309020205020404" pitchFamily="49" charset="0"/>
                 <a:cs typeface="Courier New" panose="02070309020205020404" pitchFamily="49" charset="0"/>
               </a:rPr>
-              <a:t>&lt;s1 </a:t>
-            </a:r>
-            <a:r>
-              <a:rPr lang="zh-TW" altLang="en-US" sz="2400" dirty="0" smtClean="0">
-                <a:latin typeface="Courier New" panose="02070309020205020404" pitchFamily="49" charset="0"/>
-                <a:cs typeface="Courier New" panose="02070309020205020404" pitchFamily="49" charset="0"/>
-              </a:rPr>
-              <a:t>? “true” : "false")</a:t>
-            </a:r>
-            <a:endParaRPr lang="zh-TW" altLang="en-US" sz="2400" dirty="0">
+              <a:t>s2 &gt;s1 </a:t>
+            </a:r>
+            <a:r>
+              <a:rPr lang="zh-TW" altLang="en-US" sz="2400" dirty="0">
+                <a:latin typeface="Courier New" panose="02070309020205020404" pitchFamily="49" charset="0"/>
+                <a:cs typeface="Courier New" panose="02070309020205020404" pitchFamily="49" charset="0"/>
+              </a:rPr>
+              <a:t>? “true” : "false") </a:t>
+            </a:r>
+          </a:p>
+          <a:p>
+            <a:r>
+              <a:rPr lang="zh-TW" altLang="en-US" sz="2400" dirty="0">
+                <a:latin typeface="Courier New" panose="02070309020205020404" pitchFamily="49" charset="0"/>
+                <a:cs typeface="Courier New" panose="02070309020205020404" pitchFamily="49" charset="0"/>
+              </a:rPr>
+              <a:t>     &lt;&lt; "\ns2 &lt;s1 yields " </a:t>
+            </a:r>
+            <a:endParaRPr lang="en-US" altLang="zh-TW" sz="2400" dirty="0">
               <a:latin typeface="Courier New" panose="02070309020205020404" pitchFamily="49" charset="0"/>
               <a:cs typeface="Courier New" panose="02070309020205020404" pitchFamily="49" charset="0"/>
             </a:endParaRPr>
           </a:p>
           <a:p>
             <a:r>
+              <a:rPr lang="en-US" altLang="zh-TW" sz="2400" dirty="0">
+                <a:latin typeface="Courier New" panose="02070309020205020404" pitchFamily="49" charset="0"/>
+                <a:cs typeface="Courier New" panose="02070309020205020404" pitchFamily="49" charset="0"/>
+              </a:rPr>
+              <a:t>     </a:t>
+            </a:r>
+            <a:r>
               <a:rPr lang="zh-TW" altLang="en-US" sz="2400" dirty="0">
                 <a:latin typeface="Courier New" panose="02070309020205020404" pitchFamily="49" charset="0"/>
                 <a:cs typeface="Courier New" panose="02070309020205020404" pitchFamily="49" charset="0"/>
               </a:rPr>
-              <a:t>     </a:t>
-            </a:r>
-            <a:r>
-              <a:rPr lang="zh-TW" altLang="en-US" sz="2400" dirty="0" smtClean="0">
-                <a:latin typeface="Courier New" panose="02070309020205020404" pitchFamily="49" charset="0"/>
-                <a:cs typeface="Courier New" panose="02070309020205020404" pitchFamily="49" charset="0"/>
-              </a:rPr>
-              <a:t>&lt;</a:t>
+              <a:t>&lt;&lt; (</a:t>
             </a:r>
             <a:r>
               <a:rPr lang="zh-TW" altLang="en-US" sz="2400" dirty="0">
-                <a:latin typeface="Courier New" panose="02070309020205020404" pitchFamily="49" charset="0"/>
-                <a:cs typeface="Courier New" panose="02070309020205020404" pitchFamily="49" charset="0"/>
-              </a:rPr>
-              <a:t>&lt; "\ns</a:t>
-            </a:r>
-            <a:r>
-              <a:rPr lang="zh-TW" altLang="en-US" sz="2400" dirty="0" smtClean="0">
-                <a:latin typeface="Courier New" panose="02070309020205020404" pitchFamily="49" charset="0"/>
-                <a:cs typeface="Courier New" panose="02070309020205020404" pitchFamily="49" charset="0"/>
-              </a:rPr>
-              <a:t>2&gt;=s</a:t>
+                <a:solidFill>
+                  <a:srgbClr val="FF0000"/>
+                </a:solidFill>
+                <a:latin typeface="Courier New" panose="02070309020205020404" pitchFamily="49" charset="0"/>
+                <a:cs typeface="Courier New" panose="02070309020205020404" pitchFamily="49" charset="0"/>
+              </a:rPr>
+              <a:t>s2 &lt;s1 </a:t>
             </a:r>
             <a:r>
               <a:rPr lang="zh-TW" altLang="en-US" sz="2400" dirty="0">
                 <a:latin typeface="Courier New" panose="02070309020205020404" pitchFamily="49" charset="0"/>
                 <a:cs typeface="Courier New" panose="02070309020205020404" pitchFamily="49" charset="0"/>
               </a:rPr>
-              <a:t>1 yields " </a:t>
-            </a:r>
-            <a:endParaRPr lang="en-US" altLang="zh-TW" sz="2400" dirty="0" smtClean="0">
+              <a:t>? “true” : "false")</a:t>
+            </a:r>
+          </a:p>
+          <a:p>
+            <a:r>
+              <a:rPr lang="zh-TW" altLang="en-US" sz="2400" dirty="0">
+                <a:latin typeface="Courier New" panose="02070309020205020404" pitchFamily="49" charset="0"/>
+                <a:cs typeface="Courier New" panose="02070309020205020404" pitchFamily="49" charset="0"/>
+              </a:rPr>
+              <a:t>     &lt;&lt; "\ns2&gt;=s1 yields " </a:t>
+            </a:r>
+            <a:endParaRPr lang="en-US" altLang="zh-TW" sz="2400" dirty="0">
               <a:latin typeface="Courier New" panose="02070309020205020404" pitchFamily="49" charset="0"/>
               <a:cs typeface="Courier New" panose="02070309020205020404" pitchFamily="49" charset="0"/>
             </a:endParaRPr>
@@ -5909,24 +5556,17 @@
                 <a:latin typeface="Courier New" panose="02070309020205020404" pitchFamily="49" charset="0"/>
                 <a:cs typeface="Courier New" panose="02070309020205020404" pitchFamily="49" charset="0"/>
               </a:rPr>
-              <a:t> </a:t>
-            </a:r>
-            <a:r>
-              <a:rPr lang="en-US" altLang="zh-TW" sz="2400" dirty="0" smtClean="0">
-                <a:latin typeface="Courier New" panose="02070309020205020404" pitchFamily="49" charset="0"/>
-                <a:cs typeface="Courier New" panose="02070309020205020404" pitchFamily="49" charset="0"/>
-              </a:rPr>
-              <a:t>    </a:t>
-            </a:r>
-            <a:r>
-              <a:rPr lang="zh-TW" altLang="en-US" sz="2400" dirty="0" smtClean="0">
+              <a:t>     </a:t>
+            </a:r>
+            <a:r>
+              <a:rPr lang="zh-TW" altLang="en-US" sz="2400" dirty="0">
                 <a:latin typeface="Courier New" panose="02070309020205020404" pitchFamily="49" charset="0"/>
                 <a:cs typeface="Courier New" panose="02070309020205020404" pitchFamily="49" charset="0"/>
               </a:rPr>
               <a:t>&lt;&lt; (</a:t>
             </a:r>
             <a:r>
-              <a:rPr lang="zh-TW" altLang="en-US" sz="2400" dirty="0" smtClean="0">
+              <a:rPr lang="zh-TW" altLang="en-US" sz="2400" dirty="0">
                 <a:solidFill>
                   <a:srgbClr val="FF0000"/>
                 </a:solidFill>
@@ -5936,82 +5576,43 @@
               <a:t>s2&gt;=s1 </a:t>
             </a:r>
             <a:r>
-              <a:rPr lang="zh-TW" altLang="en-US" sz="2400" dirty="0" smtClean="0">
+              <a:rPr lang="zh-TW" altLang="en-US" sz="2400" dirty="0">
                 <a:latin typeface="Courier New" panose="02070309020205020404" pitchFamily="49" charset="0"/>
                 <a:cs typeface="Courier New" panose="02070309020205020404" pitchFamily="49" charset="0"/>
               </a:rPr>
               <a:t>? “true” : "false")</a:t>
             </a:r>
-            <a:endParaRPr lang="zh-TW" altLang="en-US" sz="2400" dirty="0">
+          </a:p>
+          <a:p>
+            <a:r>
+              <a:rPr lang="zh-TW" altLang="en-US" sz="2400" dirty="0">
+                <a:latin typeface="Courier New" panose="02070309020205020404" pitchFamily="49" charset="0"/>
+                <a:cs typeface="Courier New" panose="02070309020205020404" pitchFamily="49" charset="0"/>
+              </a:rPr>
+              <a:t>     &lt;&lt; "\ns2&lt;=s1 yields " </a:t>
+            </a:r>
+            <a:endParaRPr lang="en-US" altLang="zh-TW" sz="2400" dirty="0">
               <a:latin typeface="Courier New" panose="02070309020205020404" pitchFamily="49" charset="0"/>
               <a:cs typeface="Courier New" panose="02070309020205020404" pitchFamily="49" charset="0"/>
             </a:endParaRPr>
           </a:p>
           <a:p>
             <a:r>
+              <a:rPr lang="en-US" altLang="zh-TW" sz="2400" dirty="0">
+                <a:latin typeface="Courier New" panose="02070309020205020404" pitchFamily="49" charset="0"/>
+                <a:cs typeface="Courier New" panose="02070309020205020404" pitchFamily="49" charset="0"/>
+              </a:rPr>
+              <a:t>     </a:t>
+            </a:r>
+            <a:r>
               <a:rPr lang="zh-TW" altLang="en-US" sz="2400" dirty="0">
                 <a:latin typeface="Courier New" panose="02070309020205020404" pitchFamily="49" charset="0"/>
                 <a:cs typeface="Courier New" panose="02070309020205020404" pitchFamily="49" charset="0"/>
               </a:rPr>
-              <a:t>     </a:t>
-            </a:r>
-            <a:r>
-              <a:rPr lang="zh-TW" altLang="en-US" sz="2400" dirty="0" smtClean="0">
-                <a:latin typeface="Courier New" panose="02070309020205020404" pitchFamily="49" charset="0"/>
-                <a:cs typeface="Courier New" panose="02070309020205020404" pitchFamily="49" charset="0"/>
-              </a:rPr>
-              <a:t>&lt;</a:t>
+              <a:t>&lt;&lt; (</a:t>
             </a:r>
             <a:r>
               <a:rPr lang="zh-TW" altLang="en-US" sz="2400" dirty="0">
-                <a:latin typeface="Courier New" panose="02070309020205020404" pitchFamily="49" charset="0"/>
-                <a:cs typeface="Courier New" panose="02070309020205020404" pitchFamily="49" charset="0"/>
-              </a:rPr>
-              <a:t>&lt; "\ns</a:t>
-            </a:r>
-            <a:r>
-              <a:rPr lang="zh-TW" altLang="en-US" sz="2400" dirty="0" smtClean="0">
-                <a:latin typeface="Courier New" panose="02070309020205020404" pitchFamily="49" charset="0"/>
-                <a:cs typeface="Courier New" panose="02070309020205020404" pitchFamily="49" charset="0"/>
-              </a:rPr>
-              <a:t>2&lt;=s</a:t>
-            </a:r>
-            <a:r>
-              <a:rPr lang="zh-TW" altLang="en-US" sz="2400" dirty="0">
-                <a:latin typeface="Courier New" panose="02070309020205020404" pitchFamily="49" charset="0"/>
-                <a:cs typeface="Courier New" panose="02070309020205020404" pitchFamily="49" charset="0"/>
-              </a:rPr>
-              <a:t>1 yields " </a:t>
-            </a:r>
-            <a:endParaRPr lang="en-US" altLang="zh-TW" sz="2400" dirty="0" smtClean="0">
-              <a:latin typeface="Courier New" panose="02070309020205020404" pitchFamily="49" charset="0"/>
-              <a:cs typeface="Courier New" panose="02070309020205020404" pitchFamily="49" charset="0"/>
-            </a:endParaRPr>
-          </a:p>
-          <a:p>
-            <a:r>
-              <a:rPr lang="en-US" altLang="zh-TW" sz="2400" dirty="0">
-                <a:latin typeface="Courier New" panose="02070309020205020404" pitchFamily="49" charset="0"/>
-                <a:cs typeface="Courier New" panose="02070309020205020404" pitchFamily="49" charset="0"/>
-              </a:rPr>
-              <a:t> </a:t>
-            </a:r>
-            <a:r>
-              <a:rPr lang="en-US" altLang="zh-TW" sz="2400" dirty="0" smtClean="0">
-                <a:latin typeface="Courier New" panose="02070309020205020404" pitchFamily="49" charset="0"/>
-                <a:cs typeface="Courier New" panose="02070309020205020404" pitchFamily="49" charset="0"/>
-              </a:rPr>
-              <a:t>    </a:t>
-            </a:r>
-            <a:r>
-              <a:rPr lang="zh-TW" altLang="en-US" sz="2400" dirty="0" smtClean="0">
-                <a:latin typeface="Courier New" panose="02070309020205020404" pitchFamily="49" charset="0"/>
-                <a:cs typeface="Courier New" panose="02070309020205020404" pitchFamily="49" charset="0"/>
-              </a:rPr>
-              <a:t>&lt;&lt; (</a:t>
-            </a:r>
-            <a:r>
-              <a:rPr lang="zh-TW" altLang="en-US" sz="2400" dirty="0" smtClean="0">
                 <a:solidFill>
                   <a:srgbClr val="FF0000"/>
                 </a:solidFill>
@@ -6021,18 +5622,11 @@
               <a:t>s2&lt;=s1 </a:t>
             </a:r>
             <a:r>
-              <a:rPr lang="zh-TW" altLang="en-US" sz="2400" dirty="0" smtClean="0">
-                <a:latin typeface="Courier New" panose="02070309020205020404" pitchFamily="49" charset="0"/>
-                <a:cs typeface="Courier New" panose="02070309020205020404" pitchFamily="49" charset="0"/>
-              </a:rPr>
-              <a:t>? “true” : "false")</a:t>
-            </a:r>
-            <a:r>
               <a:rPr lang="zh-TW" altLang="en-US" sz="2400" dirty="0">
                 <a:latin typeface="Courier New" panose="02070309020205020404" pitchFamily="49" charset="0"/>
                 <a:cs typeface="Courier New" panose="02070309020205020404" pitchFamily="49" charset="0"/>
               </a:rPr>
-              <a:t>;</a:t>
+              <a:t>? “true” : "false");</a:t>
             </a:r>
           </a:p>
         </p:txBody>
@@ -6047,13 +5641,6 @@
   <p:clrMapOvr>
     <a:masterClrMapping/>
   </p:clrMapOvr>
-  <p:timing>
-    <p:tnLst>
-      <p:par>
-        <p:cTn id="1" dur="indefinite" restart="never" nodeType="tmRoot"/>
-      </p:par>
-    </p:tnLst>
-  </p:timing>
 </p:sld>
 </file>
 
@@ -6120,11 +5707,7 @@
             </a:r>
             <a:r>
               <a:rPr lang="en-US" altLang="zh-TW" dirty="0"/>
-              <a:t>perform lexicographical comparisons (i.e., like a dictionary ordering) using the numerical values of the characters in each string</a:t>
-            </a:r>
-            <a:r>
-              <a:rPr lang="en-US" altLang="zh-TW" dirty="0" smtClean="0"/>
-              <a:t>.</a:t>
+              <a:t>perform lexicographical comparisons (i.e., like a dictionary ordering) using the numerical values of the characters in each string.</a:t>
             </a:r>
           </a:p>
           <a:p>
@@ -6134,18 +5717,18 @@
               </a:lnSpc>
             </a:pPr>
             <a:r>
-              <a:rPr lang="en-US" altLang="zh-TW" dirty="0" smtClean="0"/>
+              <a:rPr lang="en-US" altLang="zh-TW" dirty="0"/>
               <a:t>Recall that in C, you need to call the function </a:t>
             </a:r>
             <a:r>
-              <a:rPr lang="en-US" altLang="zh-TW" dirty="0" err="1" smtClean="0">
+              <a:rPr lang="en-US" altLang="zh-TW" dirty="0" err="1">
                 <a:latin typeface="Courier New" panose="02070309020205020404" pitchFamily="49" charset="0"/>
                 <a:cs typeface="Courier New" panose="02070309020205020404" pitchFamily="49" charset="0"/>
               </a:rPr>
               <a:t>strcmp</a:t>
             </a:r>
             <a:r>
-              <a:rPr lang="en-US" altLang="zh-TW" dirty="0" smtClean="0">
+              <a:rPr lang="en-US" altLang="zh-TW" dirty="0">
                 <a:latin typeface="Courier New" panose="02070309020205020404" pitchFamily="49" charset="0"/>
                 <a:cs typeface="Courier New" panose="02070309020205020404" pitchFamily="49" charset="0"/>
               </a:rPr>
@@ -6153,11 +5736,7 @@
             </a:r>
             <a:r>
               <a:rPr lang="en-US" altLang="zh-TW" dirty="0"/>
-              <a:t> </a:t>
-            </a:r>
-            <a:r>
-              <a:rPr lang="en-US" altLang="zh-TW" dirty="0" smtClean="0"/>
-              <a:t>to get the comparison result. </a:t>
+              <a:t> to get the comparison result. </a:t>
             </a:r>
           </a:p>
           <a:p>
@@ -6167,10 +5746,9 @@
               </a:lnSpc>
             </a:pPr>
             <a:r>
-              <a:rPr lang="en-US" altLang="zh-TW" dirty="0" smtClean="0"/>
+              <a:rPr lang="en-US" altLang="zh-TW" dirty="0"/>
               <a:t>Which one is better? Why?</a:t>
             </a:r>
-            <a:endParaRPr lang="en-US" altLang="zh-TW" dirty="0"/>
           </a:p>
         </p:txBody>
       </p:sp>
@@ -6190,7 +5768,7 @@
           <a:lstStyle/>
           <a:p>
             <a:r>
-              <a:rPr lang="en-US" altLang="zh-TW" dirty="0" smtClean="0"/>
+              <a:rPr lang="en-US" altLang="zh-TW" dirty="0"/>
               <a:t>Operator overloading</a:t>
             </a:r>
             <a:endParaRPr lang="zh-TW" altLang="en-US" dirty="0"/>
@@ -6207,13 +5785,6 @@
   <p:clrMapOvr>
     <a:masterClrMapping/>
   </p:clrMapOvr>
-  <p:timing>
-    <p:tnLst>
-      <p:par>
-        <p:cTn id="1" dur="indefinite" restart="never" nodeType="tmRoot"/>
-      </p:par>
-    </p:tnLst>
-  </p:timing>
 </p:sld>
 </file>
 
@@ -6280,11 +5851,7 @@
             </a:r>
             <a:r>
               <a:rPr lang="en-US" altLang="zh-TW" dirty="0"/>
-              <a:t> </a:t>
-            </a:r>
-            <a:r>
-              <a:rPr lang="en-US" altLang="zh-TW" dirty="0" smtClean="0"/>
-              <a:t>definition</a:t>
+              <a:t> definition</a:t>
             </a:r>
           </a:p>
           <a:p>
@@ -6294,12 +5861,8 @@
               </a:lnSpc>
             </a:pPr>
             <a:r>
-              <a:rPr lang="en-US" altLang="zh-TW" dirty="0" smtClean="0"/>
-              <a:t>The </a:t>
-            </a:r>
-            <a:r>
-              <a:rPr lang="en-US" altLang="zh-TW" dirty="0"/>
-              <a:t>function name starts with the keyword </a:t>
+              <a:rPr lang="en-US" altLang="zh-TW" dirty="0"/>
+              <a:t>The function name starts with the keyword </a:t>
             </a:r>
             <a:r>
               <a:rPr lang="en-US" altLang="zh-TW" dirty="0">
@@ -6392,7 +5955,7 @@
           <a:lstStyle/>
           <a:p>
             <a:r>
-              <a:rPr lang="en-US" altLang="zh-TW" dirty="0" smtClean="0"/>
+              <a:rPr lang="en-US" altLang="zh-TW" dirty="0"/>
               <a:t>Operator overloading functions</a:t>
             </a:r>
             <a:endParaRPr lang="zh-TW" altLang="en-US" dirty="0"/>
@@ -6409,13 +5972,6 @@
   <p:clrMapOvr>
     <a:masterClrMapping/>
   </p:clrMapOvr>
-  <p:timing>
-    <p:tnLst>
-      <p:par>
-        <p:cTn id="1" dur="indefinite" restart="never" nodeType="tmRoot"/>
-      </p:par>
-    </p:tnLst>
-  </p:timing>
 </p:sld>
 </file>
 
@@ -6472,69 +6028,7 @@
             </a:r>
             <a:r>
               <a:rPr lang="en-US" altLang="zh-TW" dirty="0"/>
-              <a:t> </a:t>
-            </a:r>
-            <a:r>
-              <a:rPr lang="en-US" altLang="zh-TW" dirty="0" smtClean="0"/>
-              <a:t>and </a:t>
-            </a:r>
-            <a:r>
-              <a:rPr lang="en-US" altLang="zh-TW" dirty="0" smtClean="0">
-                <a:solidFill>
-                  <a:srgbClr val="FF0000"/>
-                </a:solidFill>
-              </a:rPr>
-              <a:t>associativity</a:t>
-            </a:r>
-            <a:r>
-              <a:rPr lang="en-US" altLang="zh-TW" dirty="0" smtClean="0"/>
-              <a:t> of </a:t>
-            </a:r>
-            <a:r>
-              <a:rPr lang="en-US" altLang="zh-TW" dirty="0"/>
-              <a:t>an operator cannot be changed by overloading. </a:t>
-            </a:r>
-            <a:endParaRPr lang="en-US" altLang="zh-TW" dirty="0" smtClean="0"/>
-          </a:p>
-          <a:p>
-            <a:r>
-              <a:rPr lang="en-US" altLang="zh-TW" dirty="0" smtClean="0"/>
-              <a:t>Cannot </a:t>
-            </a:r>
-            <a:r>
-              <a:rPr lang="en-US" altLang="zh-TW" dirty="0"/>
-              <a:t>create new operators. Related operators, like + and +=, must be overloaded separately</a:t>
-            </a:r>
-            <a:r>
-              <a:rPr lang="en-US" altLang="zh-TW" dirty="0" smtClean="0"/>
-              <a:t>.</a:t>
-            </a:r>
-            <a:endParaRPr lang="en-US" altLang="zh-TW" dirty="0"/>
-          </a:p>
-          <a:p>
-            <a:r>
-              <a:rPr lang="en-US" altLang="zh-TW" dirty="0" smtClean="0"/>
-              <a:t>You </a:t>
-            </a:r>
-            <a:r>
-              <a:rPr lang="en-US" altLang="zh-TW" dirty="0"/>
-              <a:t>cannot change the “</a:t>
-            </a:r>
-            <a:r>
-              <a:rPr lang="en-US" altLang="zh-TW" dirty="0" err="1"/>
-              <a:t>arity</a:t>
-            </a:r>
-            <a:r>
-              <a:rPr lang="en-US" altLang="zh-TW" dirty="0"/>
-              <a:t>” of an operator </a:t>
-            </a:r>
-            <a:endParaRPr lang="en-US" altLang="zh-TW" dirty="0" smtClean="0"/>
-          </a:p>
-          <a:p>
-            <a:pPr lvl="1"/>
-            <a:r>
-              <a:rPr lang="en-US" altLang="zh-TW" dirty="0" smtClean="0"/>
-              <a:t>overloaded </a:t>
+              <a:t> and </a:t>
             </a:r>
             <a:r>
               <a:rPr lang="en-US" altLang="zh-TW" dirty="0">
@@ -6542,11 +6036,38 @@
                   <a:srgbClr val="FF0000"/>
                 </a:solidFill>
               </a:rPr>
-              <a:t>unary</a:t>
-            </a:r>
-            <a:r>
-              <a:rPr lang="en-US" altLang="zh-TW" dirty="0"/>
-              <a:t> operators remain unary operators; overloaded </a:t>
+              <a:t>associativity</a:t>
+            </a:r>
+            <a:r>
+              <a:rPr lang="en-US" altLang="zh-TW" dirty="0"/>
+              <a:t> of an operator cannot be changed by overloading. </a:t>
+            </a:r>
+          </a:p>
+          <a:p>
+            <a:r>
+              <a:rPr lang="en-US" altLang="zh-TW" dirty="0"/>
+              <a:t>Cannot create new operators. Related operators, like + and +=, must be overloaded separately.</a:t>
+            </a:r>
+          </a:p>
+          <a:p>
+            <a:r>
+              <a:rPr lang="en-US" altLang="zh-TW" dirty="0"/>
+              <a:t>You cannot change the “</a:t>
+            </a:r>
+            <a:r>
+              <a:rPr lang="en-US" altLang="zh-TW" dirty="0" err="1"/>
+              <a:t>arity</a:t>
+            </a:r>
+            <a:r>
+              <a:rPr lang="en-US" altLang="zh-TW" dirty="0"/>
+              <a:t>” of an operator </a:t>
+            </a:r>
+          </a:p>
+          <a:p>
+            <a:pPr lvl="1"/>
+            <a:r>
+              <a:rPr lang="en-US" altLang="zh-TW" dirty="0"/>
+              <a:t>overloaded </a:t>
             </a:r>
             <a:r>
               <a:rPr lang="en-US" altLang="zh-TW" dirty="0">
@@ -6554,25 +6075,24 @@
                   <a:srgbClr val="FF0000"/>
                 </a:solidFill>
               </a:rPr>
+              <a:t>unary</a:t>
+            </a:r>
+            <a:r>
+              <a:rPr lang="en-US" altLang="zh-TW" dirty="0"/>
+              <a:t> operators remain unary operators; overloaded </a:t>
+            </a:r>
+            <a:r>
+              <a:rPr lang="en-US" altLang="zh-TW" dirty="0">
+                <a:solidFill>
+                  <a:srgbClr val="FF0000"/>
+                </a:solidFill>
+              </a:rPr>
               <a:t>binary</a:t>
             </a:r>
             <a:r>
               <a:rPr lang="en-US" altLang="zh-TW" dirty="0"/>
-              <a:t> operators remain binary operators. </a:t>
-            </a:r>
-            <a:r>
-              <a:rPr lang="en-US" altLang="zh-TW" dirty="0" smtClean="0"/>
-              <a:t>Operators </a:t>
-            </a:r>
-            <a:r>
-              <a:rPr lang="en-US" altLang="zh-TW" dirty="0"/>
-              <a:t>&amp;, *, + and - all have both unary and binary versions; these unary and binary versions can be separately overloaded</a:t>
-            </a:r>
-            <a:r>
-              <a:rPr lang="en-US" altLang="zh-TW" dirty="0" smtClean="0"/>
-              <a:t>.</a:t>
-            </a:r>
-            <a:endParaRPr lang="en-US" altLang="zh-TW" dirty="0"/>
+              <a:t> operators remain binary operators. Operators &amp;, *, + and - all have both unary and binary versions; these unary and binary versions can be separately overloaded.</a:t>
+            </a:r>
           </a:p>
         </p:txBody>
       </p:sp>
@@ -6592,7 +6112,7 @@
           <a:lstStyle/>
           <a:p>
             <a:r>
-              <a:rPr lang="en-US" altLang="zh-TW" dirty="0" smtClean="0"/>
+              <a:rPr lang="en-US" altLang="zh-TW" dirty="0"/>
               <a:t>Rules of operator overloading</a:t>
             </a:r>
             <a:endParaRPr lang="zh-TW" altLang="en-US" dirty="0"/>
@@ -6609,13 +6129,6 @@
   <p:clrMapOvr>
     <a:masterClrMapping/>
   </p:clrMapOvr>
-  <p:timing>
-    <p:tnLst>
-      <p:par>
-        <p:cTn id="1" dur="indefinite" restart="never" nodeType="tmRoot"/>
-      </p:par>
-    </p:tnLst>
-  </p:timing>
 </p:sld>
 </file>
 
@@ -6652,41 +6165,37 @@
           <a:lstStyle/>
           <a:p>
             <a:r>
-              <a:rPr lang="en-US" altLang="zh-TW" dirty="0" smtClean="0"/>
+              <a:rPr lang="en-US" altLang="zh-TW" dirty="0"/>
               <a:t>Binary operator: + and –</a:t>
             </a:r>
           </a:p>
           <a:p>
             <a:r>
-              <a:rPr lang="en-US" altLang="zh-TW" dirty="0" smtClean="0"/>
+              <a:rPr lang="en-US" altLang="zh-TW" dirty="0"/>
               <a:t>Unitary operator: - (negative)</a:t>
             </a:r>
           </a:p>
           <a:p>
             <a:r>
-              <a:rPr lang="en-US" altLang="zh-TW" dirty="0" smtClean="0"/>
+              <a:rPr lang="en-US" altLang="zh-TW" dirty="0"/>
               <a:t>Assignment operator: =</a:t>
             </a:r>
           </a:p>
           <a:p>
             <a:r>
-              <a:rPr lang="en-US" altLang="zh-TW" dirty="0" smtClean="0"/>
+              <a:rPr lang="en-US" altLang="zh-TW" dirty="0"/>
               <a:t>Increment operator: ++ (prefix and postfix)</a:t>
             </a:r>
           </a:p>
           <a:p>
             <a:r>
               <a:rPr lang="en-US" altLang="zh-TW" dirty="0"/>
-              <a:t>Array subscript </a:t>
-            </a:r>
-            <a:r>
-              <a:rPr lang="en-US" altLang="zh-TW" dirty="0" smtClean="0"/>
-              <a:t>operator: [] (left hand side and right hand side)</a:t>
-            </a:r>
-          </a:p>
-          <a:p>
-            <a:r>
-              <a:rPr lang="en-US" altLang="zh-TW" dirty="0" smtClean="0"/>
+              <a:t>Array subscript operator: [] (left hand side and right hand side)</a:t>
+            </a:r>
+          </a:p>
+          <a:p>
+            <a:r>
+              <a:rPr lang="en-US" altLang="zh-TW" dirty="0"/>
               <a:t>Input/output operator: &lt;&lt; (output) and &gt;&gt; (input)</a:t>
             </a:r>
             <a:endParaRPr lang="zh-TW" altLang="en-US" dirty="0"/>
@@ -6709,7 +6218,7 @@
           <a:lstStyle/>
           <a:p>
             <a:r>
-              <a:rPr lang="en-US" altLang="zh-TW" dirty="0" smtClean="0"/>
+              <a:rPr lang="en-US" altLang="zh-TW" dirty="0"/>
               <a:t>Example: Array</a:t>
             </a:r>
             <a:endParaRPr lang="zh-TW" altLang="en-US" dirty="0"/>
@@ -6726,13 +6235,6 @@
   <p:clrMapOvr>
     <a:masterClrMapping/>
   </p:clrMapOvr>
-  <p:timing>
-    <p:tnLst>
-      <p:par>
-        <p:cTn id="1" dur="indefinite" restart="never" nodeType="tmRoot"/>
-      </p:par>
-    </p:tnLst>
-  </p:timing>
 </p:sld>
 </file>
 
@@ -6775,36 +6277,19 @@
               <a:t>A binary operator can be overloaded as a </a:t>
             </a:r>
             <a:r>
-              <a:rPr lang="en-US" altLang="zh-TW" dirty="0" smtClean="0">
-                <a:solidFill>
-                  <a:srgbClr val="FF0000"/>
-                </a:solidFill>
-              </a:rPr>
-              <a:t>non-static </a:t>
-            </a:r>
-            <a:r>
               <a:rPr lang="en-US" altLang="zh-TW" dirty="0">
                 <a:solidFill>
                   <a:srgbClr val="FF0000"/>
                 </a:solidFill>
               </a:rPr>
-              <a:t>member function with one parameter </a:t>
-            </a:r>
-            <a:endParaRPr lang="en-US" altLang="zh-TW" dirty="0" smtClean="0">
-              <a:solidFill>
-                <a:srgbClr val="FF0000"/>
-              </a:solidFill>
-            </a:endParaRPr>
+              <a:t>non-static member function with one parameter </a:t>
+            </a:r>
           </a:p>
           <a:p>
             <a:pPr lvl="1"/>
             <a:r>
-              <a:rPr lang="en-US" altLang="zh-TW" dirty="0" smtClean="0"/>
-              <a:t>Ex:   </a:t>
-            </a:r>
-            <a:r>
-              <a:rPr lang="en-US" altLang="zh-TW" dirty="0"/>
-              <a:t>Array operator+ (</a:t>
+              <a:rPr lang="en-US" altLang="zh-TW" dirty="0"/>
+              <a:t>Ex:   Array operator+ (</a:t>
             </a:r>
             <a:r>
               <a:rPr lang="en-US" altLang="zh-TW" dirty="0" err="1"/>
@@ -6825,20 +6310,8 @@
           </a:p>
           <a:p>
             <a:r>
-              <a:rPr lang="en-US" altLang="zh-TW" dirty="0" smtClean="0"/>
-              <a:t>A </a:t>
-            </a:r>
-            <a:r>
-              <a:rPr lang="en-US" altLang="zh-TW" dirty="0"/>
-              <a:t>unary operator for a class can be overloaded </a:t>
-            </a:r>
-            <a:r>
-              <a:rPr lang="en-US" altLang="zh-TW" dirty="0" smtClean="0"/>
-              <a:t>as </a:t>
-            </a:r>
-            <a:r>
-              <a:rPr lang="en-US" altLang="zh-TW" dirty="0"/>
-              <a:t>a </a:t>
+              <a:rPr lang="en-US" altLang="zh-TW" dirty="0"/>
+              <a:t>A unary operator for a class can be overloaded as a </a:t>
             </a:r>
             <a:r>
               <a:rPr lang="en-US" altLang="zh-TW" dirty="0">
@@ -6846,15 +6319,7 @@
                   <a:srgbClr val="FF0000"/>
                 </a:solidFill>
               </a:rPr>
-              <a:t>non-static member function with no </a:t>
-            </a:r>
-            <a:r>
-              <a:rPr lang="en-US" altLang="zh-TW" dirty="0" smtClean="0">
-                <a:solidFill>
-                  <a:srgbClr val="FF0000"/>
-                </a:solidFill>
-              </a:rPr>
-              <a:t>arguments</a:t>
+              <a:t>non-static member function with no arguments</a:t>
             </a:r>
           </a:p>
           <a:p>
@@ -6869,19 +6334,14 @@
             </a:r>
             <a:r>
               <a:rPr lang="en-US" altLang="zh-TW" dirty="0"/>
-              <a:t>;</a:t>
-            </a:r>
-            <a:r>
-              <a:rPr lang="en-US" altLang="zh-TW" dirty="0" smtClean="0"/>
-              <a:t> </a:t>
-            </a:r>
-            <a:endParaRPr lang="en-US" altLang="zh-TW" dirty="0"/>
+              <a:t>; </a:t>
+            </a:r>
           </a:p>
           <a:p>
             <a:pPr marL="0" indent="0">
               <a:buNone/>
             </a:pPr>
-            <a:endParaRPr lang="en-US" altLang="zh-TW" dirty="0" smtClean="0">
+            <a:endParaRPr lang="en-US" altLang="zh-TW" dirty="0">
               <a:solidFill>
                 <a:srgbClr val="FF0000"/>
               </a:solidFill>
@@ -6905,16 +6365,8 @@
           <a:lstStyle/>
           <a:p>
             <a:r>
-              <a:rPr lang="en-US" altLang="zh-TW" dirty="0" smtClean="0"/>
-              <a:t>Overloading </a:t>
-            </a:r>
-            <a:r>
-              <a:rPr lang="en-US" altLang="zh-TW" dirty="0"/>
-              <a:t>o</a:t>
-            </a:r>
-            <a:r>
-              <a:rPr lang="en-US" altLang="zh-TW" dirty="0" smtClean="0"/>
-              <a:t>perators</a:t>
+              <a:rPr lang="en-US" altLang="zh-TW" dirty="0"/>
+              <a:t>Overloading operators</a:t>
             </a:r>
             <a:endParaRPr lang="zh-TW" altLang="en-US" dirty="0"/>
           </a:p>
@@ -6930,13 +6382,6 @@
   <p:clrMapOvr>
     <a:masterClrMapping/>
   </p:clrMapOvr>
-  <p:timing>
-    <p:tnLst>
-      <p:par>
-        <p:cTn id="1" dur="indefinite" restart="never" nodeType="tmRoot"/>
-      </p:par>
-    </p:tnLst>
-  </p:timing>
 </p:sld>
 </file>
 
@@ -6973,7 +6418,7 @@
           <a:lstStyle/>
           <a:p>
             <a:r>
-              <a:rPr lang="en-US" altLang="zh-TW" dirty="0" smtClean="0"/>
+              <a:rPr lang="en-US" altLang="zh-TW" dirty="0"/>
               <a:t>Assignment operator is a binary operator</a:t>
             </a:r>
           </a:p>
@@ -6997,11 +6442,7 @@
             </a:r>
             <a:r>
               <a:rPr lang="en-US" altLang="zh-TW" dirty="0"/>
-              <a:t> Array &amp; </a:t>
-            </a:r>
-            <a:r>
-              <a:rPr lang="en-US" altLang="zh-TW" dirty="0" smtClean="0"/>
-              <a:t>);</a:t>
+              <a:t> Array &amp; );</a:t>
             </a:r>
           </a:p>
           <a:p>
@@ -7010,37 +6451,16 @@
           </a:p>
           <a:p>
             <a:r>
-              <a:rPr lang="en-US" altLang="zh-TW" dirty="0" smtClean="0"/>
-              <a:t>When </a:t>
-            </a:r>
-            <a:r>
-              <a:rPr lang="en-US" altLang="zh-TW" dirty="0"/>
-              <a:t>an equal sign appears in the declaration of an object, it invokes a constructor for that </a:t>
-            </a:r>
-            <a:r>
-              <a:rPr lang="en-US" altLang="zh-TW" dirty="0" smtClean="0"/>
-              <a:t>object, NOT </a:t>
-            </a:r>
-            <a:r>
-              <a:rPr lang="en-US" altLang="zh-TW" dirty="0"/>
-              <a:t>the assignment operator</a:t>
-            </a:r>
-            <a:r>
-              <a:rPr lang="en-US" altLang="zh-TW" dirty="0" smtClean="0"/>
-              <a:t>.</a:t>
+              <a:rPr lang="en-US" altLang="zh-TW" dirty="0"/>
+              <a:t>When an equal sign appears in the declaration of an object, it invokes a constructor for that object, NOT the assignment operator.</a:t>
             </a:r>
           </a:p>
           <a:p>
             <a:pPr lvl="1"/>
             <a:r>
-              <a:rPr lang="en-US" altLang="zh-TW" dirty="0" smtClean="0"/>
-              <a:t>Ex: Array C = -A;    // call </a:t>
-            </a:r>
-            <a:r>
-              <a:rPr lang="en-US" altLang="zh-TW" smtClean="0"/>
-              <a:t>copy constructor</a:t>
-            </a:r>
-            <a:endParaRPr lang="en-US" altLang="zh-TW" dirty="0"/>
+              <a:rPr lang="en-US" altLang="zh-TW" dirty="0"/>
+              <a:t>Ex: Array C = -A;    // call copy constructor</a:t>
+            </a:r>
           </a:p>
         </p:txBody>
       </p:sp>
@@ -7060,7 +6480,7 @@
           <a:lstStyle/>
           <a:p>
             <a:r>
-              <a:rPr lang="en-US" altLang="zh-TW" dirty="0" smtClean="0"/>
+              <a:rPr lang="en-US" altLang="zh-TW" dirty="0"/>
               <a:t>Assignment operator</a:t>
             </a:r>
             <a:endParaRPr lang="zh-TW" altLang="en-US" dirty="0"/>
@@ -7077,13 +6497,6 @@
   <p:clrMapOvr>
     <a:masterClrMapping/>
   </p:clrMapOvr>
-  <p:timing>
-    <p:tnLst>
-      <p:par>
-        <p:cTn id="1" dur="indefinite" restart="never" nodeType="tmRoot"/>
-      </p:par>
-    </p:tnLst>
-  </p:timing>
 </p:sld>
 </file>
 
@@ -7120,7 +6533,7 @@
           <a:lstStyle/>
           <a:p>
             <a:r>
-              <a:rPr lang="en-US" altLang="zh-TW" dirty="0" smtClean="0"/>
+              <a:rPr lang="en-US" altLang="zh-TW" dirty="0"/>
               <a:t>Prefix and postfix operator</a:t>
             </a:r>
             <a:endParaRPr lang="zh-TW" altLang="en-US" dirty="0"/>
@@ -7146,15 +6559,15 @@
           <a:p>
             <a:r>
               <a:rPr lang="en-US" altLang="zh-TW" dirty="0"/>
-              <a:t>The convention that has been adopted in C++ is that, when the compiler sees the </a:t>
-            </a:r>
-            <a:r>
-              <a:rPr lang="en-US" altLang="zh-TW" dirty="0" err="1"/>
-              <a:t>postincrementing</a:t>
-            </a:r>
-            <a:r>
-              <a:rPr lang="en-US" altLang="zh-TW" dirty="0"/>
-              <a:t> expression d1++, it generates the member-function call</a:t>
+              <a:t>The convention that has been adopted in C++ is that, when the compiler sees </a:t>
+            </a:r>
+            <a:r>
+              <a:rPr lang="en-US" altLang="zh-TW"/>
+              <a:t>the post incrementing </a:t>
+            </a:r>
+            <a:r>
+              <a:rPr lang="en-US" altLang="zh-TW" dirty="0"/>
+              <a:t>expression d1++, it generates the member-function call</a:t>
             </a:r>
           </a:p>
           <a:p>
@@ -7166,12 +6579,8 @@
           </a:p>
           <a:p>
             <a:r>
-              <a:rPr lang="en-US" altLang="zh-TW" dirty="0" smtClean="0"/>
-              <a:t>The </a:t>
-            </a:r>
-            <a:r>
-              <a:rPr lang="en-US" altLang="zh-TW" dirty="0"/>
-              <a:t>argument 0 is strictly a “</a:t>
+              <a:rPr lang="en-US" altLang="zh-TW" dirty="0"/>
+              <a:t>The argument 0 is strictly a “</a:t>
             </a:r>
             <a:r>
               <a:rPr lang="en-US" altLang="zh-TW" dirty="0">
@@ -7201,13 +6610,6 @@
   <p:clrMapOvr>
     <a:masterClrMapping/>
   </p:clrMapOvr>
-  <p:timing>
-    <p:tnLst>
-      <p:par>
-        <p:cTn id="1" dur="indefinite" restart="never" nodeType="tmRoot"/>
-      </p:par>
-    </p:tnLst>
-  </p:timing>
 </p:sld>
 </file>
 
@@ -7246,10 +6648,9 @@
           <a:lstStyle/>
           <a:p>
             <a:r>
-              <a:rPr lang="en-US" altLang="zh-TW" dirty="0" smtClean="0"/>
+              <a:rPr lang="en-US" altLang="zh-TW" dirty="0"/>
               <a:t>Example: Array A(4), B(4)</a:t>
             </a:r>
-            <a:endParaRPr lang="en-US" altLang="zh-TW" dirty="0"/>
           </a:p>
           <a:p>
             <a:pPr marL="0" indent="0">
@@ -7257,58 +6658,20 @@
             </a:pPr>
             <a:r>
               <a:rPr lang="en-US" altLang="zh-TW" dirty="0"/>
-              <a:t>	</a:t>
-            </a:r>
-            <a:r>
-              <a:rPr lang="en-US" altLang="zh-TW" dirty="0" smtClean="0"/>
-              <a:t>			A[3] = B[0]</a:t>
-            </a:r>
-          </a:p>
-          <a:p>
-            <a:r>
-              <a:rPr lang="en-US" altLang="zh-TW" dirty="0" smtClean="0"/>
-              <a:t>The </a:t>
-            </a:r>
-            <a:r>
-              <a:rPr lang="en-US" altLang="zh-TW" dirty="0"/>
-              <a:t>array subscript operator [] is not restricted for </a:t>
-            </a:r>
-            <a:r>
-              <a:rPr lang="en-US" altLang="zh-TW" dirty="0" smtClean="0"/>
-              <a:t>arrays</a:t>
-            </a:r>
-            <a:r>
-              <a:rPr lang="en-US" altLang="zh-TW" dirty="0"/>
-              <a:t>; it also can be </a:t>
-            </a:r>
-            <a:r>
-              <a:rPr lang="en-US" altLang="zh-TW" dirty="0" smtClean="0"/>
-              <a:t>used to </a:t>
-            </a:r>
-            <a:r>
-              <a:rPr lang="en-US" altLang="zh-TW" dirty="0"/>
-              <a:t>select elements from other kinds of container </a:t>
-            </a:r>
-            <a:r>
-              <a:rPr lang="en-US" altLang="zh-TW" dirty="0" smtClean="0"/>
-              <a:t>classes.</a:t>
-            </a:r>
-            <a:endParaRPr lang="en-US" altLang="zh-TW" dirty="0"/>
-          </a:p>
-          <a:p>
-            <a:r>
-              <a:rPr lang="en-US" altLang="zh-TW" dirty="0" smtClean="0"/>
-              <a:t>Subscripts </a:t>
-            </a:r>
-            <a:r>
-              <a:rPr lang="en-US" altLang="zh-TW" dirty="0"/>
-              <a:t>no longer have to be integers—characters, strings, floats or even objects of user-defined classes also could be used</a:t>
-            </a:r>
-            <a:r>
-              <a:rPr lang="en-US" altLang="zh-TW" dirty="0" smtClean="0"/>
-              <a:t>.</a:t>
-            </a:r>
-            <a:endParaRPr lang="en-US" altLang="zh-TW" dirty="0"/>
+              <a:t>				A[3] = B[0]</a:t>
+            </a:r>
+          </a:p>
+          <a:p>
+            <a:r>
+              <a:rPr lang="en-US" altLang="zh-TW" dirty="0"/>
+              <a:t>The array subscript operator [] is not restricted for arrays; it also can be used to select elements from other kinds of container classes.</a:t>
+            </a:r>
+          </a:p>
+          <a:p>
+            <a:r>
+              <a:rPr lang="en-US" altLang="zh-TW" dirty="0"/>
+              <a:t>Subscripts no longer have to be integers—characters, strings, floats or even objects of user-defined classes also could be used.</a:t>
+            </a:r>
           </a:p>
         </p:txBody>
       </p:sp>
@@ -7328,12 +6691,8 @@
           <a:lstStyle/>
           <a:p>
             <a:r>
-              <a:rPr lang="en-US" altLang="zh-TW" dirty="0" smtClean="0"/>
-              <a:t>Array </a:t>
-            </a:r>
-            <a:r>
-              <a:rPr lang="en-US" altLang="zh-TW" dirty="0"/>
-              <a:t>subscript operator []</a:t>
+              <a:rPr lang="en-US" altLang="zh-TW" dirty="0"/>
+              <a:t>Array subscript operator []</a:t>
             </a:r>
             <a:endParaRPr lang="zh-TW" altLang="en-US" dirty="0"/>
           </a:p>
@@ -7349,13 +6708,6 @@
   <p:clrMapOvr>
     <a:masterClrMapping/>
   </p:clrMapOvr>
-  <p:timing>
-    <p:tnLst>
-      <p:par>
-        <p:cTn id="1" dur="indefinite" restart="never" nodeType="tmRoot"/>
-      </p:par>
-    </p:tnLst>
-  </p:timing>
 </p:sld>
 </file>
 
@@ -7392,16 +6744,8 @@
           <a:lstStyle/>
           <a:p>
             <a:r>
-              <a:rPr lang="en-US" altLang="zh-TW" dirty="0" smtClean="0"/>
-              <a:t>In </a:t>
-            </a:r>
-            <a:r>
-              <a:rPr lang="en-US" altLang="zh-TW" dirty="0"/>
-              <a:t>A[3] = B[0</a:t>
-            </a:r>
-            <a:r>
-              <a:rPr lang="en-US" altLang="zh-TW" dirty="0" smtClean="0"/>
-              <a:t>] equals </a:t>
+              <a:rPr lang="en-US" altLang="zh-TW" dirty="0"/>
+              <a:t>In A[3] = B[0] equals </a:t>
             </a:r>
           </a:p>
           <a:p>
@@ -7409,23 +6753,23 @@
               <a:buNone/>
             </a:pPr>
             <a:r>
-              <a:rPr lang="en-US" altLang="zh-TW" dirty="0" smtClean="0"/>
+              <a:rPr lang="en-US" altLang="zh-TW" dirty="0"/>
               <a:t>		</a:t>
             </a:r>
             <a:r>
-              <a:rPr lang="en-US" altLang="zh-TW" dirty="0" err="1" smtClean="0"/>
+              <a:rPr lang="en-US" altLang="zh-TW" dirty="0" err="1"/>
               <a:t>A.operator</a:t>
             </a:r>
             <a:r>
-              <a:rPr lang="en-US" altLang="zh-TW" dirty="0" smtClean="0"/>
+              <a:rPr lang="en-US" altLang="zh-TW" dirty="0"/>
               <a:t>[](3) = </a:t>
             </a:r>
             <a:r>
-              <a:rPr lang="en-US" altLang="zh-TW" dirty="0" err="1" smtClean="0"/>
+              <a:rPr lang="en-US" altLang="zh-TW" dirty="0" err="1"/>
               <a:t>B.operator</a:t>
             </a:r>
             <a:r>
-              <a:rPr lang="en-US" altLang="zh-TW" dirty="0" smtClean="0"/>
+              <a:rPr lang="en-US" altLang="zh-TW" dirty="0"/>
               <a:t>[](0);</a:t>
             </a:r>
           </a:p>
@@ -7434,13 +6778,13 @@
               <a:buNone/>
             </a:pPr>
             <a:r>
-              <a:rPr lang="en-US" altLang="zh-TW" dirty="0" smtClean="0"/>
+              <a:rPr lang="en-US" altLang="zh-TW" dirty="0"/>
               <a:t>	How could a function in the left side of =.</a:t>
             </a:r>
           </a:p>
           <a:p>
             <a:r>
-              <a:rPr lang="en-US" altLang="zh-TW" dirty="0" smtClean="0"/>
+              <a:rPr lang="en-US" altLang="zh-TW" dirty="0"/>
               <a:t>Those two cases should be implemented separated</a:t>
             </a:r>
           </a:p>
@@ -7473,16 +6817,11 @@
               <a:rPr lang="en-US" altLang="zh-TW" dirty="0"/>
               <a:t>; </a:t>
             </a:r>
-            <a:endParaRPr lang="en-US" altLang="zh-TW" dirty="0" smtClean="0"/>
-          </a:p>
-          <a:p>
-            <a:r>
-              <a:rPr lang="en-US" altLang="zh-TW" dirty="0" smtClean="0"/>
-              <a:t>LHS</a:t>
-            </a:r>
-            <a:r>
-              <a:rPr lang="en-US" altLang="zh-TW" dirty="0"/>
-              <a:t>: </a:t>
+          </a:p>
+          <a:p>
+            <a:r>
+              <a:rPr lang="en-US" altLang="zh-TW" dirty="0"/>
+              <a:t>LHS: </a:t>
             </a:r>
             <a:r>
               <a:rPr lang="en-US" altLang="zh-TW" dirty="0" err="1"/>
@@ -7497,17 +6836,16 @@
               <a:t>int</a:t>
             </a:r>
             <a:r>
-              <a:rPr lang="en-US" altLang="zh-TW" dirty="0" smtClean="0"/>
+              <a:rPr lang="en-US" altLang="zh-TW" dirty="0"/>
               <a:t>);</a:t>
             </a:r>
           </a:p>
           <a:p>
             <a:pPr lvl="1"/>
             <a:r>
-              <a:rPr lang="en-US" altLang="zh-TW" dirty="0" smtClean="0"/>
+              <a:rPr lang="en-US" altLang="zh-TW" dirty="0"/>
               <a:t>Return a reference as a variable in LHS</a:t>
             </a:r>
-            <a:endParaRPr lang="en-US" altLang="zh-TW" dirty="0"/>
           </a:p>
         </p:txBody>
       </p:sp>
@@ -7527,7 +6865,7 @@
           <a:lstStyle/>
           <a:p>
             <a:r>
-              <a:rPr lang="en-US" altLang="zh-TW" dirty="0" smtClean="0"/>
+              <a:rPr lang="en-US" altLang="zh-TW" dirty="0"/>
               <a:t>Left hand side function</a:t>
             </a:r>
             <a:endParaRPr lang="zh-TW" altLang="en-US" dirty="0"/>
@@ -7544,13 +6882,6 @@
   <p:clrMapOvr>
     <a:masterClrMapping/>
   </p:clrMapOvr>
-  <p:timing>
-    <p:tnLst>
-      <p:par>
-        <p:cTn id="1" dur="indefinite" restart="never" nodeType="tmRoot"/>
-      </p:par>
-    </p:tnLst>
-  </p:timing>
 </p:sld>
 </file>
 
@@ -7594,55 +6925,55 @@
           <a:lstStyle/>
           <a:p>
             <a:r>
-              <a:rPr lang="en-US" altLang="zh-TW" b="1" dirty="0" smtClean="0"/>
+              <a:rPr lang="en-US" altLang="zh-TW" b="1" dirty="0"/>
               <a:t>Encapsulation</a:t>
             </a:r>
             <a:r>
-              <a:rPr lang="en-US" altLang="zh-TW" dirty="0" smtClean="0"/>
+              <a:rPr lang="en-US" altLang="zh-TW" dirty="0"/>
               <a:t> (</a:t>
             </a:r>
             <a:r>
-              <a:rPr lang="zh-TW" altLang="en-US" dirty="0" smtClean="0"/>
+              <a:rPr lang="zh-TW" altLang="en-US" dirty="0"/>
               <a:t>封裝</a:t>
             </a:r>
             <a:r>
-              <a:rPr lang="en-US" altLang="zh-TW" dirty="0" smtClean="0"/>
+              <a:rPr lang="en-US" altLang="zh-TW" dirty="0"/>
               <a:t>):</a:t>
             </a:r>
             <a:r>
-              <a:rPr lang="zh-TW" altLang="en-US" dirty="0" smtClean="0"/>
+              <a:rPr lang="zh-TW" altLang="en-US" dirty="0"/>
               <a:t> </a:t>
             </a:r>
             <a:r>
-              <a:rPr lang="en-US" altLang="zh-TW" dirty="0" smtClean="0"/>
+              <a:rPr lang="en-US" altLang="zh-TW" dirty="0"/>
               <a:t>Data and methods to manipulate data (function) are tightly coupled, and others should not change them arbitrarily.</a:t>
             </a:r>
           </a:p>
           <a:p>
             <a:r>
-              <a:rPr lang="en-US" altLang="zh-TW" b="1" dirty="0" smtClean="0"/>
+              <a:rPr lang="en-US" altLang="zh-TW" b="1" dirty="0"/>
               <a:t>Inheritance</a:t>
             </a:r>
             <a:r>
-              <a:rPr lang="zh-TW" altLang="en-US" dirty="0" smtClean="0"/>
+              <a:rPr lang="zh-TW" altLang="en-US" dirty="0"/>
               <a:t> </a:t>
             </a:r>
             <a:r>
-              <a:rPr lang="en-US" altLang="zh-TW" dirty="0" smtClean="0"/>
+              <a:rPr lang="en-US" altLang="zh-TW" dirty="0"/>
               <a:t>(</a:t>
             </a:r>
             <a:r>
-              <a:rPr lang="zh-TW" altLang="en-US" dirty="0" smtClean="0"/>
+              <a:rPr lang="zh-TW" altLang="en-US" dirty="0"/>
               <a:t>繼承</a:t>
             </a:r>
             <a:r>
-              <a:rPr lang="en-US" altLang="zh-TW" dirty="0" smtClean="0"/>
+              <a:rPr lang="en-US" altLang="zh-TW" dirty="0"/>
               <a:t>): Data and functions should have a hierarchy so that the common part of data or actions (functions) can be reused.</a:t>
             </a:r>
           </a:p>
           <a:p>
             <a:r>
-              <a:rPr lang="en-US" altLang="zh-TW" b="1" dirty="0" smtClean="0">
+              <a:rPr lang="en-US" altLang="zh-TW" b="1" dirty="0">
                 <a:solidFill>
                   <a:srgbClr val="FF0000"/>
                 </a:solidFill>
@@ -7650,7 +6981,7 @@
               <a:t>Polymorphism</a:t>
             </a:r>
             <a:r>
-              <a:rPr lang="zh-TW" altLang="en-US" dirty="0" smtClean="0">
+              <a:rPr lang="zh-TW" altLang="en-US" dirty="0">
                 <a:solidFill>
                   <a:srgbClr val="FF0000"/>
                 </a:solidFill>
@@ -7658,7 +6989,7 @@
               <a:t> </a:t>
             </a:r>
             <a:r>
-              <a:rPr lang="en-US" altLang="zh-TW" dirty="0" smtClean="0">
+              <a:rPr lang="en-US" altLang="zh-TW" dirty="0">
                 <a:solidFill>
                   <a:srgbClr val="FF0000"/>
                 </a:solidFill>
@@ -7666,7 +6997,7 @@
               <a:t>(</a:t>
             </a:r>
             <a:r>
-              <a:rPr lang="zh-TW" altLang="en-US" dirty="0" smtClean="0">
+              <a:rPr lang="zh-TW" altLang="en-US" dirty="0">
                 <a:solidFill>
                   <a:srgbClr val="FF0000"/>
                 </a:solidFill>
@@ -7674,7 +7005,7 @@
               <a:t>多型</a:t>
             </a:r>
             <a:r>
-              <a:rPr lang="en-US" altLang="zh-TW" dirty="0" smtClean="0">
+              <a:rPr lang="en-US" altLang="zh-TW" dirty="0">
                 <a:solidFill>
                   <a:srgbClr val="FF0000"/>
                 </a:solidFill>
@@ -7705,11 +7036,11 @@
           <a:lstStyle/>
           <a:p>
             <a:r>
-              <a:rPr lang="en-US" altLang="zh-TW" smtClean="0"/>
+              <a:rPr lang="en-US" altLang="zh-TW"/>
               <a:t>Object-oriented </a:t>
             </a:r>
             <a:r>
-              <a:rPr lang="en-US" altLang="zh-TW" dirty="0" smtClean="0"/>
+              <a:rPr lang="en-US" altLang="zh-TW" dirty="0"/>
               <a:t>design</a:t>
             </a:r>
             <a:endParaRPr lang="zh-TW" altLang="en-US" dirty="0"/>
@@ -7726,13 +7057,6 @@
   <p:clrMapOvr>
     <a:masterClrMapping/>
   </p:clrMapOvr>
-  <p:timing>
-    <p:tnLst>
-      <p:par>
-        <p:cTn id="1" dur="indefinite" restart="never" nodeType="tmRoot"/>
-      </p:par>
-    </p:tnLst>
-  </p:timing>
 </p:sld>
 </file>
 
@@ -7771,12 +7095,8 @@
           <a:lstStyle/>
           <a:p>
             <a:r>
-              <a:rPr lang="en-US" altLang="zh-TW" dirty="0" smtClean="0"/>
-              <a:t>If </a:t>
-            </a:r>
-            <a:r>
-              <a:rPr lang="en-US" altLang="zh-TW" dirty="0"/>
-              <a:t>the left operand must be an object of a </a:t>
+              <a:rPr lang="en-US" altLang="zh-TW" dirty="0"/>
+              <a:t>If the left operand must be an object of a </a:t>
             </a:r>
             <a:r>
               <a:rPr lang="en-US" altLang="zh-TW" dirty="0">
@@ -7812,73 +7132,14 @@
             </a:r>
             <a:r>
               <a:rPr lang="en-US" altLang="zh-TW" dirty="0"/>
-              <a:t>, this operator function must be implemented as a non-member </a:t>
-            </a:r>
-            <a:r>
-              <a:rPr lang="en-US" altLang="zh-TW" dirty="0" smtClean="0"/>
-              <a:t>function.</a:t>
+              <a:t>, this operator function must be implemented as a non-member function.</a:t>
             </a:r>
           </a:p>
           <a:p>
             <a:pPr lvl="1"/>
             <a:r>
-              <a:rPr lang="en-US" altLang="zh-TW" dirty="0" smtClean="0"/>
+              <a:rPr lang="en-US" altLang="zh-TW" dirty="0"/>
               <a:t>Ex: Array operator- (</a:t>
-            </a:r>
-            <a:r>
-              <a:rPr lang="en-US" altLang="zh-TW" dirty="0" err="1" smtClean="0">
-                <a:solidFill>
-                  <a:srgbClr val="FF0000"/>
-                </a:solidFill>
-              </a:rPr>
-              <a:t>const</a:t>
-            </a:r>
-            <a:r>
-              <a:rPr lang="en-US" altLang="zh-TW" dirty="0" smtClean="0">
-                <a:solidFill>
-                  <a:srgbClr val="FF0000"/>
-                </a:solidFill>
-              </a:rPr>
-              <a:t> </a:t>
-            </a:r>
-            <a:r>
-              <a:rPr lang="en-US" altLang="zh-TW" dirty="0" err="1" smtClean="0">
-                <a:solidFill>
-                  <a:srgbClr val="FF0000"/>
-                </a:solidFill>
-              </a:rPr>
-              <a:t>int</a:t>
-            </a:r>
-            <a:r>
-              <a:rPr lang="en-US" altLang="zh-TW" dirty="0" smtClean="0"/>
-              <a:t>, </a:t>
-            </a:r>
-            <a:r>
-              <a:rPr lang="en-US" altLang="zh-TW" dirty="0" err="1" smtClean="0"/>
-              <a:t>const</a:t>
-            </a:r>
-            <a:r>
-              <a:rPr lang="en-US" altLang="zh-TW" dirty="0" smtClean="0"/>
-              <a:t> Array&amp;);</a:t>
-            </a:r>
-          </a:p>
-          <a:p>
-            <a:pPr lvl="1"/>
-            <a:r>
-              <a:rPr lang="en-US" altLang="zh-TW" dirty="0" smtClean="0"/>
-              <a:t>Ex</a:t>
-            </a:r>
-            <a:r>
-              <a:rPr lang="en-US" altLang="zh-TW" dirty="0"/>
-              <a:t>: </a:t>
-            </a:r>
-            <a:r>
-              <a:rPr lang="en-US" altLang="zh-TW" dirty="0" err="1"/>
-              <a:t>ostream</a:t>
-            </a:r>
-            <a:r>
-              <a:rPr lang="en-US" altLang="zh-TW" dirty="0"/>
-              <a:t>&amp; operator&lt;&lt;(</a:t>
             </a:r>
             <a:r>
               <a:rPr lang="en-US" altLang="zh-TW" dirty="0" err="1">
@@ -7886,7 +7147,7 @@
                   <a:srgbClr val="FF0000"/>
                 </a:solidFill>
               </a:rPr>
-              <a:t>ostream</a:t>
+              <a:t>const</a:t>
             </a:r>
             <a:r>
               <a:rPr lang="en-US" altLang="zh-TW" dirty="0">
@@ -7894,40 +7155,7 @@
                   <a:srgbClr val="FF0000"/>
                 </a:solidFill>
               </a:rPr>
-              <a:t> &amp;output</a:t>
-            </a:r>
-            <a:r>
-              <a:rPr lang="en-US" altLang="zh-TW" dirty="0"/>
-              <a:t>, </a:t>
-            </a:r>
-            <a:r>
-              <a:rPr lang="en-US" altLang="zh-TW" dirty="0" err="1"/>
-              <a:t>const</a:t>
-            </a:r>
-            <a:r>
-              <a:rPr lang="en-US" altLang="zh-TW" dirty="0"/>
               <a:t> </a:t>
-            </a:r>
-            <a:r>
-              <a:rPr lang="en-US" altLang="zh-TW" dirty="0" smtClean="0"/>
-              <a:t>	Array&amp;);</a:t>
-            </a:r>
-          </a:p>
-          <a:p>
-            <a:pPr marL="457200" lvl="1" indent="0">
-              <a:buNone/>
-            </a:pPr>
-            <a:r>
-              <a:rPr lang="en-US" altLang="zh-TW" dirty="0" smtClean="0"/>
-              <a:t>	</a:t>
-            </a:r>
-            <a:r>
-              <a:rPr lang="en-US" altLang="zh-TW" dirty="0" err="1" smtClean="0"/>
-              <a:t>istream</a:t>
-            </a:r>
-            <a:r>
-              <a:rPr lang="en-US" altLang="zh-TW" dirty="0"/>
-              <a:t>&amp; operator&gt;&gt;(</a:t>
             </a:r>
             <a:r>
               <a:rPr lang="en-US" altLang="zh-TW" dirty="0" err="1">
@@ -7935,7 +7163,42 @@
                   <a:srgbClr val="FF0000"/>
                 </a:solidFill>
               </a:rPr>
-              <a:t>istream</a:t>
+              <a:t>int</a:t>
+            </a:r>
+            <a:r>
+              <a:rPr lang="en-US" altLang="zh-TW" dirty="0"/>
+              <a:t>, </a:t>
+            </a:r>
+            <a:r>
+              <a:rPr lang="en-US" altLang="zh-TW" dirty="0" err="1"/>
+              <a:t>const</a:t>
+            </a:r>
+            <a:r>
+              <a:rPr lang="en-US" altLang="zh-TW" dirty="0"/>
+              <a:t> Array&amp;);</a:t>
+            </a:r>
+          </a:p>
+          <a:p>
+            <a:pPr lvl="1"/>
+            <a:r>
+              <a:rPr lang="en-US" altLang="zh-TW" dirty="0"/>
+              <a:t>Ex: </a:t>
+            </a:r>
+            <a:r>
+              <a:rPr lang="en-US" altLang="zh-TW" dirty="0" err="1"/>
+              <a:t>ostream</a:t>
+            </a:r>
+            <a:r>
+              <a:rPr lang="en-US" altLang="zh-TW" dirty="0"/>
+              <a:t>&amp; operator&lt;&lt;(</a:t>
+            </a:r>
+            <a:r>
+              <a:rPr lang="en-US" altLang="zh-TW" dirty="0" err="1">
+                <a:solidFill>
+                  <a:srgbClr val="FF0000"/>
+                </a:solidFill>
+              </a:rPr>
+              <a:t>ostream</a:t>
             </a:r>
             <a:r>
               <a:rPr lang="en-US" altLang="zh-TW" dirty="0">
@@ -7943,17 +7206,57 @@
                   <a:srgbClr val="FF0000"/>
                 </a:solidFill>
               </a:rPr>
+              <a:t> &amp;output</a:t>
+            </a:r>
+            <a:r>
+              <a:rPr lang="en-US" altLang="zh-TW" dirty="0"/>
+              <a:t>, </a:t>
+            </a:r>
+            <a:r>
+              <a:rPr lang="en-US" altLang="zh-TW" dirty="0" err="1"/>
+              <a:t>const</a:t>
+            </a:r>
+            <a:r>
+              <a:rPr lang="en-US" altLang="zh-TW" dirty="0"/>
+              <a:t> 	Array&amp;);</a:t>
+            </a:r>
+          </a:p>
+          <a:p>
+            <a:pPr marL="457200" lvl="1" indent="0">
+              <a:buNone/>
+            </a:pPr>
+            <a:r>
+              <a:rPr lang="en-US" altLang="zh-TW" dirty="0"/>
+              <a:t>	</a:t>
+            </a:r>
+            <a:r>
+              <a:rPr lang="en-US" altLang="zh-TW" dirty="0" err="1"/>
+              <a:t>istream</a:t>
+            </a:r>
+            <a:r>
+              <a:rPr lang="en-US" altLang="zh-TW" dirty="0"/>
+              <a:t>&amp; operator&gt;&gt;(</a:t>
+            </a:r>
+            <a:r>
+              <a:rPr lang="en-US" altLang="zh-TW" dirty="0" err="1">
+                <a:solidFill>
+                  <a:srgbClr val="FF0000"/>
+                </a:solidFill>
+              </a:rPr>
+              <a:t>istream</a:t>
+            </a:r>
+            <a:r>
+              <a:rPr lang="en-US" altLang="zh-TW" dirty="0">
+                <a:solidFill>
+                  <a:srgbClr val="FF0000"/>
+                </a:solidFill>
+              </a:rPr>
               <a:t> &amp;input</a:t>
             </a:r>
             <a:r>
               <a:rPr lang="en-US" altLang="zh-TW" dirty="0"/>
-              <a:t>, Array</a:t>
-            </a:r>
-            <a:r>
-              <a:rPr lang="en-US" altLang="zh-TW" dirty="0" smtClean="0"/>
-              <a:t>&amp;);</a:t>
-            </a:r>
-            <a:endParaRPr lang="en-US" altLang="zh-TW" dirty="0"/>
+              <a:t>, Array&amp;);</a:t>
+            </a:r>
           </a:p>
         </p:txBody>
       </p:sp>
@@ -7975,7 +7278,7 @@
           <a:lstStyle/>
           <a:p>
             <a:r>
-              <a:rPr lang="en-US" altLang="zh-TW" dirty="0" smtClean="0"/>
+              <a:rPr lang="en-US" altLang="zh-TW" dirty="0"/>
               <a:t>Non-Member function overloading</a:t>
             </a:r>
             <a:endParaRPr lang="zh-TW" altLang="en-US" dirty="0"/>
@@ -7992,13 +7295,6 @@
   <p:clrMapOvr>
     <a:masterClrMapping/>
   </p:clrMapOvr>
-  <p:timing>
-    <p:tnLst>
-      <p:par>
-        <p:cTn id="1" dur="indefinite" restart="never" nodeType="tmRoot"/>
-      </p:par>
-    </p:tnLst>
-  </p:timing>
 </p:sld>
 </file>
 
@@ -8037,16 +7333,8 @@
           <a:lstStyle/>
           <a:p>
             <a:r>
-              <a:rPr lang="en-US" altLang="zh-TW" dirty="0" smtClean="0"/>
-              <a:t>The </a:t>
-            </a:r>
-            <a:r>
-              <a:rPr lang="en-US" altLang="zh-TW" dirty="0"/>
-              <a:t>functions operator&gt;&gt; and operator&lt;&lt; are declared </a:t>
-            </a:r>
-            <a:r>
-              <a:rPr lang="en-US" altLang="zh-TW" dirty="0" smtClean="0"/>
-              <a:t>as </a:t>
+              <a:rPr lang="en-US" altLang="zh-TW" dirty="0"/>
+              <a:t>The functions operator&gt;&gt; and operator&lt;&lt; are declared as </a:t>
             </a:r>
             <a:r>
               <a:rPr lang="en-US" altLang="zh-TW" dirty="0">
@@ -8065,15 +7353,7 @@
             <a:pPr lvl="1"/>
             <a:r>
               <a:rPr lang="en-US" altLang="zh-TW" dirty="0"/>
-              <a:t>They’re non-member functions because the object of class </a:t>
-            </a:r>
-            <a:r>
-              <a:rPr lang="en-US" altLang="zh-TW" dirty="0" smtClean="0"/>
-              <a:t>Array </a:t>
-            </a:r>
-            <a:r>
-              <a:rPr lang="en-US" altLang="zh-TW" dirty="0"/>
-              <a:t>is the operator’s </a:t>
+              <a:t>They’re non-member functions because the object of class Array is the operator’s </a:t>
             </a:r>
             <a:r>
               <a:rPr lang="en-US" altLang="zh-TW" dirty="0">
@@ -8090,12 +7370,8 @@
           </a:p>
           <a:p>
             <a:r>
-              <a:rPr lang="en-US" altLang="zh-TW" dirty="0" smtClean="0"/>
-              <a:t>The </a:t>
-            </a:r>
-            <a:r>
-              <a:rPr lang="en-US" altLang="zh-TW" dirty="0"/>
-              <a:t>overloaded operator functions may require access to the </a:t>
+              <a:rPr lang="en-US" altLang="zh-TW" dirty="0"/>
+              <a:t>The overloaded operator functions may require access to the </a:t>
             </a:r>
             <a:r>
               <a:rPr lang="en-US" altLang="zh-TW" dirty="0">
@@ -8107,23 +7383,7 @@
             </a:r>
             <a:r>
               <a:rPr lang="en-US" altLang="zh-TW" dirty="0"/>
-              <a:t> of the class </a:t>
-            </a:r>
-            <a:r>
-              <a:rPr lang="en-US" altLang="zh-TW" dirty="0" smtClean="0"/>
-              <a:t>object, </a:t>
-            </a:r>
-            <a:r>
-              <a:rPr lang="en-US" altLang="zh-TW" dirty="0"/>
-              <a:t>so </a:t>
-            </a:r>
-            <a:r>
-              <a:rPr lang="en-US" altLang="zh-TW" dirty="0" smtClean="0"/>
-              <a:t>they </a:t>
-            </a:r>
-            <a:r>
-              <a:rPr lang="en-US" altLang="zh-TW" dirty="0"/>
-              <a:t>can be made </a:t>
+              <a:t> of the class object, so they can be made </a:t>
             </a:r>
             <a:r>
               <a:rPr lang="en-US" altLang="zh-TW" dirty="0">
@@ -8146,10 +7406,9 @@
               <a:t>for performance reasons</a:t>
             </a:r>
             <a:r>
-              <a:rPr lang="en-US" altLang="zh-TW" dirty="0" smtClean="0"/>
+              <a:rPr lang="en-US" altLang="zh-TW" dirty="0"/>
               <a:t>.</a:t>
             </a:r>
-            <a:endParaRPr lang="en-US" altLang="zh-TW" dirty="0"/>
           </a:p>
         </p:txBody>
       </p:sp>
@@ -8172,11 +7431,7 @@
           <a:p>
             <a:r>
               <a:rPr lang="en-US" altLang="zh-TW" dirty="0"/>
-              <a:t>Overloaded Operators as Non-Member friend </a:t>
-            </a:r>
-            <a:r>
-              <a:rPr lang="en-US" altLang="zh-TW" dirty="0" smtClean="0"/>
-              <a:t>Functions</a:t>
+              <a:t>Overloaded Operators as Non-Member friend Functions</a:t>
             </a:r>
             <a:endParaRPr lang="zh-TW" altLang="en-US" dirty="0"/>
           </a:p>
@@ -8192,13 +7447,6 @@
   <p:clrMapOvr>
     <a:masterClrMapping/>
   </p:clrMapOvr>
-  <p:timing>
-    <p:tnLst>
-      <p:par>
-        <p:cTn id="1" dur="indefinite" restart="never" nodeType="tmRoot"/>
-      </p:par>
-    </p:tnLst>
-  </p:timing>
 </p:sld>
 </file>
 
@@ -8246,42 +7494,29 @@
                   <a:srgbClr val="FF0000"/>
                 </a:solidFill>
               </a:rPr>
-              <a:t>cascaded member-function </a:t>
-            </a:r>
-            <a:r>
-              <a:rPr lang="en-US" altLang="zh-TW" dirty="0" smtClean="0">
-                <a:solidFill>
-                  <a:srgbClr val="FF0000"/>
-                </a:solidFill>
-              </a:rPr>
-              <a:t>calls</a:t>
-            </a:r>
-            <a:endParaRPr lang="en-US" altLang="zh-TW" dirty="0">
-              <a:solidFill>
-                <a:srgbClr val="FF0000"/>
-              </a:solidFill>
-            </a:endParaRPr>
-          </a:p>
-          <a:p>
-            <a:endParaRPr lang="en-US" altLang="zh-TW" dirty="0" smtClean="0"/>
-          </a:p>
-          <a:p>
-            <a:endParaRPr lang="en-US" altLang="zh-TW" dirty="0" smtClean="0"/>
-          </a:p>
-          <a:p>
-            <a:r>
-              <a:rPr lang="en-US" altLang="zh-TW" dirty="0" smtClean="0"/>
+              <a:t>cascaded member-function calls</a:t>
+            </a:r>
+          </a:p>
+          <a:p>
+            <a:endParaRPr lang="en-US" altLang="zh-TW" dirty="0"/>
+          </a:p>
+          <a:p>
+            <a:endParaRPr lang="en-US" altLang="zh-TW" dirty="0"/>
+          </a:p>
+          <a:p>
+            <a:r>
+              <a:rPr lang="en-US" altLang="zh-TW" dirty="0"/>
               <a:t>Ex: to do that, the return of a function is the object itself</a:t>
             </a:r>
           </a:p>
           <a:p>
             <a:pPr lvl="1"/>
             <a:r>
-              <a:rPr lang="en-US" altLang="zh-TW" dirty="0" smtClean="0"/>
+              <a:rPr lang="en-US" altLang="zh-TW" dirty="0"/>
               <a:t>Ex: </a:t>
             </a:r>
             <a:r>
-              <a:rPr lang="en-US" altLang="zh-TW" dirty="0" smtClean="0">
+              <a:rPr lang="en-US" altLang="zh-TW" dirty="0">
                 <a:solidFill>
                   <a:srgbClr val="FF0000"/>
                 </a:solidFill>
@@ -8315,19 +7550,7 @@
           <a:p>
             <a:r>
               <a:rPr lang="en-US" altLang="zh-TW" dirty="0"/>
-              <a:t>For </a:t>
-            </a:r>
-            <a:r>
-              <a:rPr lang="en-US" altLang="zh-TW" dirty="0" smtClean="0"/>
-              <a:t>cascaded function </a:t>
-            </a:r>
-            <a:r>
-              <a:rPr lang="en-US" altLang="zh-TW" dirty="0"/>
-              <a:t>c</a:t>
-            </a:r>
-            <a:r>
-              <a:rPr lang="en-US" altLang="zh-TW" dirty="0" smtClean="0"/>
-              <a:t>alls</a:t>
+              <a:t>For cascaded function calls</a:t>
             </a:r>
             <a:endParaRPr lang="zh-TW" altLang="en-US" dirty="0"/>
           </a:p>
@@ -8355,7 +7578,7 @@
           <a:lstStyle/>
           <a:p>
             <a:r>
-              <a:rPr lang="en-US" altLang="zh-TW" sz="2400" dirty="0" smtClean="0">
+              <a:rPr lang="en-US" altLang="zh-TW" sz="2400" dirty="0">
                 <a:solidFill>
                   <a:srgbClr val="FF0000"/>
                 </a:solidFill>
@@ -8365,7 +7588,7 @@
               <a:t>Obj.fun1</a:t>
             </a:r>
             <a:r>
-              <a:rPr lang="zh-TW" altLang="en-US" sz="2400" dirty="0" smtClean="0">
+              <a:rPr lang="zh-TW" altLang="en-US" sz="2400" dirty="0">
                 <a:solidFill>
                   <a:srgbClr val="FF0000"/>
                 </a:solidFill>
@@ -8375,7 +7598,7 @@
               <a:t>(18).</a:t>
             </a:r>
             <a:r>
-              <a:rPr lang="en-US" altLang="zh-TW" sz="2400" dirty="0" smtClean="0">
+              <a:rPr lang="en-US" altLang="zh-TW" sz="2400" dirty="0">
                 <a:solidFill>
                   <a:srgbClr val="FF0000"/>
                 </a:solidFill>
@@ -8385,7 +7608,7 @@
               <a:t>fun2</a:t>
             </a:r>
             <a:r>
-              <a:rPr lang="zh-TW" altLang="en-US" sz="2400" dirty="0" smtClean="0">
+              <a:rPr lang="zh-TW" altLang="en-US" sz="2400" dirty="0">
                 <a:solidFill>
                   <a:srgbClr val="FF0000"/>
                 </a:solidFill>
@@ -8395,7 +7618,7 @@
               <a:t>(30).</a:t>
             </a:r>
             <a:r>
-              <a:rPr lang="en-US" altLang="zh-TW" sz="2400" dirty="0" smtClean="0">
+              <a:rPr lang="en-US" altLang="zh-TW" sz="2400" dirty="0">
                 <a:solidFill>
                   <a:srgbClr val="FF0000"/>
                 </a:solidFill>
@@ -8405,7 +7628,7 @@
               <a:t>fun3</a:t>
             </a:r>
             <a:r>
-              <a:rPr lang="zh-TW" altLang="en-US" sz="2400" dirty="0" smtClean="0">
+              <a:rPr lang="zh-TW" altLang="en-US" sz="2400" dirty="0">
                 <a:solidFill>
                   <a:srgbClr val="FF0000"/>
                 </a:solidFill>
@@ -8414,7 +7637,7 @@
               </a:rPr>
               <a:t>(22);</a:t>
             </a:r>
-            <a:endParaRPr lang="en-US" altLang="zh-TW" sz="2400" dirty="0" smtClean="0">
+            <a:endParaRPr lang="en-US" altLang="zh-TW" sz="2400" dirty="0">
               <a:solidFill>
                 <a:srgbClr val="FF0000"/>
               </a:solidFill>
@@ -8423,7 +7646,7 @@
             </a:endParaRPr>
           </a:p>
           <a:p>
-            <a:endParaRPr lang="en-US" altLang="zh-TW" sz="2400" dirty="0" smtClean="0">
+            <a:endParaRPr lang="en-US" altLang="zh-TW" sz="2400" dirty="0">
               <a:solidFill>
                 <a:srgbClr val="FF0000"/>
               </a:solidFill>
@@ -8433,7 +7656,7 @@
           </a:p>
           <a:p>
             <a:r>
-              <a:rPr lang="en-US" altLang="zh-TW" sz="2400" dirty="0" err="1" smtClean="0">
+              <a:rPr lang="en-US" altLang="zh-TW" sz="2400" dirty="0" err="1">
                 <a:solidFill>
                   <a:srgbClr val="FF0000"/>
                 </a:solidFill>
@@ -8441,16 +7664,6 @@
                 <a:cs typeface="Courier New" panose="02070309020205020404" pitchFamily="49" charset="0"/>
               </a:rPr>
               <a:t>cout</a:t>
-            </a:r>
-            <a:r>
-              <a:rPr lang="en-US" altLang="zh-TW" sz="2400" dirty="0" smtClean="0">
-                <a:solidFill>
-                  <a:srgbClr val="FF0000"/>
-                </a:solidFill>
-                <a:latin typeface="Courier New" panose="02070309020205020404" pitchFamily="49" charset="0"/>
-                <a:cs typeface="Courier New" panose="02070309020205020404" pitchFamily="49" charset="0"/>
-              </a:rPr>
-              <a:t> &lt;&lt; "output 1" &lt;&lt; </a:t>
             </a:r>
             <a:r>
               <a:rPr lang="en-US" altLang="zh-TW" sz="2400" dirty="0">
@@ -8460,30 +7673,20 @@
                 <a:latin typeface="Courier New" panose="02070309020205020404" pitchFamily="49" charset="0"/>
                 <a:cs typeface="Courier New" panose="02070309020205020404" pitchFamily="49" charset="0"/>
               </a:rPr>
-              <a:t>"output </a:t>
-            </a:r>
-            <a:r>
-              <a:rPr lang="en-US" altLang="zh-TW" sz="2400" dirty="0" smtClean="0">
+              <a:t> &lt;&lt; "output 1" &lt;&lt; "output 2" &lt;&lt; </a:t>
+            </a:r>
+            <a:r>
+              <a:rPr lang="en-US" altLang="zh-TW" sz="2400" dirty="0" err="1">
                 <a:solidFill>
                   <a:srgbClr val="FF0000"/>
                 </a:solidFill>
                 <a:latin typeface="Courier New" panose="02070309020205020404" pitchFamily="49" charset="0"/>
                 <a:cs typeface="Courier New" panose="02070309020205020404" pitchFamily="49" charset="0"/>
               </a:rPr>
-              <a:t>2" &lt;&lt; </a:t>
-            </a:r>
-            <a:r>
-              <a:rPr lang="en-US" altLang="zh-TW" sz="2400" dirty="0" err="1" smtClean="0">
-                <a:solidFill>
-                  <a:srgbClr val="FF0000"/>
-                </a:solidFill>
-                <a:latin typeface="Courier New" panose="02070309020205020404" pitchFamily="49" charset="0"/>
-                <a:cs typeface="Courier New" panose="02070309020205020404" pitchFamily="49" charset="0"/>
-              </a:rPr>
               <a:t>endl</a:t>
             </a:r>
             <a:r>
-              <a:rPr lang="en-US" altLang="zh-TW" sz="2400" dirty="0" smtClean="0">
+              <a:rPr lang="en-US" altLang="zh-TW" sz="2400" dirty="0">
                 <a:solidFill>
                   <a:srgbClr val="FF0000"/>
                 </a:solidFill>
@@ -8512,13 +7715,6 @@
   <p:clrMapOvr>
     <a:masterClrMapping/>
   </p:clrMapOvr>
-  <p:timing>
-    <p:tnLst>
-      <p:par>
-        <p:cTn id="1" dur="indefinite" restart="never" nodeType="tmRoot"/>
-      </p:par>
-    </p:tnLst>
-  </p:timing>
 </p:sld>
 </file>
 
@@ -8598,27 +7794,72 @@
                 <a:latin typeface="Courier New" panose="02070309020205020404" pitchFamily="49" charset="0"/>
                 <a:cs typeface="Courier New" panose="02070309020205020404" pitchFamily="49" charset="0"/>
               </a:rPr>
-              <a:t>using namespace std</a:t>
-            </a:r>
-            <a:r>
-              <a:rPr lang="zh-TW" altLang="en-US" dirty="0" smtClean="0">
-                <a:latin typeface="Courier New" panose="02070309020205020404" pitchFamily="49" charset="0"/>
-                <a:cs typeface="Courier New" panose="02070309020205020404" pitchFamily="49" charset="0"/>
-              </a:rPr>
-              <a:t>;</a:t>
-            </a:r>
-            <a:endParaRPr lang="zh-TW" altLang="en-US" dirty="0">
+              <a:t>using namespace std;</a:t>
+            </a:r>
+          </a:p>
+          <a:p>
+            <a:r>
+              <a:rPr lang="zh-TW" altLang="en-US" dirty="0">
+                <a:latin typeface="Courier New" panose="02070309020205020404" pitchFamily="49" charset="0"/>
+                <a:cs typeface="Courier New" panose="02070309020205020404" pitchFamily="49" charset="0"/>
+              </a:rPr>
+              <a:t>class Person{</a:t>
+            </a:r>
+          </a:p>
+          <a:p>
+            <a:r>
+              <a:rPr lang="zh-TW" altLang="en-US" dirty="0">
+                <a:latin typeface="Courier New" panose="02070309020205020404" pitchFamily="49" charset="0"/>
+                <a:cs typeface="Courier New" panose="02070309020205020404" pitchFamily="49" charset="0"/>
+              </a:rPr>
+              <a:t>    string m_name;</a:t>
+            </a:r>
+          </a:p>
+          <a:p>
+            <a:r>
+              <a:rPr lang="zh-TW" altLang="en-US" dirty="0">
+                <a:latin typeface="Courier New" panose="02070309020205020404" pitchFamily="49" charset="0"/>
+                <a:cs typeface="Courier New" panose="02070309020205020404" pitchFamily="49" charset="0"/>
+              </a:rPr>
+              <a:t>    int m_age;</a:t>
+            </a:r>
+          </a:p>
+          <a:p>
+            <a:r>
+              <a:rPr lang="zh-TW" altLang="en-US" dirty="0">
+                <a:latin typeface="Courier New" panose="02070309020205020404" pitchFamily="49" charset="0"/>
+                <a:cs typeface="Courier New" panose="02070309020205020404" pitchFamily="49" charset="0"/>
+              </a:rPr>
+              <a:t>public:</a:t>
+            </a:r>
+          </a:p>
+          <a:p>
+            <a:r>
+              <a:rPr lang="zh-TW" altLang="en-US" dirty="0">
+                <a:latin typeface="Courier New" panose="02070309020205020404" pitchFamily="49" charset="0"/>
+                <a:cs typeface="Courier New" panose="02070309020205020404" pitchFamily="49" charset="0"/>
+              </a:rPr>
+              <a:t>    Person &amp;name(string const &amp;name) {</a:t>
+            </a:r>
+            <a:endParaRPr lang="en-US" altLang="zh-TW" dirty="0">
               <a:latin typeface="Courier New" panose="02070309020205020404" pitchFamily="49" charset="0"/>
               <a:cs typeface="Courier New" panose="02070309020205020404" pitchFamily="49" charset="0"/>
             </a:endParaRPr>
           </a:p>
           <a:p>
             <a:r>
+              <a:rPr lang="en-US" altLang="zh-TW" dirty="0">
+                <a:latin typeface="Courier New" panose="02070309020205020404" pitchFamily="49" charset="0"/>
+                <a:cs typeface="Courier New" panose="02070309020205020404" pitchFamily="49" charset="0"/>
+              </a:rPr>
+              <a:t>	</a:t>
+            </a:r>
+            <a:r>
               <a:rPr lang="zh-TW" altLang="en-US" dirty="0">
                 <a:latin typeface="Courier New" panose="02070309020205020404" pitchFamily="49" charset="0"/>
                 <a:cs typeface="Courier New" panose="02070309020205020404" pitchFamily="49" charset="0"/>
               </a:rPr>
-              <a:t>class Person{</a:t>
+              <a:t>this-&gt;m_name = name; return *this;}</a:t>
             </a:r>
           </a:p>
           <a:p>
@@ -8627,36 +7868,27 @@
                 <a:latin typeface="Courier New" panose="02070309020205020404" pitchFamily="49" charset="0"/>
                 <a:cs typeface="Courier New" panose="02070309020205020404" pitchFamily="49" charset="0"/>
               </a:rPr>
-              <a:t>    string m_name;</a:t>
-            </a:r>
-          </a:p>
-          <a:p>
-            <a:r>
-              <a:rPr lang="zh-TW" altLang="en-US" dirty="0">
-                <a:latin typeface="Courier New" panose="02070309020205020404" pitchFamily="49" charset="0"/>
-                <a:cs typeface="Courier New" panose="02070309020205020404" pitchFamily="49" charset="0"/>
-              </a:rPr>
-              <a:t>    int m_age</a:t>
-            </a:r>
-            <a:r>
-              <a:rPr lang="zh-TW" altLang="en-US" dirty="0" smtClean="0">
-                <a:latin typeface="Courier New" panose="02070309020205020404" pitchFamily="49" charset="0"/>
-                <a:cs typeface="Courier New" panose="02070309020205020404" pitchFamily="49" charset="0"/>
-              </a:rPr>
-              <a:t>;</a:t>
-            </a:r>
-            <a:endParaRPr lang="zh-TW" altLang="en-US" dirty="0">
+              <a:t>    Person &amp;age(int const age) {</a:t>
+            </a:r>
+            <a:endParaRPr lang="en-US" altLang="zh-TW" dirty="0">
               <a:latin typeface="Courier New" panose="02070309020205020404" pitchFamily="49" charset="0"/>
               <a:cs typeface="Courier New" panose="02070309020205020404" pitchFamily="49" charset="0"/>
             </a:endParaRPr>
           </a:p>
           <a:p>
             <a:r>
+              <a:rPr lang="en-US" altLang="zh-TW" dirty="0">
+                <a:latin typeface="Courier New" panose="02070309020205020404" pitchFamily="49" charset="0"/>
+                <a:cs typeface="Courier New" panose="02070309020205020404" pitchFamily="49" charset="0"/>
+              </a:rPr>
+              <a:t>	</a:t>
+            </a:r>
+            <a:r>
               <a:rPr lang="zh-TW" altLang="en-US" dirty="0">
                 <a:latin typeface="Courier New" panose="02070309020205020404" pitchFamily="49" charset="0"/>
                 <a:cs typeface="Courier New" panose="02070309020205020404" pitchFamily="49" charset="0"/>
               </a:rPr>
-              <a:t>public:</a:t>
+              <a:t>this-&gt;m_age = age; return *this;}</a:t>
             </a:r>
           </a:p>
           <a:p>
@@ -8665,41 +7897,16 @@
                 <a:latin typeface="Courier New" panose="02070309020205020404" pitchFamily="49" charset="0"/>
                 <a:cs typeface="Courier New" panose="02070309020205020404" pitchFamily="49" charset="0"/>
               </a:rPr>
-              <a:t>    Person &amp;name(string const &amp;name) </a:t>
-            </a:r>
-            <a:r>
-              <a:rPr lang="zh-TW" altLang="en-US" dirty="0" smtClean="0">
-                <a:latin typeface="Courier New" panose="02070309020205020404" pitchFamily="49" charset="0"/>
-                <a:cs typeface="Courier New" panose="02070309020205020404" pitchFamily="49" charset="0"/>
-              </a:rPr>
-              <a:t>{</a:t>
-            </a:r>
-            <a:endParaRPr lang="en-US" altLang="zh-TW" dirty="0" smtClean="0">
-              <a:latin typeface="Courier New" panose="02070309020205020404" pitchFamily="49" charset="0"/>
-              <a:cs typeface="Courier New" panose="02070309020205020404" pitchFamily="49" charset="0"/>
-            </a:endParaRPr>
-          </a:p>
-          <a:p>
-            <a:r>
-              <a:rPr lang="en-US" altLang="zh-TW" dirty="0">
-                <a:latin typeface="Courier New" panose="02070309020205020404" pitchFamily="49" charset="0"/>
-                <a:cs typeface="Courier New" panose="02070309020205020404" pitchFamily="49" charset="0"/>
-              </a:rPr>
-              <a:t>	</a:t>
-            </a:r>
-            <a:r>
-              <a:rPr lang="zh-TW" altLang="en-US" dirty="0" smtClean="0">
-                <a:latin typeface="Courier New" panose="02070309020205020404" pitchFamily="49" charset="0"/>
-                <a:cs typeface="Courier New" panose="02070309020205020404" pitchFamily="49" charset="0"/>
-              </a:rPr>
-              <a:t>this</a:t>
-            </a:r>
+              <a:t>    string toString() const {</a:t>
+            </a:r>
+          </a:p>
+          <a:p>
             <a:r>
               <a:rPr lang="zh-TW" altLang="en-US" dirty="0">
                 <a:latin typeface="Courier New" panose="02070309020205020404" pitchFamily="49" charset="0"/>
                 <a:cs typeface="Courier New" panose="02070309020205020404" pitchFamily="49" charset="0"/>
               </a:rPr>
-              <a:t>-&gt;m_name = name; return *this;}</a:t>
+              <a:t>        stringstream ss;</a:t>
             </a:r>
           </a:p>
           <a:p>
@@ -8708,41 +7915,16 @@
                 <a:latin typeface="Courier New" panose="02070309020205020404" pitchFamily="49" charset="0"/>
                 <a:cs typeface="Courier New" panose="02070309020205020404" pitchFamily="49" charset="0"/>
               </a:rPr>
-              <a:t>    Person &amp;age(int const age) </a:t>
-            </a:r>
-            <a:r>
-              <a:rPr lang="zh-TW" altLang="en-US" dirty="0" smtClean="0">
-                <a:latin typeface="Courier New" panose="02070309020205020404" pitchFamily="49" charset="0"/>
-                <a:cs typeface="Courier New" panose="02070309020205020404" pitchFamily="49" charset="0"/>
-              </a:rPr>
-              <a:t>{</a:t>
-            </a:r>
-            <a:endParaRPr lang="en-US" altLang="zh-TW" dirty="0" smtClean="0">
-              <a:latin typeface="Courier New" panose="02070309020205020404" pitchFamily="49" charset="0"/>
-              <a:cs typeface="Courier New" panose="02070309020205020404" pitchFamily="49" charset="0"/>
-            </a:endParaRPr>
-          </a:p>
-          <a:p>
-            <a:r>
-              <a:rPr lang="en-US" altLang="zh-TW" dirty="0">
-                <a:latin typeface="Courier New" panose="02070309020205020404" pitchFamily="49" charset="0"/>
-                <a:cs typeface="Courier New" panose="02070309020205020404" pitchFamily="49" charset="0"/>
-              </a:rPr>
-              <a:t>	</a:t>
-            </a:r>
-            <a:r>
-              <a:rPr lang="zh-TW" altLang="en-US" dirty="0" smtClean="0">
-                <a:latin typeface="Courier New" panose="02070309020205020404" pitchFamily="49" charset="0"/>
-                <a:cs typeface="Courier New" panose="02070309020205020404" pitchFamily="49" charset="0"/>
-              </a:rPr>
-              <a:t>this</a:t>
-            </a:r>
+              <a:t>        ss &lt;&lt; m_name &lt;&lt; " is "&lt;&lt; m_age&lt;&lt;" years old.";</a:t>
+            </a:r>
+          </a:p>
+          <a:p>
             <a:r>
               <a:rPr lang="zh-TW" altLang="en-US" dirty="0">
                 <a:latin typeface="Courier New" panose="02070309020205020404" pitchFamily="49" charset="0"/>
                 <a:cs typeface="Courier New" panose="02070309020205020404" pitchFamily="49" charset="0"/>
               </a:rPr>
-              <a:t>-&gt;m_age = age; return *this;}</a:t>
+              <a:t>        return ss.str();</a:t>
             </a:r>
           </a:p>
           <a:p>
@@ -8751,7 +7933,7 @@
                 <a:latin typeface="Courier New" panose="02070309020205020404" pitchFamily="49" charset="0"/>
                 <a:cs typeface="Courier New" panose="02070309020205020404" pitchFamily="49" charset="0"/>
               </a:rPr>
-              <a:t>    string toString() const {</a:t>
+              <a:t>    }</a:t>
             </a:r>
           </a:p>
           <a:p>
@@ -8760,7 +7942,7 @@
                 <a:latin typeface="Courier New" panose="02070309020205020404" pitchFamily="49" charset="0"/>
                 <a:cs typeface="Courier New" panose="02070309020205020404" pitchFamily="49" charset="0"/>
               </a:rPr>
-              <a:t>        stringstream ss;</a:t>
+              <a:t>};</a:t>
             </a:r>
           </a:p>
           <a:p>
@@ -8769,7 +7951,7 @@
                 <a:latin typeface="Courier New" panose="02070309020205020404" pitchFamily="49" charset="0"/>
                 <a:cs typeface="Courier New" panose="02070309020205020404" pitchFamily="49" charset="0"/>
               </a:rPr>
-              <a:t>        ss &lt;&lt; m_name &lt;&lt; " is "&lt;&lt; m_age&lt;&lt;" years old.";</a:t>
+              <a:t>int main(void){</a:t>
             </a:r>
           </a:p>
           <a:p>
@@ -8778,7 +7960,7 @@
                 <a:latin typeface="Courier New" panose="02070309020205020404" pitchFamily="49" charset="0"/>
                 <a:cs typeface="Courier New" panose="02070309020205020404" pitchFamily="49" charset="0"/>
               </a:rPr>
-              <a:t>        return ss.str();</a:t>
+              <a:t>    Person person;</a:t>
             </a:r>
           </a:p>
           <a:p>
@@ -8787,77 +7969,8 @@
                 <a:latin typeface="Courier New" panose="02070309020205020404" pitchFamily="49" charset="0"/>
                 <a:cs typeface="Courier New" panose="02070309020205020404" pitchFamily="49" charset="0"/>
               </a:rPr>
-              <a:t>    }</a:t>
-            </a:r>
-          </a:p>
-          <a:p>
-            <a:r>
-              <a:rPr lang="zh-TW" altLang="en-US" dirty="0">
-                <a:latin typeface="Courier New" panose="02070309020205020404" pitchFamily="49" charset="0"/>
-                <a:cs typeface="Courier New" panose="02070309020205020404" pitchFamily="49" charset="0"/>
-              </a:rPr>
-              <a:t>}</a:t>
-            </a:r>
-            <a:r>
-              <a:rPr lang="zh-TW" altLang="en-US" dirty="0" smtClean="0">
-                <a:latin typeface="Courier New" panose="02070309020205020404" pitchFamily="49" charset="0"/>
-                <a:cs typeface="Courier New" panose="02070309020205020404" pitchFamily="49" charset="0"/>
-              </a:rPr>
-              <a:t>;</a:t>
-            </a:r>
-            <a:endParaRPr lang="zh-TW" altLang="en-US" dirty="0">
-              <a:latin typeface="Courier New" panose="02070309020205020404" pitchFamily="49" charset="0"/>
-              <a:cs typeface="Courier New" panose="02070309020205020404" pitchFamily="49" charset="0"/>
-            </a:endParaRPr>
-          </a:p>
-          <a:p>
-            <a:r>
-              <a:rPr lang="zh-TW" altLang="en-US" dirty="0">
-                <a:latin typeface="Courier New" panose="02070309020205020404" pitchFamily="49" charset="0"/>
-                <a:cs typeface="Courier New" panose="02070309020205020404" pitchFamily="49" charset="0"/>
-              </a:rPr>
-              <a:t>int main(void</a:t>
-            </a:r>
-            <a:r>
-              <a:rPr lang="zh-TW" altLang="en-US" dirty="0" smtClean="0">
-                <a:latin typeface="Courier New" panose="02070309020205020404" pitchFamily="49" charset="0"/>
-                <a:cs typeface="Courier New" panose="02070309020205020404" pitchFamily="49" charset="0"/>
-              </a:rPr>
-              <a:t>){</a:t>
-            </a:r>
-            <a:endParaRPr lang="zh-TW" altLang="en-US" dirty="0">
-              <a:latin typeface="Courier New" panose="02070309020205020404" pitchFamily="49" charset="0"/>
-              <a:cs typeface="Courier New" panose="02070309020205020404" pitchFamily="49" charset="0"/>
-            </a:endParaRPr>
-          </a:p>
-          <a:p>
-            <a:r>
-              <a:rPr lang="zh-TW" altLang="en-US" dirty="0">
-                <a:latin typeface="Courier New" panose="02070309020205020404" pitchFamily="49" charset="0"/>
-                <a:cs typeface="Courier New" panose="02070309020205020404" pitchFamily="49" charset="0"/>
-              </a:rPr>
-              <a:t>    Person person;</a:t>
-            </a:r>
-          </a:p>
-          <a:p>
-            <a:r>
-              <a:rPr lang="zh-TW" altLang="en-US" dirty="0">
-                <a:latin typeface="Courier New" panose="02070309020205020404" pitchFamily="49" charset="0"/>
-                <a:cs typeface="Courier New" panose="02070309020205020404" pitchFamily="49" charset="0"/>
-              </a:rPr>
-              <a:t>    cout &lt;&lt; person.name("Peter").age(21).toString() &lt;&lt; endl</a:t>
-            </a:r>
-            <a:r>
-              <a:rPr lang="zh-TW" altLang="en-US" dirty="0" smtClean="0">
-                <a:latin typeface="Courier New" panose="02070309020205020404" pitchFamily="49" charset="0"/>
-                <a:cs typeface="Courier New" panose="02070309020205020404" pitchFamily="49" charset="0"/>
-              </a:rPr>
-              <a:t>;</a:t>
-            </a:r>
-            <a:endParaRPr lang="zh-TW" altLang="en-US" dirty="0">
-              <a:latin typeface="Courier New" panose="02070309020205020404" pitchFamily="49" charset="0"/>
-              <a:cs typeface="Courier New" panose="02070309020205020404" pitchFamily="49" charset="0"/>
-            </a:endParaRPr>
+              <a:t>    cout &lt;&lt; person.name("Peter").age(21).toString() &lt;&lt; endl;</a:t>
+            </a:r>
           </a:p>
           <a:p>
             <a:r>
@@ -8889,13 +8002,6 @@
   <p:clrMapOvr>
     <a:masterClrMapping/>
   </p:clrMapOvr>
-  <p:timing>
-    <p:tnLst>
-      <p:par>
-        <p:cTn id="1" dur="indefinite" restart="never" nodeType="tmRoot"/>
-      </p:par>
-    </p:tnLst>
-  </p:timing>
 </p:sld>
 </file>
 
@@ -8939,35 +8045,8 @@
           <a:lstStyle/>
           <a:p>
             <a:r>
-              <a:rPr lang="en-US" altLang="zh-TW" dirty="0" smtClean="0"/>
-              <a:t>As </a:t>
-            </a:r>
-            <a:r>
-              <a:rPr lang="en-US" altLang="zh-TW" dirty="0"/>
-              <a:t>a member function or as a non-member </a:t>
-            </a:r>
-            <a:r>
-              <a:rPr lang="en-US" altLang="zh-TW" dirty="0" smtClean="0"/>
-              <a:t>function </a:t>
-            </a:r>
-            <a:r>
-              <a:rPr lang="en-US" altLang="zh-TW" dirty="0" smtClean="0">
-                <a:solidFill>
-                  <a:srgbClr val="FF0000"/>
-                </a:solidFill>
-              </a:rPr>
-              <a:t>does affect </a:t>
-            </a:r>
-            <a:r>
-              <a:rPr lang="en-US" altLang="zh-TW" dirty="0" smtClean="0"/>
-              <a:t>how the operator is used.</a:t>
-            </a:r>
-            <a:endParaRPr lang="en-US" altLang="zh-TW" dirty="0"/>
-          </a:p>
-          <a:p>
-            <a:r>
-              <a:rPr lang="en-US" altLang="zh-TW" dirty="0"/>
-              <a:t>When an operator function is implemented as a member function, the </a:t>
+              <a:rPr lang="en-US" altLang="zh-TW" dirty="0"/>
+              <a:t>As a member function or as a non-member function </a:t>
             </a:r>
             <a:r>
               <a:rPr lang="en-US" altLang="zh-TW" dirty="0">
@@ -8975,6 +8054,24 @@
                   <a:srgbClr val="FF0000"/>
                 </a:solidFill>
               </a:rPr>
+              <a:t>does affect </a:t>
+            </a:r>
+            <a:r>
+              <a:rPr lang="en-US" altLang="zh-TW" dirty="0"/>
+              <a:t>how the operator is used.</a:t>
+            </a:r>
+          </a:p>
+          <a:p>
+            <a:r>
+              <a:rPr lang="en-US" altLang="zh-TW" dirty="0"/>
+              <a:t>When an operator function is implemented as a member function, the </a:t>
+            </a:r>
+            <a:r>
+              <a:rPr lang="en-US" altLang="zh-TW" dirty="0">
+                <a:solidFill>
+                  <a:srgbClr val="FF0000"/>
+                </a:solidFill>
+              </a:rPr>
               <a:t>leftmost (or only) </a:t>
             </a:r>
             <a:r>
@@ -8985,11 +8082,7 @@
           <a:p>
             <a:r>
               <a:rPr lang="en-US" altLang="zh-TW" dirty="0"/>
-              <a:t>If the left operand must be an object of a different class or a fundamental type, this operator function must be implemented as a non-member </a:t>
-            </a:r>
-            <a:r>
-              <a:rPr lang="en-US" altLang="zh-TW" dirty="0" smtClean="0"/>
-              <a:t>function.</a:t>
+              <a:t>If the left operand must be an object of a different class or a fundamental type, this operator function must be implemented as a non-member function.</a:t>
             </a:r>
             <a:endParaRPr lang="zh-TW" altLang="en-US" dirty="0"/>
           </a:p>
@@ -9017,11 +8110,11 @@
               <a:t>Member </a:t>
             </a:r>
             <a:r>
-              <a:rPr lang="en-US" altLang="zh-TW" dirty="0" err="1" smtClean="0"/>
+              <a:rPr lang="en-US" altLang="zh-TW" dirty="0" err="1"/>
               <a:t>vs.Non</a:t>
             </a:r>
             <a:r>
-              <a:rPr lang="en-US" altLang="zh-TW" dirty="0" smtClean="0"/>
+              <a:rPr lang="en-US" altLang="zh-TW" dirty="0"/>
               <a:t>-Member Function</a:t>
             </a:r>
             <a:endParaRPr lang="zh-TW" altLang="en-US" dirty="0"/>
@@ -9038,13 +8131,6 @@
   <p:clrMapOvr>
     <a:masterClrMapping/>
   </p:clrMapOvr>
-  <p:timing>
-    <p:tnLst>
-      <p:par>
-        <p:cTn id="1" dur="indefinite" restart="never" nodeType="tmRoot"/>
-      </p:par>
-    </p:tnLst>
-  </p:timing>
 </p:sld>
 </file>
 
@@ -9090,13 +8176,8 @@
           <a:p>
             <a:r>
               <a:rPr lang="en-US" altLang="zh-TW" dirty="0"/>
-              <a:t>Operator member functions of a specific class are called only when the left operand of a binary operator is specifically an object of that class, or when the single operand of a unary operator is an object of that class</a:t>
-            </a:r>
-            <a:r>
-              <a:rPr lang="en-US" altLang="zh-TW" dirty="0" smtClean="0"/>
-              <a:t>.</a:t>
-            </a:r>
-            <a:endParaRPr lang="en-US" altLang="zh-TW" dirty="0"/>
+              <a:t>Operator member functions of a specific class are called only when the left operand of a binary operator is specifically an object of that class, or when the single operand of a unary operator is an object of that class.</a:t>
+            </a:r>
           </a:p>
         </p:txBody>
       </p:sp>
@@ -9118,7 +8199,7 @@
           <a:lstStyle/>
           <a:p>
             <a:r>
-              <a:rPr lang="en-US" altLang="zh-TW" dirty="0" smtClean="0"/>
+              <a:rPr lang="en-US" altLang="zh-TW" dirty="0"/>
               <a:t>Member vs. Non-Member Function</a:t>
             </a:r>
             <a:endParaRPr lang="zh-TW" altLang="en-US" dirty="0"/>
@@ -9135,13 +8216,6 @@
   <p:clrMapOvr>
     <a:masterClrMapping/>
   </p:clrMapOvr>
-  <p:timing>
-    <p:tnLst>
-      <p:par>
-        <p:cTn id="1" dur="indefinite" restart="never" nodeType="tmRoot"/>
-      </p:par>
-    </p:tnLst>
-  </p:timing>
 </p:sld>
 </file>
 
@@ -9178,11 +8252,11 @@
           <a:lstStyle/>
           <a:p>
             <a:r>
-              <a:rPr lang="en-US" altLang="zh-TW" dirty="0" err="1" smtClean="0"/>
+              <a:rPr lang="en-US" altLang="zh-TW" dirty="0" err="1"/>
               <a:t>Overloadable</a:t>
             </a:r>
             <a:r>
-              <a:rPr lang="en-US" altLang="zh-TW" dirty="0" smtClean="0"/>
+              <a:rPr lang="en-US" altLang="zh-TW" dirty="0"/>
               <a:t> operators</a:t>
             </a:r>
             <a:endParaRPr lang="zh-TW" altLang="en-US" dirty="0"/>
@@ -9208,12 +8282,48 @@
             <a:tbl>
               <a:tblPr/>
               <a:tblGrid>
-                <a:gridCol w="639233"/>
-                <a:gridCol w="639233"/>
-                <a:gridCol w="639233"/>
-                <a:gridCol w="639233"/>
-                <a:gridCol w="639233"/>
-                <a:gridCol w="639233"/>
+                <a:gridCol w="639233">
+                  <a:extLst>
+                    <a:ext uri="{9D8B030D-6E8A-4147-A177-3AD203B41FA5}">
+                      <a16:colId xmlns:a16="http://schemas.microsoft.com/office/drawing/2014/main" val="20000"/>
+                    </a:ext>
+                  </a:extLst>
+                </a:gridCol>
+                <a:gridCol w="639233">
+                  <a:extLst>
+                    <a:ext uri="{9D8B030D-6E8A-4147-A177-3AD203B41FA5}">
+                      <a16:colId xmlns:a16="http://schemas.microsoft.com/office/drawing/2014/main" val="20001"/>
+                    </a:ext>
+                  </a:extLst>
+                </a:gridCol>
+                <a:gridCol w="639233">
+                  <a:extLst>
+                    <a:ext uri="{9D8B030D-6E8A-4147-A177-3AD203B41FA5}">
+                      <a16:colId xmlns:a16="http://schemas.microsoft.com/office/drawing/2014/main" val="20002"/>
+                    </a:ext>
+                  </a:extLst>
+                </a:gridCol>
+                <a:gridCol w="639233">
+                  <a:extLst>
+                    <a:ext uri="{9D8B030D-6E8A-4147-A177-3AD203B41FA5}">
+                      <a16:colId xmlns:a16="http://schemas.microsoft.com/office/drawing/2014/main" val="20003"/>
+                    </a:ext>
+                  </a:extLst>
+                </a:gridCol>
+                <a:gridCol w="639233">
+                  <a:extLst>
+                    <a:ext uri="{9D8B030D-6E8A-4147-A177-3AD203B41FA5}">
+                      <a16:colId xmlns:a16="http://schemas.microsoft.com/office/drawing/2014/main" val="20004"/>
+                    </a:ext>
+                  </a:extLst>
+                </a:gridCol>
+                <a:gridCol w="639233">
+                  <a:extLst>
+                    <a:ext uri="{9D8B030D-6E8A-4147-A177-3AD203B41FA5}">
+                      <a16:colId xmlns:a16="http://schemas.microsoft.com/office/drawing/2014/main" val="20005"/>
+                    </a:ext>
+                  </a:extLst>
+                </a:gridCol>
               </a:tblGrid>
               <a:tr h="0">
                 <a:tc>
@@ -9534,6 +8644,11 @@
                     </a:lnB>
                   </a:tcPr>
                 </a:tc>
+                <a:extLst>
+                  <a:ext uri="{0D108BD9-81ED-4DB2-BD59-A6C34878D82A}">
+                    <a16:rowId xmlns:a16="http://schemas.microsoft.com/office/drawing/2014/main" val="10000"/>
+                  </a:ext>
+                </a:extLst>
               </a:tr>
               <a:tr h="0">
                 <a:tc>
@@ -9854,6 +8969,11 @@
                     </a:lnB>
                   </a:tcPr>
                 </a:tc>
+                <a:extLst>
+                  <a:ext uri="{0D108BD9-81ED-4DB2-BD59-A6C34878D82A}">
+                    <a16:rowId xmlns:a16="http://schemas.microsoft.com/office/drawing/2014/main" val="10001"/>
+                  </a:ext>
+                </a:extLst>
               </a:tr>
               <a:tr h="0">
                 <a:tc>
@@ -10174,6 +9294,11 @@
                     </a:lnB>
                   </a:tcPr>
                 </a:tc>
+                <a:extLst>
+                  <a:ext uri="{0D108BD9-81ED-4DB2-BD59-A6C34878D82A}">
+                    <a16:rowId xmlns:a16="http://schemas.microsoft.com/office/drawing/2014/main" val="10002"/>
+                  </a:ext>
+                </a:extLst>
               </a:tr>
               <a:tr h="0">
                 <a:tc>
@@ -10494,6 +9619,11 @@
                     </a:lnB>
                   </a:tcPr>
                 </a:tc>
+                <a:extLst>
+                  <a:ext uri="{0D108BD9-81ED-4DB2-BD59-A6C34878D82A}">
+                    <a16:rowId xmlns:a16="http://schemas.microsoft.com/office/drawing/2014/main" val="10003"/>
+                  </a:ext>
+                </a:extLst>
               </a:tr>
               <a:tr h="0">
                 <a:tc>
@@ -10814,6 +9944,11 @@
                     </a:lnB>
                   </a:tcPr>
                 </a:tc>
+                <a:extLst>
+                  <a:ext uri="{0D108BD9-81ED-4DB2-BD59-A6C34878D82A}">
+                    <a16:rowId xmlns:a16="http://schemas.microsoft.com/office/drawing/2014/main" val="10004"/>
+                  </a:ext>
+                </a:extLst>
               </a:tr>
               <a:tr h="0">
                 <a:tc>
@@ -11140,6 +10275,11 @@
                     </a:lnB>
                   </a:tcPr>
                 </a:tc>
+                <a:extLst>
+                  <a:ext uri="{0D108BD9-81ED-4DB2-BD59-A6C34878D82A}">
+                    <a16:rowId xmlns:a16="http://schemas.microsoft.com/office/drawing/2014/main" val="10005"/>
+                  </a:ext>
+                </a:extLst>
               </a:tr>
               <a:tr h="0">
                 <a:tc>
@@ -11460,6 +10600,11 @@
                     </a:lnB>
                   </a:tcPr>
                 </a:tc>
+                <a:extLst>
+                  <a:ext uri="{0D108BD9-81ED-4DB2-BD59-A6C34878D82A}">
+                    <a16:rowId xmlns:a16="http://schemas.microsoft.com/office/drawing/2014/main" val="10006"/>
+                  </a:ext>
+                </a:extLst>
               </a:tr>
             </a:tbl>
           </a:graphicData>
@@ -11484,10 +10629,34 @@
             <a:tbl>
               <a:tblPr/>
               <a:tblGrid>
-                <a:gridCol w="958850"/>
-                <a:gridCol w="958850"/>
-                <a:gridCol w="958850"/>
-                <a:gridCol w="958850"/>
+                <a:gridCol w="958850">
+                  <a:extLst>
+                    <a:ext uri="{9D8B030D-6E8A-4147-A177-3AD203B41FA5}">
+                      <a16:colId xmlns:a16="http://schemas.microsoft.com/office/drawing/2014/main" val="20000"/>
+                    </a:ext>
+                  </a:extLst>
+                </a:gridCol>
+                <a:gridCol w="958850">
+                  <a:extLst>
+                    <a:ext uri="{9D8B030D-6E8A-4147-A177-3AD203B41FA5}">
+                      <a16:colId xmlns:a16="http://schemas.microsoft.com/office/drawing/2014/main" val="20001"/>
+                    </a:ext>
+                  </a:extLst>
+                </a:gridCol>
+                <a:gridCol w="958850">
+                  <a:extLst>
+                    <a:ext uri="{9D8B030D-6E8A-4147-A177-3AD203B41FA5}">
+                      <a16:colId xmlns:a16="http://schemas.microsoft.com/office/drawing/2014/main" val="20002"/>
+                    </a:ext>
+                  </a:extLst>
+                </a:gridCol>
+                <a:gridCol w="958850">
+                  <a:extLst>
+                    <a:ext uri="{9D8B030D-6E8A-4147-A177-3AD203B41FA5}">
+                      <a16:colId xmlns:a16="http://schemas.microsoft.com/office/drawing/2014/main" val="20003"/>
+                    </a:ext>
+                  </a:extLst>
+                </a:gridCol>
               </a:tblGrid>
               <a:tr h="0">
                 <a:tc>
@@ -11702,6 +10871,11 @@
                     </a:lnB>
                   </a:tcPr>
                 </a:tc>
+                <a:extLst>
+                  <a:ext uri="{0D108BD9-81ED-4DB2-BD59-A6C34878D82A}">
+                    <a16:rowId xmlns:a16="http://schemas.microsoft.com/office/drawing/2014/main" val="10000"/>
+                  </a:ext>
+                </a:extLst>
               </a:tr>
             </a:tbl>
           </a:graphicData>
@@ -11783,7 +10957,7 @@
               <a:tabLst/>
             </a:pPr>
             <a:r>
-              <a:rPr kumimoji="0" lang="zh-TW" altLang="zh-TW" b="0" i="0" u="none" strike="noStrike" cap="none" normalizeH="0" baseline="0" dirty="0" smtClean="0">
+              <a:rPr kumimoji="0" lang="zh-TW" altLang="zh-TW" b="0" i="0" u="none" strike="noStrike" cap="none" normalizeH="0" baseline="0" dirty="0">
                 <a:ln>
                   <a:noFill/>
                 </a:ln>
@@ -11795,7 +10969,7 @@
               </a:rPr>
               <a:t>Following is the list of operators, which can not be overloaded:</a:t>
             </a:r>
-            <a:endParaRPr kumimoji="0" lang="zh-TW" altLang="zh-TW" sz="3200" b="0" i="0" u="none" strike="noStrike" cap="none" normalizeH="0" baseline="0" dirty="0" smtClean="0">
+            <a:endParaRPr kumimoji="0" lang="zh-TW" altLang="zh-TW" sz="3200" b="0" i="0" u="none" strike="noStrike" cap="none" normalizeH="0" baseline="0" dirty="0">
               <a:ln>
                 <a:noFill/>
               </a:ln>
@@ -11818,13 +10992,6 @@
   <p:clrMapOvr>
     <a:masterClrMapping/>
   </p:clrMapOvr>
-  <p:timing>
-    <p:tnLst>
-      <p:par>
-        <p:cTn id="1" dur="indefinite" restart="never" nodeType="tmRoot"/>
-      </p:par>
-    </p:tnLst>
-  </p:timing>
 </p:sld>
 </file>
 
@@ -11861,11 +11028,11 @@
           <a:lstStyle/>
           <a:p>
             <a:r>
-              <a:rPr lang="en-US" altLang="zh-TW" dirty="0" smtClean="0"/>
+              <a:rPr lang="en-US" altLang="zh-TW" dirty="0"/>
               <a:t>Example: </a:t>
             </a:r>
             <a:r>
-              <a:rPr lang="en-US" altLang="zh-TW" dirty="0" err="1" smtClean="0"/>
+              <a:rPr lang="en-US" altLang="zh-TW" dirty="0" err="1"/>
               <a:t>ComplexNumber</a:t>
             </a:r>
             <a:endParaRPr lang="zh-TW" altLang="en-US" dirty="0"/>
@@ -11901,14 +11068,14 @@
               <a:t>class </a:t>
             </a:r>
             <a:r>
-              <a:rPr lang="en-US" altLang="zh-TW" sz="2000" dirty="0" smtClean="0">
+              <a:rPr lang="en-US" altLang="zh-TW" sz="2000" dirty="0">
                 <a:latin typeface="Courier New" panose="02070309020205020404" pitchFamily="49" charset="0"/>
                 <a:cs typeface="Courier New" panose="02070309020205020404" pitchFamily="49" charset="0"/>
               </a:rPr>
               <a:t>complex</a:t>
             </a:r>
             <a:r>
-              <a:rPr lang="zh-TW" altLang="en-US" sz="2000" dirty="0" smtClean="0">
+              <a:rPr lang="zh-TW" altLang="en-US" sz="2000" dirty="0">
                 <a:latin typeface="Courier New" panose="02070309020205020404" pitchFamily="49" charset="0"/>
                 <a:cs typeface="Courier New" panose="02070309020205020404" pitchFamily="49" charset="0"/>
               </a:rPr>
@@ -11917,18 +11084,11 @@
           </a:p>
           <a:p>
             <a:r>
-              <a:rPr lang="en-US" altLang="zh-TW" sz="2000" dirty="0" smtClean="0">
-                <a:latin typeface="Courier New" panose="02070309020205020404" pitchFamily="49" charset="0"/>
-                <a:cs typeface="Courier New" panose="02070309020205020404" pitchFamily="49" charset="0"/>
-              </a:rPr>
-              <a:t>   </a:t>
-            </a:r>
-            <a:r>
               <a:rPr lang="en-US" altLang="zh-TW" sz="2000" dirty="0">
                 <a:latin typeface="Courier New" panose="02070309020205020404" pitchFamily="49" charset="0"/>
                 <a:cs typeface="Courier New" panose="02070309020205020404" pitchFamily="49" charset="0"/>
               </a:rPr>
-              <a:t>double r, </a:t>
+              <a:t>   double r, </a:t>
             </a:r>
             <a:r>
               <a:rPr lang="en-US" altLang="zh-TW" sz="2000" dirty="0" err="1">
@@ -11944,14 +11104,10 @@
               </a:rPr>
               <a:t>;	</a:t>
             </a:r>
-            <a:endParaRPr lang="en-US" altLang="zh-TW" sz="2000" dirty="0" smtClean="0">
-              <a:latin typeface="Courier New" panose="02070309020205020404" pitchFamily="49" charset="0"/>
-              <a:cs typeface="Courier New" panose="02070309020205020404" pitchFamily="49" charset="0"/>
-            </a:endParaRPr>
-          </a:p>
-          <a:p>
-            <a:r>
-              <a:rPr lang="en-US" altLang="zh-TW" sz="2000" dirty="0" smtClean="0">
+          </a:p>
+          <a:p>
+            <a:r>
+              <a:rPr lang="en-US" altLang="zh-TW" sz="2000" dirty="0">
                 <a:latin typeface="Courier New" panose="02070309020205020404" pitchFamily="49" charset="0"/>
                 <a:cs typeface="Courier New" panose="02070309020205020404" pitchFamily="49" charset="0"/>
               </a:rPr>
@@ -11959,16 +11115,6 @@
             </a:r>
           </a:p>
           <a:p>
-            <a:r>
-              <a:rPr lang="en-US" altLang="zh-TW" sz="2000" dirty="0" smtClean="0">
-                <a:solidFill>
-                  <a:srgbClr val="00B050"/>
-                </a:solidFill>
-                <a:latin typeface="Courier New" panose="02070309020205020404" pitchFamily="49" charset="0"/>
-                <a:cs typeface="Courier New" panose="02070309020205020404" pitchFamily="49" charset="0"/>
-              </a:rPr>
-              <a:t>   </a:t>
-            </a:r>
             <a:r>
               <a:rPr lang="en-US" altLang="zh-TW" sz="2000" dirty="0">
                 <a:solidFill>
@@ -11977,18 +11123,10 @@
                 <a:latin typeface="Courier New" panose="02070309020205020404" pitchFamily="49" charset="0"/>
                 <a:cs typeface="Courier New" panose="02070309020205020404" pitchFamily="49" charset="0"/>
               </a:rPr>
-              <a:t>/* </a:t>
-            </a:r>
-            <a:r>
-              <a:rPr lang="en-US" altLang="zh-TW" sz="2000" dirty="0" smtClean="0">
-                <a:solidFill>
-                  <a:srgbClr val="00B050"/>
-                </a:solidFill>
-                <a:latin typeface="Courier New" panose="02070309020205020404" pitchFamily="49" charset="0"/>
-                <a:cs typeface="Courier New" panose="02070309020205020404" pitchFamily="49" charset="0"/>
-              </a:rPr>
-              <a:t>Two ways </a:t>
-            </a:r>
+              <a:t>   /* Two ways to define binary operators*/</a:t>
+            </a:r>
+          </a:p>
+          <a:p>
             <a:r>
               <a:rPr lang="en-US" altLang="zh-TW" sz="2000" dirty="0">
                 <a:solidFill>
@@ -11997,7 +11135,47 @@
                 <a:latin typeface="Courier New" panose="02070309020205020404" pitchFamily="49" charset="0"/>
                 <a:cs typeface="Courier New" panose="02070309020205020404" pitchFamily="49" charset="0"/>
               </a:rPr>
-              <a:t>to define binary operators*/</a:t>
+              <a:t>   /* 1. a non-static member function with 1 arg.*/</a:t>
+            </a:r>
+          </a:p>
+          <a:p>
+            <a:r>
+              <a:rPr lang="en-US" altLang="zh-TW" sz="2000" dirty="0">
+                <a:latin typeface="Courier New" panose="02070309020205020404" pitchFamily="49" charset="0"/>
+                <a:cs typeface="Courier New" panose="02070309020205020404" pitchFamily="49" charset="0"/>
+              </a:rPr>
+              <a:t>   complex </a:t>
+            </a:r>
+            <a:r>
+              <a:rPr lang="en-US" altLang="zh-TW" sz="2000" dirty="0">
+                <a:solidFill>
+                  <a:srgbClr val="FF0000"/>
+                </a:solidFill>
+                <a:latin typeface="Courier New" panose="02070309020205020404" pitchFamily="49" charset="0"/>
+                <a:cs typeface="Courier New" panose="02070309020205020404" pitchFamily="49" charset="0"/>
+              </a:rPr>
+              <a:t>operator+</a:t>
+            </a:r>
+            <a:r>
+              <a:rPr lang="en-US" altLang="zh-TW" sz="2000" dirty="0">
+                <a:latin typeface="Courier New" panose="02070309020205020404" pitchFamily="49" charset="0"/>
+                <a:cs typeface="Courier New" panose="02070309020205020404" pitchFamily="49" charset="0"/>
+              </a:rPr>
+              <a:t> (</a:t>
+            </a:r>
+            <a:r>
+              <a:rPr lang="en-US" altLang="zh-TW" sz="2000" dirty="0" err="1">
+                <a:latin typeface="Courier New" panose="02070309020205020404" pitchFamily="49" charset="0"/>
+                <a:cs typeface="Courier New" panose="02070309020205020404" pitchFamily="49" charset="0"/>
+              </a:rPr>
+              <a:t>const</a:t>
+            </a:r>
+            <a:r>
+              <a:rPr lang="en-US" altLang="zh-TW" sz="2000" dirty="0">
+                <a:latin typeface="Courier New" panose="02070309020205020404" pitchFamily="49" charset="0"/>
+                <a:cs typeface="Courier New" panose="02070309020205020404" pitchFamily="49" charset="0"/>
+              </a:rPr>
+              <a:t> complex&amp;);</a:t>
             </a:r>
           </a:p>
           <a:p>
@@ -12009,33 +11187,36 @@
                 <a:latin typeface="Courier New" panose="02070309020205020404" pitchFamily="49" charset="0"/>
                 <a:cs typeface="Courier New" panose="02070309020205020404" pitchFamily="49" charset="0"/>
               </a:rPr>
-              <a:t>   /* 1. a non-static member function with 1 </a:t>
-            </a:r>
-            <a:r>
-              <a:rPr lang="en-US" altLang="zh-TW" sz="2000" dirty="0" smtClean="0">
+              <a:t>   /* 2. a non-member function with 2 </a:t>
+            </a:r>
+            <a:r>
+              <a:rPr lang="en-US" altLang="zh-TW" sz="2000" dirty="0" err="1">
                 <a:solidFill>
                   <a:srgbClr val="00B050"/>
                 </a:solidFill>
                 <a:latin typeface="Courier New" panose="02070309020205020404" pitchFamily="49" charset="0"/>
                 <a:cs typeface="Courier New" panose="02070309020205020404" pitchFamily="49" charset="0"/>
               </a:rPr>
-              <a:t>arg.*/</a:t>
-            </a:r>
-            <a:endParaRPr lang="en-US" altLang="zh-TW" sz="2000" dirty="0">
-              <a:solidFill>
-                <a:srgbClr val="00B050"/>
-              </a:solidFill>
-              <a:latin typeface="Courier New" panose="02070309020205020404" pitchFamily="49" charset="0"/>
-              <a:cs typeface="Courier New" panose="02070309020205020404" pitchFamily="49" charset="0"/>
-            </a:endParaRPr>
-          </a:p>
-          <a:p>
+              <a:t>args</a:t>
+            </a:r>
             <a:r>
               <a:rPr lang="en-US" altLang="zh-TW" sz="2000" dirty="0">
-                <a:latin typeface="Courier New" panose="02070309020205020404" pitchFamily="49" charset="0"/>
-                <a:cs typeface="Courier New" panose="02070309020205020404" pitchFamily="49" charset="0"/>
-              </a:rPr>
-              <a:t>   complex </a:t>
+                <a:solidFill>
+                  <a:srgbClr val="00B050"/>
+                </a:solidFill>
+                <a:latin typeface="Courier New" panose="02070309020205020404" pitchFamily="49" charset="0"/>
+                <a:cs typeface="Courier New" panose="02070309020205020404" pitchFamily="49" charset="0"/>
+              </a:rPr>
+              <a:t>.*/</a:t>
+            </a:r>
+          </a:p>
+          <a:p>
+            <a:r>
+              <a:rPr lang="en-US" altLang="zh-TW" sz="2000" dirty="0">
+                <a:latin typeface="Courier New" panose="02070309020205020404" pitchFamily="49" charset="0"/>
+                <a:cs typeface="Courier New" panose="02070309020205020404" pitchFamily="49" charset="0"/>
+              </a:rPr>
+              <a:t>   </a:t>
             </a:r>
             <a:r>
               <a:rPr lang="en-US" altLang="zh-TW" sz="2000" dirty="0">
@@ -12045,82 +11226,10 @@
                 <a:latin typeface="Courier New" panose="02070309020205020404" pitchFamily="49" charset="0"/>
                 <a:cs typeface="Courier New" panose="02070309020205020404" pitchFamily="49" charset="0"/>
               </a:rPr>
-              <a:t>operator+</a:t>
+              <a:t>friend</a:t>
             </a:r>
             <a:r>
               <a:rPr lang="en-US" altLang="zh-TW" sz="2000" dirty="0">
-                <a:latin typeface="Courier New" panose="02070309020205020404" pitchFamily="49" charset="0"/>
-                <a:cs typeface="Courier New" panose="02070309020205020404" pitchFamily="49" charset="0"/>
-              </a:rPr>
-              <a:t> (</a:t>
-            </a:r>
-            <a:r>
-              <a:rPr lang="en-US" altLang="zh-TW" sz="2000" dirty="0" err="1">
-                <a:latin typeface="Courier New" panose="02070309020205020404" pitchFamily="49" charset="0"/>
-                <a:cs typeface="Courier New" panose="02070309020205020404" pitchFamily="49" charset="0"/>
-              </a:rPr>
-              <a:t>const</a:t>
-            </a:r>
-            <a:r>
-              <a:rPr lang="en-US" altLang="zh-TW" sz="2000" dirty="0">
-                <a:latin typeface="Courier New" panose="02070309020205020404" pitchFamily="49" charset="0"/>
-                <a:cs typeface="Courier New" panose="02070309020205020404" pitchFamily="49" charset="0"/>
-              </a:rPr>
-              <a:t> complex&amp;);</a:t>
-            </a:r>
-          </a:p>
-          <a:p>
-            <a:r>
-              <a:rPr lang="en-US" altLang="zh-TW" sz="2000" dirty="0">
-                <a:solidFill>
-                  <a:srgbClr val="00B050"/>
-                </a:solidFill>
-                <a:latin typeface="Courier New" panose="02070309020205020404" pitchFamily="49" charset="0"/>
-                <a:cs typeface="Courier New" panose="02070309020205020404" pitchFamily="49" charset="0"/>
-              </a:rPr>
-              <a:t>   /* 2. a non-member function with 2 </a:t>
-            </a:r>
-            <a:r>
-              <a:rPr lang="en-US" altLang="zh-TW" sz="2000" dirty="0" err="1" smtClean="0">
-                <a:solidFill>
-                  <a:srgbClr val="00B050"/>
-                </a:solidFill>
-                <a:latin typeface="Courier New" panose="02070309020205020404" pitchFamily="49" charset="0"/>
-                <a:cs typeface="Courier New" panose="02070309020205020404" pitchFamily="49" charset="0"/>
-              </a:rPr>
-              <a:t>args</a:t>
-            </a:r>
-            <a:r>
-              <a:rPr lang="en-US" altLang="zh-TW" sz="2000" dirty="0">
-                <a:solidFill>
-                  <a:srgbClr val="00B050"/>
-                </a:solidFill>
-                <a:latin typeface="Courier New" panose="02070309020205020404" pitchFamily="49" charset="0"/>
-                <a:cs typeface="Courier New" panose="02070309020205020404" pitchFamily="49" charset="0"/>
-              </a:rPr>
-              <a:t>.*/</a:t>
-            </a:r>
-          </a:p>
-          <a:p>
-            <a:r>
-              <a:rPr lang="en-US" altLang="zh-TW" sz="2000" dirty="0">
-                <a:latin typeface="Courier New" panose="02070309020205020404" pitchFamily="49" charset="0"/>
-                <a:cs typeface="Courier New" panose="02070309020205020404" pitchFamily="49" charset="0"/>
-              </a:rPr>
-              <a:t>   </a:t>
-            </a:r>
-            <a:r>
-              <a:rPr lang="en-US" altLang="zh-TW" sz="2000" dirty="0" smtClean="0">
-                <a:solidFill>
-                  <a:srgbClr val="FF0000"/>
-                </a:solidFill>
-                <a:latin typeface="Courier New" panose="02070309020205020404" pitchFamily="49" charset="0"/>
-                <a:cs typeface="Courier New" panose="02070309020205020404" pitchFamily="49" charset="0"/>
-              </a:rPr>
-              <a:t>friend</a:t>
-            </a:r>
-            <a:r>
-              <a:rPr lang="en-US" altLang="zh-TW" sz="2000" dirty="0" smtClean="0">
                 <a:latin typeface="Courier New" panose="02070309020205020404" pitchFamily="49" charset="0"/>
                 <a:cs typeface="Courier New" panose="02070309020205020404" pitchFamily="49" charset="0"/>
               </a:rPr>
@@ -12134,33 +11243,16 @@
                 <a:latin typeface="Courier New" panose="02070309020205020404" pitchFamily="49" charset="0"/>
                 <a:cs typeface="Courier New" panose="02070309020205020404" pitchFamily="49" charset="0"/>
               </a:rPr>
-              <a:t>operator</a:t>
-            </a:r>
-            <a:r>
-              <a:rPr lang="en-US" altLang="zh-TW" sz="2000" dirty="0" smtClean="0">
-                <a:solidFill>
-                  <a:srgbClr val="FF0000"/>
-                </a:solidFill>
-                <a:latin typeface="Courier New" panose="02070309020205020404" pitchFamily="49" charset="0"/>
-                <a:cs typeface="Courier New" panose="02070309020205020404" pitchFamily="49" charset="0"/>
-              </a:rPr>
-              <a:t>* </a:t>
-            </a:r>
-            <a:r>
-              <a:rPr lang="en-US" altLang="zh-TW" sz="2000" dirty="0" smtClean="0">
-                <a:latin typeface="Courier New" panose="02070309020205020404" pitchFamily="49" charset="0"/>
-                <a:cs typeface="Courier New" panose="02070309020205020404" pitchFamily="49" charset="0"/>
-              </a:rPr>
-              <a:t/>
+              <a:t>operator* </a:t>
             </a:r>
             <a:br>
-              <a:rPr lang="en-US" altLang="zh-TW" sz="2000" dirty="0" smtClean="0">
+              <a:rPr lang="en-US" altLang="zh-TW" sz="2000" dirty="0">
                 <a:latin typeface="Courier New" panose="02070309020205020404" pitchFamily="49" charset="0"/>
                 <a:cs typeface="Courier New" panose="02070309020205020404" pitchFamily="49" charset="0"/>
               </a:rPr>
             </a:br>
             <a:r>
-              <a:rPr lang="en-US" altLang="zh-TW" sz="2000" dirty="0" smtClean="0">
+              <a:rPr lang="en-US" altLang="zh-TW" sz="2000" dirty="0">
                 <a:latin typeface="Courier New" panose="02070309020205020404" pitchFamily="49" charset="0"/>
                 <a:cs typeface="Courier New" panose="02070309020205020404" pitchFamily="49" charset="0"/>
               </a:rPr>
@@ -12194,14 +11286,10 @@
               </a:rPr>
               <a:t> complex&amp;);</a:t>
             </a:r>
-            <a:endParaRPr lang="en-US" altLang="zh-TW" sz="2000" dirty="0" smtClean="0">
-              <a:latin typeface="Courier New" panose="02070309020205020404" pitchFamily="49" charset="0"/>
-              <a:cs typeface="Courier New" panose="02070309020205020404" pitchFamily="49" charset="0"/>
-            </a:endParaRPr>
-          </a:p>
-          <a:p>
-            <a:r>
-              <a:rPr lang="zh-TW" altLang="en-US" sz="2000" dirty="0" smtClean="0">
+          </a:p>
+          <a:p>
+            <a:r>
+              <a:rPr lang="zh-TW" altLang="en-US" sz="2000" dirty="0">
                 <a:latin typeface="Courier New" panose="02070309020205020404" pitchFamily="49" charset="0"/>
                 <a:cs typeface="Courier New" panose="02070309020205020404" pitchFamily="49" charset="0"/>
               </a:rPr>
@@ -12232,72 +11320,48 @@
                 <a:latin typeface="Courier New" panose="02070309020205020404" pitchFamily="49" charset="0"/>
                 <a:cs typeface="Courier New" panose="02070309020205020404" pitchFamily="49" charset="0"/>
               </a:rPr>
-              <a:t>&amp;operator&lt;</a:t>
-            </a:r>
-            <a:r>
-              <a:rPr lang="zh-TW" altLang="en-US" sz="2000" dirty="0" smtClean="0">
-                <a:solidFill>
-                  <a:srgbClr val="FF0000"/>
-                </a:solidFill>
-                <a:latin typeface="Courier New" panose="02070309020205020404" pitchFamily="49" charset="0"/>
-                <a:cs typeface="Courier New" panose="02070309020205020404" pitchFamily="49" charset="0"/>
-              </a:rPr>
-              <a:t>&lt;</a:t>
-            </a:r>
-            <a:r>
-              <a:rPr lang="zh-TW" altLang="en-US" sz="2000" dirty="0" smtClean="0">
+              <a:t>&amp;operator&lt;&lt;</a:t>
+            </a:r>
+            <a:r>
+              <a:rPr lang="zh-TW" altLang="en-US" sz="2000" dirty="0">
                 <a:latin typeface="Courier New" panose="02070309020205020404" pitchFamily="49" charset="0"/>
                 <a:cs typeface="Courier New" panose="02070309020205020404" pitchFamily="49" charset="0"/>
               </a:rPr>
               <a:t> </a:t>
             </a:r>
-            <a:endParaRPr lang="en-US" altLang="zh-TW" sz="2000" dirty="0" smtClean="0">
+            <a:endParaRPr lang="en-US" altLang="zh-TW" sz="2000" dirty="0">
               <a:latin typeface="Courier New" panose="02070309020205020404" pitchFamily="49" charset="0"/>
               <a:cs typeface="Courier New" panose="02070309020205020404" pitchFamily="49" charset="0"/>
             </a:endParaRPr>
           </a:p>
           <a:p>
             <a:r>
-              <a:rPr lang="en-US" altLang="zh-TW" sz="2000" dirty="0" smtClean="0">
+              <a:rPr lang="en-US" altLang="zh-TW" sz="2000" dirty="0">
                 <a:latin typeface="Courier New" panose="02070309020205020404" pitchFamily="49" charset="0"/>
                 <a:cs typeface="Courier New" panose="02070309020205020404" pitchFamily="49" charset="0"/>
               </a:rPr>
               <a:t>     </a:t>
             </a:r>
             <a:r>
-              <a:rPr lang="zh-TW" altLang="en-US" sz="2000" dirty="0" smtClean="0">
-                <a:latin typeface="Courier New" panose="02070309020205020404" pitchFamily="49" charset="0"/>
-                <a:cs typeface="Courier New" panose="02070309020205020404" pitchFamily="49" charset="0"/>
-              </a:rPr>
-              <a:t>(std</a:t>
-            </a:r>
-            <a:r>
               <a:rPr lang="zh-TW" altLang="en-US" sz="2000" dirty="0">
                 <a:latin typeface="Courier New" panose="02070309020205020404" pitchFamily="49" charset="0"/>
                 <a:cs typeface="Courier New" panose="02070309020205020404" pitchFamily="49" charset="0"/>
               </a:rPr>
-              <a:t>::ostream &amp;, const </a:t>
-            </a:r>
-            <a:r>
-              <a:rPr lang="en-US" altLang="zh-TW" sz="2000" dirty="0" smtClean="0">
+              <a:t>(std::ostream &amp;, const </a:t>
+            </a:r>
+            <a:r>
+              <a:rPr lang="en-US" altLang="zh-TW" sz="2000" dirty="0">
                 <a:latin typeface="Courier New" panose="02070309020205020404" pitchFamily="49" charset="0"/>
                 <a:cs typeface="Courier New" panose="02070309020205020404" pitchFamily="49" charset="0"/>
               </a:rPr>
               <a:t>complex</a:t>
             </a:r>
             <a:r>
-              <a:rPr lang="zh-TW" altLang="en-US" sz="2000" dirty="0" smtClean="0">
-                <a:latin typeface="Courier New" panose="02070309020205020404" pitchFamily="49" charset="0"/>
-                <a:cs typeface="Courier New" panose="02070309020205020404" pitchFamily="49" charset="0"/>
-              </a:rPr>
-              <a:t> &amp;)</a:t>
-            </a:r>
-            <a:r>
               <a:rPr lang="zh-TW" altLang="en-US" sz="2000" dirty="0">
                 <a:latin typeface="Courier New" panose="02070309020205020404" pitchFamily="49" charset="0"/>
                 <a:cs typeface="Courier New" panose="02070309020205020404" pitchFamily="49" charset="0"/>
               </a:rPr>
-              <a:t>;</a:t>
+              <a:t> &amp;);</a:t>
             </a:r>
           </a:p>
           <a:p>
@@ -12333,26 +11397,16 @@
                 <a:latin typeface="Courier New" panose="02070309020205020404" pitchFamily="49" charset="0"/>
                 <a:cs typeface="Courier New" panose="02070309020205020404" pitchFamily="49" charset="0"/>
               </a:rPr>
-              <a:t>&amp;operator&gt;</a:t>
-            </a:r>
-            <a:r>
-              <a:rPr lang="zh-TW" altLang="en-US" sz="2000" dirty="0" smtClean="0">
-                <a:solidFill>
-                  <a:srgbClr val="FF0000"/>
-                </a:solidFill>
-                <a:latin typeface="Courier New" panose="02070309020205020404" pitchFamily="49" charset="0"/>
-                <a:cs typeface="Courier New" panose="02070309020205020404" pitchFamily="49" charset="0"/>
-              </a:rPr>
-              <a:t>&gt;</a:t>
-            </a:r>
-            <a:r>
-              <a:rPr lang="zh-TW" altLang="en-US" sz="2000" dirty="0" smtClean="0">
+              <a:t>&amp;operator&gt;&gt;</a:t>
+            </a:r>
+            <a:r>
+              <a:rPr lang="zh-TW" altLang="en-US" sz="2000" dirty="0">
                 <a:latin typeface="Courier New" panose="02070309020205020404" pitchFamily="49" charset="0"/>
                 <a:cs typeface="Courier New" panose="02070309020205020404" pitchFamily="49" charset="0"/>
               </a:rPr>
               <a:t> </a:t>
             </a:r>
-            <a:endParaRPr lang="en-US" altLang="zh-TW" sz="2000" dirty="0" smtClean="0">
+            <a:endParaRPr lang="en-US" altLang="zh-TW" sz="2000" dirty="0">
               <a:latin typeface="Courier New" panose="02070309020205020404" pitchFamily="49" charset="0"/>
               <a:cs typeface="Courier New" panose="02070309020205020404" pitchFamily="49" charset="0"/>
             </a:endParaRPr>
@@ -12363,51 +11417,37 @@
                 <a:latin typeface="Courier New" panose="02070309020205020404" pitchFamily="49" charset="0"/>
                 <a:cs typeface="Courier New" panose="02070309020205020404" pitchFamily="49" charset="0"/>
               </a:rPr>
-              <a:t> </a:t>
-            </a:r>
-            <a:r>
-              <a:rPr lang="en-US" altLang="zh-TW" sz="2000" dirty="0" smtClean="0">
-                <a:latin typeface="Courier New" panose="02070309020205020404" pitchFamily="49" charset="0"/>
-                <a:cs typeface="Courier New" panose="02070309020205020404" pitchFamily="49" charset="0"/>
-              </a:rPr>
-              <a:t>    </a:t>
-            </a:r>
-            <a:r>
-              <a:rPr lang="zh-TW" altLang="en-US" sz="2000" dirty="0" smtClean="0">
-                <a:latin typeface="Courier New" panose="02070309020205020404" pitchFamily="49" charset="0"/>
-                <a:cs typeface="Courier New" panose="02070309020205020404" pitchFamily="49" charset="0"/>
-              </a:rPr>
-              <a:t>(std</a:t>
+              <a:t>     </a:t>
             </a:r>
             <a:r>
               <a:rPr lang="zh-TW" altLang="en-US" sz="2000" dirty="0">
                 <a:latin typeface="Courier New" panose="02070309020205020404" pitchFamily="49" charset="0"/>
                 <a:cs typeface="Courier New" panose="02070309020205020404" pitchFamily="49" charset="0"/>
               </a:rPr>
-              <a:t>::istream &amp;, </a:t>
-            </a:r>
-            <a:r>
-              <a:rPr lang="en-US" altLang="zh-TW" sz="2000" dirty="0" smtClean="0">
+              <a:t>(std::istream &amp;, </a:t>
+            </a:r>
+            <a:r>
+              <a:rPr lang="en-US" altLang="zh-TW" sz="2000" dirty="0">
                 <a:latin typeface="Courier New" panose="02070309020205020404" pitchFamily="49" charset="0"/>
                 <a:cs typeface="Courier New" panose="02070309020205020404" pitchFamily="49" charset="0"/>
               </a:rPr>
               <a:t>complex</a:t>
             </a:r>
             <a:r>
-              <a:rPr lang="zh-TW" altLang="en-US" sz="2000" dirty="0" smtClean="0">
+              <a:rPr lang="zh-TW" altLang="en-US" sz="2000" dirty="0">
                 <a:latin typeface="Courier New" panose="02070309020205020404" pitchFamily="49" charset="0"/>
                 <a:cs typeface="Courier New" panose="02070309020205020404" pitchFamily="49" charset="0"/>
               </a:rPr>
               <a:t> &amp;);</a:t>
             </a:r>
-            <a:endParaRPr lang="en-US" altLang="zh-TW" sz="2000" dirty="0" smtClean="0">
+            <a:endParaRPr lang="en-US" altLang="zh-TW" sz="2000" dirty="0">
               <a:latin typeface="Courier New" panose="02070309020205020404" pitchFamily="49" charset="0"/>
               <a:cs typeface="Courier New" panose="02070309020205020404" pitchFamily="49" charset="0"/>
             </a:endParaRPr>
           </a:p>
           <a:p>
             <a:r>
-              <a:rPr lang="zh-TW" altLang="en-US" sz="2000" dirty="0" smtClean="0">
+              <a:rPr lang="zh-TW" altLang="en-US" sz="2000" dirty="0">
                 <a:latin typeface="Courier New" panose="02070309020205020404" pitchFamily="49" charset="0"/>
                 <a:cs typeface="Courier New" panose="02070309020205020404" pitchFamily="49" charset="0"/>
               </a:rPr>
@@ -12433,13 +11473,6 @@
   <p:clrMapOvr>
     <a:masterClrMapping/>
   </p:clrMapOvr>
-  <p:timing>
-    <p:tnLst>
-      <p:par>
-        <p:cTn id="1" dur="indefinite" restart="never" nodeType="tmRoot"/>
-      </p:par>
-    </p:tnLst>
-  </p:timing>
 </p:sld>
 </file>
 
@@ -12476,11 +11509,11 @@
           <a:lstStyle/>
           <a:p>
             <a:r>
-              <a:rPr lang="en-US" altLang="zh-TW" dirty="0" smtClean="0"/>
+              <a:rPr lang="en-US" altLang="zh-TW" dirty="0"/>
               <a:t>Example: </a:t>
             </a:r>
             <a:r>
-              <a:rPr lang="en-US" altLang="zh-TW" dirty="0" err="1" smtClean="0"/>
+              <a:rPr lang="en-US" altLang="zh-TW" dirty="0" err="1"/>
               <a:t>ComplexNumber</a:t>
             </a:r>
             <a:endParaRPr lang="zh-TW" altLang="en-US" dirty="0"/>
@@ -12527,16 +11560,12 @@
           </a:p>
           <a:p>
             <a:r>
-              <a:rPr lang="zh-TW" altLang="en-US" dirty="0" smtClean="0">
+              <a:rPr lang="zh-TW" altLang="en-US" dirty="0">
                 <a:latin typeface="Courier New" panose="02070309020205020404" pitchFamily="49" charset="0"/>
                 <a:cs typeface="Courier New" panose="02070309020205020404" pitchFamily="49" charset="0"/>
               </a:rPr>
               <a:t>}</a:t>
             </a:r>
-            <a:endParaRPr lang="zh-TW" altLang="en-US" dirty="0">
-              <a:latin typeface="Courier New" panose="02070309020205020404" pitchFamily="49" charset="0"/>
-              <a:cs typeface="Courier New" panose="02070309020205020404" pitchFamily="49" charset="0"/>
-            </a:endParaRPr>
           </a:p>
           <a:p>
             <a:r>
@@ -12558,16 +11587,12 @@
           </a:p>
           <a:p>
             <a:r>
-              <a:rPr lang="zh-TW" altLang="en-US" dirty="0" smtClean="0">
+              <a:rPr lang="zh-TW" altLang="en-US" dirty="0">
                 <a:latin typeface="Courier New" panose="02070309020205020404" pitchFamily="49" charset="0"/>
                 <a:cs typeface="Courier New" panose="02070309020205020404" pitchFamily="49" charset="0"/>
               </a:rPr>
               <a:t>}</a:t>
             </a:r>
-            <a:endParaRPr lang="zh-TW" altLang="en-US" dirty="0">
-              <a:latin typeface="Courier New" panose="02070309020205020404" pitchFamily="49" charset="0"/>
-              <a:cs typeface="Courier New" panose="02070309020205020404" pitchFamily="49" charset="0"/>
-            </a:endParaRPr>
           </a:p>
           <a:p>
             <a:r>
@@ -12584,31 +11609,10 @@
                 <a:latin typeface="Courier New" panose="02070309020205020404" pitchFamily="49" charset="0"/>
                 <a:cs typeface="Courier New" panose="02070309020205020404" pitchFamily="49" charset="0"/>
               </a:rPr>
-              <a:t>   char p</a:t>
-            </a:r>
-            <a:r>
-              <a:rPr lang="zh-TW" altLang="en-US" dirty="0" smtClean="0">
-                <a:latin typeface="Courier New" panose="02070309020205020404" pitchFamily="49" charset="0"/>
-                <a:cs typeface="Courier New" panose="02070309020205020404" pitchFamily="49" charset="0"/>
-              </a:rPr>
-              <a:t>;  </a:t>
-            </a:r>
-            <a:r>
-              <a:rPr lang="zh-TW" altLang="en-US" dirty="0">
-                <a:latin typeface="Courier New" panose="02070309020205020404" pitchFamily="49" charset="0"/>
-                <a:cs typeface="Courier New" panose="02070309020205020404" pitchFamily="49" charset="0"/>
-              </a:rPr>
-              <a:t>char i</a:t>
-            </a:r>
-            <a:r>
-              <a:rPr lang="zh-TW" altLang="en-US" dirty="0" smtClean="0">
-                <a:latin typeface="Courier New" panose="02070309020205020404" pitchFamily="49" charset="0"/>
-                <a:cs typeface="Courier New" panose="02070309020205020404" pitchFamily="49" charset="0"/>
-              </a:rPr>
-              <a:t>;  </a:t>
-            </a:r>
-            <a:r>
-              <a:rPr lang="en-US" altLang="zh-TW" dirty="0" smtClean="0">
+              <a:t>   char p;  char i;  </a:t>
+            </a:r>
+            <a:r>
+              <a:rPr lang="en-US" altLang="zh-TW" dirty="0">
                 <a:solidFill>
                   <a:srgbClr val="00B050"/>
                 </a:solidFill>
@@ -12618,7 +11622,7 @@
               <a:t>//input format is </a:t>
             </a:r>
             <a:r>
-              <a:rPr lang="en-US" altLang="zh-TW" dirty="0" err="1" smtClean="0">
+              <a:rPr lang="en-US" altLang="zh-TW" dirty="0" err="1">
                 <a:solidFill>
                   <a:srgbClr val="00B050"/>
                 </a:solidFill>
@@ -12658,16 +11662,12 @@
           </a:p>
           <a:p>
             <a:r>
-              <a:rPr lang="zh-TW" altLang="en-US" dirty="0" smtClean="0">
+              <a:rPr lang="zh-TW" altLang="en-US" dirty="0">
                 <a:latin typeface="Courier New" panose="02070309020205020404" pitchFamily="49" charset="0"/>
                 <a:cs typeface="Courier New" panose="02070309020205020404" pitchFamily="49" charset="0"/>
               </a:rPr>
               <a:t>}</a:t>
             </a:r>
-            <a:endParaRPr lang="zh-TW" altLang="en-US" dirty="0">
-              <a:latin typeface="Courier New" panose="02070309020205020404" pitchFamily="49" charset="0"/>
-              <a:cs typeface="Courier New" panose="02070309020205020404" pitchFamily="49" charset="0"/>
-            </a:endParaRPr>
           </a:p>
           <a:p>
             <a:r>
@@ -12720,13 +11720,6 @@
   <p:clrMapOvr>
     <a:masterClrMapping/>
   </p:clrMapOvr>
-  <p:timing>
-    <p:tnLst>
-      <p:par>
-        <p:cTn id="1" dur="indefinite" restart="never" nodeType="tmRoot"/>
-      </p:par>
-    </p:tnLst>
-  </p:timing>
 </p:sld>
 </file>
 
@@ -12763,11 +11756,11 @@
           <a:lstStyle/>
           <a:p>
             <a:r>
-              <a:rPr lang="en-US" altLang="zh-TW" dirty="0" smtClean="0"/>
+              <a:rPr lang="en-US" altLang="zh-TW" dirty="0"/>
               <a:t>Ex: using </a:t>
             </a:r>
             <a:r>
-              <a:rPr lang="en-US" altLang="zh-TW" dirty="0" err="1" smtClean="0"/>
+              <a:rPr lang="en-US" altLang="zh-TW" dirty="0" err="1"/>
               <a:t>CompleNumber</a:t>
             </a:r>
             <a:endParaRPr lang="zh-TW" altLang="en-US" dirty="0"/>
@@ -13056,13 +12049,6 @@
   <p:clrMapOvr>
     <a:masterClrMapping/>
   </p:clrMapOvr>
-  <p:timing>
-    <p:tnLst>
-      <p:par>
-        <p:cTn id="1" dur="indefinite" restart="never" nodeType="tmRoot"/>
-      </p:par>
-    </p:tnLst>
-  </p:timing>
 </p:sld>
 </file>
 
@@ -13099,7 +12085,7 @@
           <a:lstStyle/>
           <a:p>
             <a:r>
-              <a:rPr lang="en-US" altLang="zh-TW" dirty="0" smtClean="0"/>
+              <a:rPr lang="en-US" altLang="zh-TW" dirty="0"/>
               <a:t>overloading</a:t>
             </a:r>
             <a:endParaRPr lang="zh-TW" altLang="en-US" dirty="0"/>
@@ -13135,13 +12121,6 @@
   <p:clrMapOvr>
     <a:masterClrMapping/>
   </p:clrMapOvr>
-  <p:timing>
-    <p:tnLst>
-      <p:par>
-        <p:cTn id="1" dur="indefinite" restart="never" nodeType="tmRoot"/>
-      </p:par>
-    </p:tnLst>
-  </p:timing>
 </p:sld>
 </file>
 
@@ -13180,27 +12159,27 @@
           <a:lstStyle/>
           <a:p>
             <a:r>
-              <a:rPr lang="en-US" altLang="zh-TW" dirty="0" smtClean="0"/>
+              <a:rPr lang="en-US" altLang="zh-TW" dirty="0"/>
               <a:t>C++ allows different functions to have the same name, as long as their (1) argument types, or (2) number of arguments are different. </a:t>
             </a:r>
           </a:p>
           <a:p>
             <a:pPr lvl="1"/>
             <a:r>
-              <a:rPr lang="en-US" altLang="zh-TW" dirty="0" smtClean="0"/>
+              <a:rPr lang="en-US" altLang="zh-TW" dirty="0"/>
               <a:t>It is also called “static polymorphism”</a:t>
             </a:r>
           </a:p>
           <a:p>
             <a:r>
-              <a:rPr lang="en-US" altLang="zh-TW" dirty="0" smtClean="0"/>
+              <a:rPr lang="en-US" altLang="zh-TW" dirty="0"/>
               <a:t>Compiler will automatically choose the “suitable” function to call.</a:t>
             </a:r>
           </a:p>
           <a:p>
             <a:pPr lvl="1"/>
             <a:r>
-              <a:rPr lang="en-US" altLang="zh-TW" dirty="0" smtClean="0"/>
+              <a:rPr lang="en-US" altLang="zh-TW" dirty="0"/>
               <a:t>Ex: Array(), Array(n) are two constructors</a:t>
             </a:r>
           </a:p>
@@ -13222,7 +12201,7 @@
           <a:lstStyle/>
           <a:p>
             <a:r>
-              <a:rPr lang="en-US" altLang="zh-TW" dirty="0" smtClean="0"/>
+              <a:rPr lang="en-US" altLang="zh-TW" dirty="0"/>
               <a:t>Function overloading</a:t>
             </a:r>
             <a:endParaRPr lang="zh-TW" altLang="en-US" dirty="0"/>
@@ -13239,13 +12218,6 @@
   <p:clrMapOvr>
     <a:masterClrMapping/>
   </p:clrMapOvr>
-  <p:timing>
-    <p:tnLst>
-      <p:par>
-        <p:cTn id="1" dur="indefinite" restart="never" nodeType="tmRoot"/>
-      </p:par>
-    </p:tnLst>
-  </p:timing>
 </p:sld>
 </file>
 
@@ -13289,7 +12261,7 @@
           <a:lstStyle/>
           <a:p>
             <a:r>
-              <a:rPr lang="en-US" altLang="zh-TW" dirty="0" smtClean="0"/>
+              <a:rPr lang="en-US" altLang="zh-TW" dirty="0"/>
               <a:t>If the argument of constructor is in the same class, it is called “copy constructor”.</a:t>
             </a:r>
           </a:p>
@@ -13297,32 +12269,20 @@
             <a:pPr lvl="1"/>
             <a:r>
               <a:rPr lang="en-US" altLang="zh-TW" dirty="0"/>
-              <a:t>Ex: </a:t>
-            </a:r>
-            <a:r>
-              <a:rPr lang="en-US" altLang="zh-TW" dirty="0" smtClean="0"/>
-              <a:t> Array(</a:t>
-            </a:r>
-            <a:r>
-              <a:rPr lang="en-US" altLang="zh-TW" dirty="0" err="1" smtClean="0"/>
+              <a:t>Ex:  Array(</a:t>
+            </a:r>
+            <a:r>
+              <a:rPr lang="en-US" altLang="zh-TW" dirty="0" err="1"/>
               <a:t>const</a:t>
             </a:r>
             <a:r>
-              <a:rPr lang="en-US" altLang="zh-TW" dirty="0" smtClean="0"/>
-              <a:t> </a:t>
-            </a:r>
-            <a:r>
-              <a:rPr lang="en-US" altLang="zh-TW" dirty="0"/>
-              <a:t>Array&amp; B</a:t>
-            </a:r>
-            <a:r>
-              <a:rPr lang="en-US" altLang="zh-TW" dirty="0" smtClean="0"/>
-              <a:t>);</a:t>
-            </a:r>
-          </a:p>
-          <a:p>
-            <a:r>
-              <a:rPr lang="en-US" altLang="zh-TW" dirty="0" smtClean="0"/>
+              <a:rPr lang="en-US" altLang="zh-TW" dirty="0"/>
+              <a:t> Array&amp; B);</a:t>
+            </a:r>
+          </a:p>
+          <a:p>
+            <a:r>
+              <a:rPr lang="en-US" altLang="zh-TW" dirty="0"/>
               <a:t>Copy constructor will be called </a:t>
             </a:r>
           </a:p>
@@ -13332,16 +12292,8 @@
               <a:buAutoNum type="arabicPeriod"/>
             </a:pPr>
             <a:r>
-              <a:rPr lang="en-US" altLang="zh-TW" dirty="0" smtClean="0"/>
-              <a:t>When </a:t>
-            </a:r>
-            <a:r>
-              <a:rPr lang="en-US" altLang="zh-TW" dirty="0"/>
-              <a:t>an object of the class is returned by value</a:t>
-            </a:r>
-            <a:r>
-              <a:rPr lang="en-US" altLang="zh-TW" dirty="0" smtClean="0"/>
-              <a:t>.</a:t>
+              <a:rPr lang="en-US" altLang="zh-TW" dirty="0"/>
+              <a:t>When an object of the class is returned by value.</a:t>
             </a:r>
           </a:p>
           <a:p>
@@ -13350,16 +12302,8 @@
               <a:buAutoNum type="arabicPeriod"/>
             </a:pPr>
             <a:r>
-              <a:rPr lang="en-US" altLang="zh-TW" dirty="0" smtClean="0"/>
-              <a:t>When </a:t>
-            </a:r>
-            <a:r>
-              <a:rPr lang="en-US" altLang="zh-TW" dirty="0"/>
-              <a:t>an object of the class is passed </a:t>
-            </a:r>
-            <a:r>
-              <a:rPr lang="en-US" altLang="zh-TW" dirty="0" smtClean="0"/>
-              <a:t>by value.</a:t>
+              <a:rPr lang="en-US" altLang="zh-TW" dirty="0"/>
+              <a:t>When an object of the class is passed by value.</a:t>
             </a:r>
           </a:p>
           <a:p>
@@ -13368,16 +12312,8 @@
               <a:buAutoNum type="arabicPeriod"/>
             </a:pPr>
             <a:r>
-              <a:rPr lang="en-US" altLang="zh-TW" dirty="0" smtClean="0"/>
-              <a:t>When </a:t>
-            </a:r>
-            <a:r>
-              <a:rPr lang="en-US" altLang="zh-TW" dirty="0"/>
-              <a:t>an object is constructed based on another object of the same </a:t>
-            </a:r>
-            <a:r>
-              <a:rPr lang="en-US" altLang="zh-TW" dirty="0" smtClean="0"/>
-              <a:t>class.</a:t>
+              <a:rPr lang="en-US" altLang="zh-TW" dirty="0"/>
+              <a:t>When an object is constructed based on another object of the same class.</a:t>
             </a:r>
           </a:p>
           <a:p>
@@ -13386,12 +12322,8 @@
               <a:buAutoNum type="arabicPeriod"/>
             </a:pPr>
             <a:r>
-              <a:rPr lang="en-US" altLang="zh-TW" dirty="0" smtClean="0"/>
-              <a:t>When </a:t>
-            </a:r>
-            <a:r>
-              <a:rPr lang="en-US" altLang="zh-TW" dirty="0"/>
-              <a:t>compiler generates a temporary object.</a:t>
+              <a:rPr lang="en-US" altLang="zh-TW" dirty="0"/>
+              <a:t>When compiler generates a temporary object.</a:t>
             </a:r>
             <a:endParaRPr lang="zh-TW" altLang="en-US" dirty="0"/>
           </a:p>
@@ -13413,7 +12345,7 @@
           <a:lstStyle/>
           <a:p>
             <a:r>
-              <a:rPr lang="en-US" altLang="zh-TW" dirty="0" smtClean="0"/>
+              <a:rPr lang="en-US" altLang="zh-TW" dirty="0"/>
               <a:t>Copy constructor</a:t>
             </a:r>
             <a:endParaRPr lang="zh-TW" altLang="en-US" dirty="0"/>
@@ -13430,13 +12362,6 @@
   <p:clrMapOvr>
     <a:masterClrMapping/>
   </p:clrMapOvr>
-  <p:timing>
-    <p:tnLst>
-      <p:par>
-        <p:cTn id="1" dur="indefinite" restart="never" nodeType="tmRoot"/>
-      </p:par>
-    </p:tnLst>
-  </p:timing>
 </p:sld>
 </file>
 
@@ -13477,11 +12402,7 @@
             <a:pPr marL="571500" indent="-514350"/>
             <a:r>
               <a:rPr lang="en-US" altLang="zh-TW" dirty="0"/>
-              <a:t>When an object of the class is returned by value</a:t>
-            </a:r>
-            <a:r>
-              <a:rPr lang="en-US" altLang="zh-TW" dirty="0" smtClean="0"/>
-              <a:t>.</a:t>
+              <a:t>When an object of the class is returned by value.</a:t>
             </a:r>
           </a:p>
           <a:p>
@@ -13489,21 +12410,21 @@
               <a:buNone/>
             </a:pPr>
             <a:r>
-              <a:rPr lang="en-US" altLang="zh-TW" sz="2400" dirty="0" smtClean="0">
+              <a:rPr lang="en-US" altLang="zh-TW" sz="2400" dirty="0">
                 <a:latin typeface="Courier New" panose="02070309020205020404" pitchFamily="49" charset="0"/>
                 <a:cs typeface="Courier New" panose="02070309020205020404" pitchFamily="49" charset="0"/>
               </a:rPr>
               <a:t> </a:t>
             </a:r>
             <a:r>
-              <a:rPr lang="en-US" altLang="zh-TW" sz="2400" dirty="0" err="1" smtClean="0">
+              <a:rPr lang="en-US" altLang="zh-TW" sz="2400" dirty="0" err="1">
                 <a:latin typeface="Courier New" panose="02070309020205020404" pitchFamily="49" charset="0"/>
                 <a:cs typeface="Courier New" panose="02070309020205020404" pitchFamily="49" charset="0"/>
               </a:rPr>
               <a:t>ListNode</a:t>
             </a:r>
             <a:r>
-              <a:rPr lang="en-US" altLang="zh-TW" sz="2400" dirty="0" smtClean="0">
+              <a:rPr lang="en-US" altLang="zh-TW" sz="2400" dirty="0">
                 <a:latin typeface="Courier New" panose="02070309020205020404" pitchFamily="49" charset="0"/>
                 <a:cs typeface="Courier New" panose="02070309020205020404" pitchFamily="49" charset="0"/>
               </a:rPr>
@@ -13515,21 +12436,21 @@
               <a:buNone/>
             </a:pPr>
             <a:r>
-              <a:rPr lang="en-US" altLang="zh-TW" sz="2400" dirty="0" smtClean="0">
+              <a:rPr lang="en-US" altLang="zh-TW" sz="2400" dirty="0">
                 <a:latin typeface="Courier New" panose="02070309020205020404" pitchFamily="49" charset="0"/>
                 <a:cs typeface="Courier New" panose="02070309020205020404" pitchFamily="49" charset="0"/>
               </a:rPr>
               <a:t>		</a:t>
             </a:r>
             <a:r>
-              <a:rPr lang="en-US" altLang="zh-TW" sz="2400" dirty="0" err="1" smtClean="0">
+              <a:rPr lang="en-US" altLang="zh-TW" sz="2400" dirty="0" err="1">
                 <a:latin typeface="Courier New" panose="02070309020205020404" pitchFamily="49" charset="0"/>
                 <a:cs typeface="Courier New" panose="02070309020205020404" pitchFamily="49" charset="0"/>
               </a:rPr>
               <a:t>ListNode</a:t>
             </a:r>
             <a:r>
-              <a:rPr lang="en-US" altLang="zh-TW" sz="2400" dirty="0" smtClean="0">
+              <a:rPr lang="en-US" altLang="zh-TW" sz="2400" dirty="0">
                 <a:latin typeface="Courier New" panose="02070309020205020404" pitchFamily="49" charset="0"/>
                 <a:cs typeface="Courier New" panose="02070309020205020404" pitchFamily="49" charset="0"/>
               </a:rPr>
@@ -13545,14 +12466,7 @@
                 <a:latin typeface="Courier New" panose="02070309020205020404" pitchFamily="49" charset="0"/>
                 <a:cs typeface="Courier New" panose="02070309020205020404" pitchFamily="49" charset="0"/>
               </a:rPr>
-              <a:t>	</a:t>
-            </a:r>
-            <a:r>
-              <a:rPr lang="en-US" altLang="zh-TW" sz="2400" dirty="0" smtClean="0">
-                <a:latin typeface="Courier New" panose="02070309020205020404" pitchFamily="49" charset="0"/>
-                <a:cs typeface="Courier New" panose="02070309020205020404" pitchFamily="49" charset="0"/>
-              </a:rPr>
-              <a:t>	return A;</a:t>
+              <a:t>		return A;</a:t>
             </a:r>
           </a:p>
           <a:p>
@@ -13564,33 +12478,18 @@
                 <a:latin typeface="Courier New" panose="02070309020205020404" pitchFamily="49" charset="0"/>
                 <a:cs typeface="Courier New" panose="02070309020205020404" pitchFamily="49" charset="0"/>
               </a:rPr>
-              <a:t> </a:t>
-            </a:r>
-            <a:r>
-              <a:rPr lang="en-US" altLang="zh-TW" sz="2400" dirty="0" smtClean="0">
-                <a:latin typeface="Courier New" panose="02070309020205020404" pitchFamily="49" charset="0"/>
-                <a:cs typeface="Courier New" panose="02070309020205020404" pitchFamily="49" charset="0"/>
-              </a:rPr>
-              <a:t>}</a:t>
-            </a:r>
-            <a:endParaRPr lang="en-US" altLang="zh-TW" sz="2400" dirty="0">
-              <a:latin typeface="Courier New" panose="02070309020205020404" pitchFamily="49" charset="0"/>
-              <a:cs typeface="Courier New" panose="02070309020205020404" pitchFamily="49" charset="0"/>
-            </a:endParaRPr>
-          </a:p>
-          <a:p>
-            <a:r>
-              <a:rPr lang="en-US" altLang="zh-TW" dirty="0"/>
-              <a:t>Node A is a local variable, so it will be deleted after the function </a:t>
-            </a:r>
-            <a:r>
-              <a:rPr lang="en-US" altLang="zh-TW" dirty="0" smtClean="0"/>
-              <a:t>is terminated.</a:t>
-            </a:r>
-          </a:p>
-          <a:p>
-            <a:r>
-              <a:rPr lang="en-US" altLang="zh-TW" dirty="0" smtClean="0"/>
+              <a:t> }</a:t>
+            </a:r>
+          </a:p>
+          <a:p>
+            <a:r>
+              <a:rPr lang="en-US" altLang="zh-TW" dirty="0"/>
+              <a:t>Node A is a local variable, so it will be deleted after the function is terminated.</a:t>
+            </a:r>
+          </a:p>
+          <a:p>
+            <a:r>
+              <a:rPr lang="en-US" altLang="zh-TW" dirty="0"/>
               <a:t>The compiler will copy an instance of A and return it</a:t>
             </a:r>
             <a:endParaRPr lang="zh-TW" altLang="en-US" dirty="0"/>
@@ -13613,7 +12512,7 @@
           <a:lstStyle/>
           <a:p>
             <a:r>
-              <a:rPr lang="en-US" altLang="zh-TW" dirty="0" smtClean="0"/>
+              <a:rPr lang="en-US" altLang="zh-TW" dirty="0"/>
               <a:t>1. Example</a:t>
             </a:r>
             <a:endParaRPr lang="zh-TW" altLang="en-US" dirty="0"/>
@@ -13630,13 +12529,6 @@
   <p:clrMapOvr>
     <a:masterClrMapping/>
   </p:clrMapOvr>
-  <p:timing>
-    <p:tnLst>
-      <p:par>
-        <p:cTn id="1" dur="indefinite" restart="never" nodeType="tmRoot"/>
-      </p:par>
-    </p:tnLst>
-  </p:timing>
 </p:sld>
 </file>
 
@@ -13684,28 +12576,14 @@
               <a:buNone/>
             </a:pPr>
             <a:r>
-              <a:rPr lang="en-US" altLang="zh-TW" sz="2400" dirty="0" smtClean="0">
-                <a:latin typeface="Courier New" panose="02070309020205020404" pitchFamily="49" charset="0"/>
-                <a:cs typeface="Courier New" panose="02070309020205020404" pitchFamily="49" charset="0"/>
-              </a:rPr>
-              <a:t>	void </a:t>
-            </a:r>
-            <a:r>
               <a:rPr lang="en-US" altLang="zh-TW" sz="2400" dirty="0">
                 <a:latin typeface="Courier New" panose="02070309020205020404" pitchFamily="49" charset="0"/>
                 <a:cs typeface="Courier New" panose="02070309020205020404" pitchFamily="49" charset="0"/>
               </a:rPr>
-              <a:t>function </a:t>
-            </a:r>
-            <a:r>
-              <a:rPr lang="en-US" altLang="zh-TW" sz="2400" dirty="0" smtClean="0">
-                <a:latin typeface="Courier New" panose="02070309020205020404" pitchFamily="49" charset="0"/>
-                <a:cs typeface="Courier New" panose="02070309020205020404" pitchFamily="49" charset="0"/>
-              </a:rPr>
-              <a:t>(</a:t>
-            </a:r>
-            <a:r>
-              <a:rPr lang="en-US" altLang="zh-TW" sz="2400" dirty="0" smtClean="0">
+              <a:t>	void function (</a:t>
+            </a:r>
+            <a:r>
+              <a:rPr lang="en-US" altLang="zh-TW" sz="2400" dirty="0">
                 <a:solidFill>
                   <a:srgbClr val="FF0000"/>
                 </a:solidFill>
@@ -13715,7 +12593,7 @@
               <a:t>Node B</a:t>
             </a:r>
             <a:r>
-              <a:rPr lang="en-US" altLang="zh-TW" sz="2400" dirty="0" smtClean="0">
+              <a:rPr lang="en-US" altLang="zh-TW" sz="2400" dirty="0">
                 <a:latin typeface="Courier New" panose="02070309020205020404" pitchFamily="49" charset="0"/>
                 <a:cs typeface="Courier New" panose="02070309020205020404" pitchFamily="49" charset="0"/>
               </a:rPr>
@@ -13731,26 +12609,15 @@
                 <a:latin typeface="Courier New" panose="02070309020205020404" pitchFamily="49" charset="0"/>
                 <a:cs typeface="Courier New" panose="02070309020205020404" pitchFamily="49" charset="0"/>
               </a:rPr>
-              <a:t>	</a:t>
-            </a:r>
-            <a:r>
-              <a:rPr lang="en-US" altLang="zh-TW" sz="2400" dirty="0" smtClean="0">
-                <a:latin typeface="Courier New" panose="02070309020205020404" pitchFamily="49" charset="0"/>
-                <a:cs typeface="Courier New" panose="02070309020205020404" pitchFamily="49" charset="0"/>
-              </a:rPr>
-              <a:t>	…</a:t>
-            </a:r>
-            <a:endParaRPr lang="en-US" altLang="zh-TW" sz="2400" dirty="0">
-              <a:latin typeface="Courier New" panose="02070309020205020404" pitchFamily="49" charset="0"/>
-              <a:cs typeface="Courier New" panose="02070309020205020404" pitchFamily="49" charset="0"/>
-            </a:endParaRPr>
+              <a:t>		…</a:t>
+            </a:r>
           </a:p>
           <a:p>
             <a:pPr marL="457200" lvl="1" indent="0">
               <a:buNone/>
             </a:pPr>
             <a:r>
-              <a:rPr lang="en-US" altLang="zh-TW" sz="2400" dirty="0" smtClean="0">
+              <a:rPr lang="en-US" altLang="zh-TW" sz="2400" dirty="0">
                 <a:latin typeface="Courier New" panose="02070309020205020404" pitchFamily="49" charset="0"/>
                 <a:cs typeface="Courier New" panose="02070309020205020404" pitchFamily="49" charset="0"/>
               </a:rPr>
@@ -13769,14 +12636,14 @@
               <a:t>	</a:t>
             </a:r>
             <a:r>
-              <a:rPr lang="en-US" altLang="zh-TW" sz="2400" dirty="0" err="1" smtClean="0">
+              <a:rPr lang="en-US" altLang="zh-TW" sz="2400" dirty="0" err="1">
                 <a:latin typeface="Courier New" panose="02070309020205020404" pitchFamily="49" charset="0"/>
                 <a:cs typeface="Courier New" panose="02070309020205020404" pitchFamily="49" charset="0"/>
               </a:rPr>
               <a:t>int</a:t>
             </a:r>
             <a:r>
-              <a:rPr lang="en-US" altLang="zh-TW" sz="2400" dirty="0" smtClean="0">
+              <a:rPr lang="en-US" altLang="zh-TW" sz="2400" dirty="0">
                 <a:latin typeface="Courier New" panose="02070309020205020404" pitchFamily="49" charset="0"/>
                 <a:cs typeface="Courier New" panose="02070309020205020404" pitchFamily="49" charset="0"/>
               </a:rPr>
@@ -13792,14 +12659,7 @@
                 <a:latin typeface="Courier New" panose="02070309020205020404" pitchFamily="49" charset="0"/>
                 <a:cs typeface="Courier New" panose="02070309020205020404" pitchFamily="49" charset="0"/>
               </a:rPr>
-              <a:t>	</a:t>
-            </a:r>
-            <a:r>
-              <a:rPr lang="en-US" altLang="zh-TW" sz="2400" dirty="0" smtClean="0">
-                <a:latin typeface="Courier New" panose="02070309020205020404" pitchFamily="49" charset="0"/>
-                <a:cs typeface="Courier New" panose="02070309020205020404" pitchFamily="49" charset="0"/>
-              </a:rPr>
-              <a:t>	Node A(3);</a:t>
+              <a:t>		Node A(3);</a:t>
             </a:r>
           </a:p>
           <a:p>
@@ -13811,14 +12671,7 @@
                 <a:latin typeface="Courier New" panose="02070309020205020404" pitchFamily="49" charset="0"/>
                 <a:cs typeface="Courier New" panose="02070309020205020404" pitchFamily="49" charset="0"/>
               </a:rPr>
-              <a:t>	</a:t>
-            </a:r>
-            <a:r>
-              <a:rPr lang="en-US" altLang="zh-TW" sz="2400" dirty="0" smtClean="0">
-                <a:latin typeface="Courier New" panose="02070309020205020404" pitchFamily="49" charset="0"/>
-                <a:cs typeface="Courier New" panose="02070309020205020404" pitchFamily="49" charset="0"/>
-              </a:rPr>
-              <a:t>	function(A);</a:t>
+              <a:t>		function(A);</a:t>
             </a:r>
           </a:p>
           <a:p>
@@ -13830,23 +12683,12 @@
                 <a:latin typeface="Courier New" panose="02070309020205020404" pitchFamily="49" charset="0"/>
                 <a:cs typeface="Courier New" panose="02070309020205020404" pitchFamily="49" charset="0"/>
               </a:rPr>
-              <a:t>	</a:t>
-            </a:r>
-            <a:r>
-              <a:rPr lang="en-US" altLang="zh-TW" sz="2400" dirty="0" smtClean="0">
-                <a:latin typeface="Courier New" panose="02070309020205020404" pitchFamily="49" charset="0"/>
-                <a:cs typeface="Courier New" panose="02070309020205020404" pitchFamily="49" charset="0"/>
-              </a:rPr>
-              <a:t>}</a:t>
-            </a:r>
-            <a:endParaRPr lang="en-US" altLang="zh-TW" sz="2400" dirty="0">
-              <a:latin typeface="Courier New" panose="02070309020205020404" pitchFamily="49" charset="0"/>
-              <a:cs typeface="Courier New" panose="02070309020205020404" pitchFamily="49" charset="0"/>
-            </a:endParaRPr>
-          </a:p>
-          <a:p>
-            <a:r>
-              <a:rPr lang="en-US" altLang="zh-TW" dirty="0" smtClean="0"/>
+              <a:t>	}</a:t>
+            </a:r>
+          </a:p>
+          <a:p>
+            <a:r>
+              <a:rPr lang="en-US" altLang="zh-TW" dirty="0"/>
               <a:t>Because it is called by value, so compiler makes another copy of A.</a:t>
             </a:r>
             <a:endParaRPr lang="zh-TW" altLang="en-US" dirty="0"/>
@@ -13869,7 +12711,7 @@
           <a:lstStyle/>
           <a:p>
             <a:r>
-              <a:rPr lang="en-US" altLang="zh-TW" dirty="0" smtClean="0"/>
+              <a:rPr lang="en-US" altLang="zh-TW" dirty="0"/>
               <a:t>2. Example</a:t>
             </a:r>
             <a:endParaRPr lang="zh-TW" altLang="en-US" dirty="0"/>
@@ -13886,13 +12728,6 @@
   <p:clrMapOvr>
     <a:masterClrMapping/>
   </p:clrMapOvr>
-  <p:timing>
-    <p:tnLst>
-      <p:par>
-        <p:cTn id="1" dur="indefinite" restart="never" nodeType="tmRoot"/>
-      </p:par>
-    </p:tnLst>
-  </p:timing>
 </p:sld>
 </file>
 
@@ -13936,14 +12771,14 @@
           <a:p>
             <a:pPr lvl="1"/>
             <a:r>
-              <a:rPr lang="en-US" altLang="zh-TW" dirty="0" smtClean="0"/>
+              <a:rPr lang="en-US" altLang="zh-TW" dirty="0"/>
               <a:t>Node A(3);</a:t>
             </a:r>
           </a:p>
           <a:p>
             <a:pPr lvl="1"/>
             <a:r>
-              <a:rPr lang="en-US" altLang="zh-TW" dirty="0" smtClean="0"/>
+              <a:rPr lang="en-US" altLang="zh-TW" dirty="0"/>
               <a:t>Node B = A;</a:t>
             </a:r>
             <a:endParaRPr lang="zh-TW" altLang="en-US" dirty="0"/>
@@ -13966,7 +12801,7 @@
           <a:lstStyle/>
           <a:p>
             <a:r>
-              <a:rPr lang="en-US" altLang="zh-TW" dirty="0" smtClean="0"/>
+              <a:rPr lang="en-US" altLang="zh-TW" dirty="0"/>
               <a:t>3. Example</a:t>
             </a:r>
             <a:endParaRPr lang="zh-TW" altLang="en-US" dirty="0"/>
@@ -13983,13 +12818,6 @@
   <p:clrMapOvr>
     <a:masterClrMapping/>
   </p:clrMapOvr>
-  <p:timing>
-    <p:tnLst>
-      <p:par>
-        <p:cTn id="1" dur="indefinite" restart="never" nodeType="tmRoot"/>
-      </p:par>
-    </p:tnLst>
-  </p:timing>
 </p:sld>
 </file>
 
@@ -14028,59 +12856,23 @@
           <a:lstStyle/>
           <a:p>
             <a:r>
-              <a:rPr lang="en-US" altLang="zh-TW" dirty="0" smtClean="0"/>
-              <a:t>C</a:t>
-            </a:r>
-            <a:r>
-              <a:rPr lang="en-US" altLang="zh-TW" dirty="0"/>
-              <a:t>++ </a:t>
-            </a:r>
-            <a:r>
-              <a:rPr lang="en-US" altLang="zh-TW" dirty="0" smtClean="0"/>
-              <a:t>can overload operators to </a:t>
-            </a:r>
-            <a:r>
-              <a:rPr lang="en-US" altLang="zh-TW" dirty="0"/>
-              <a:t>perform </a:t>
-            </a:r>
-            <a:r>
-              <a:rPr lang="en-US" altLang="zh-TW" dirty="0" smtClean="0"/>
-              <a:t>different operations </a:t>
-            </a:r>
-            <a:r>
-              <a:rPr lang="en-US" altLang="zh-TW" dirty="0"/>
-              <a:t>depending on their </a:t>
-            </a:r>
-            <a:r>
-              <a:rPr lang="en-US" altLang="zh-TW" dirty="0" smtClean="0"/>
-              <a:t>context and data types. </a:t>
+              <a:rPr lang="en-US" altLang="zh-TW" dirty="0"/>
+              <a:t>C++ can overload operators to perform different operations depending on their context and data types. </a:t>
             </a:r>
           </a:p>
           <a:p>
             <a:pPr lvl="1"/>
             <a:r>
-              <a:rPr lang="en-US" altLang="zh-TW" dirty="0" smtClean="0"/>
+              <a:rPr lang="en-US" altLang="zh-TW" dirty="0"/>
               <a:t>Ex: the  &lt;&lt; in </a:t>
             </a:r>
             <a:r>
-              <a:rPr lang="en-US" altLang="zh-TW" dirty="0" err="1" smtClean="0"/>
+              <a:rPr lang="en-US" altLang="zh-TW" dirty="0" err="1"/>
               <a:t>cout</a:t>
             </a:r>
             <a:r>
-              <a:rPr lang="en-US" altLang="zh-TW" dirty="0" smtClean="0"/>
-              <a:t>, </a:t>
-            </a:r>
-            <a:r>
-              <a:rPr lang="en-US" altLang="zh-TW" dirty="0"/>
-              <a:t>which is used </a:t>
-            </a:r>
-            <a:r>
-              <a:rPr lang="en-US" altLang="zh-TW" dirty="0" smtClean="0"/>
-              <a:t>as </a:t>
-            </a:r>
-            <a:r>
-              <a:rPr lang="en-US" altLang="zh-TW" dirty="0"/>
-              <a:t>the </a:t>
+              <a:rPr lang="en-US" altLang="zh-TW" dirty="0"/>
+              <a:t>, which is used as the </a:t>
             </a:r>
             <a:r>
               <a:rPr lang="en-US" altLang="zh-TW" dirty="0">
@@ -14088,27 +12880,11 @@
                   <a:srgbClr val="FF0000"/>
                 </a:solidFill>
               </a:rPr>
-              <a:t>stream insertion </a:t>
-            </a:r>
-            <a:r>
-              <a:rPr lang="en-US" altLang="zh-TW" dirty="0" smtClean="0">
-                <a:solidFill>
-                  <a:srgbClr val="FF0000"/>
-                </a:solidFill>
-              </a:rPr>
-              <a:t>operator</a:t>
-            </a:r>
-            <a:r>
-              <a:rPr lang="en-US" altLang="zh-TW" dirty="0" smtClean="0"/>
+              <a:t>stream insertion operator</a:t>
+            </a:r>
+            <a:r>
+              <a:rPr lang="en-US" altLang="zh-TW" dirty="0"/>
               <a:t>.  (Recall this operator is used for </a:t>
-            </a:r>
-            <a:r>
-              <a:rPr lang="en-US" altLang="zh-TW" dirty="0" smtClean="0">
-                <a:solidFill>
-                  <a:srgbClr val="FF0000"/>
-                </a:solidFill>
-              </a:rPr>
-              <a:t>bitwise </a:t>
             </a:r>
             <a:r>
               <a:rPr lang="en-US" altLang="zh-TW" dirty="0">
@@ -14116,13 +12892,12 @@
                   <a:srgbClr val="FF0000"/>
                 </a:solidFill>
               </a:rPr>
-              <a:t>left-shift </a:t>
-            </a:r>
-            <a:r>
-              <a:rPr lang="en-US" altLang="zh-TW" dirty="0" smtClean="0"/>
+              <a:t>bitwise left-shift </a:t>
+            </a:r>
+            <a:r>
+              <a:rPr lang="en-US" altLang="zh-TW" dirty="0"/>
               <a:t>in bitwise operations)</a:t>
             </a:r>
-            <a:endParaRPr lang="en-US" altLang="zh-TW" dirty="0"/>
           </a:p>
           <a:p>
             <a:r>
@@ -14139,13 +12914,8 @@
             </a:r>
             <a:r>
               <a:rPr lang="en-US" altLang="zh-TW" dirty="0"/>
-              <a:t> generates the appropriate code based on the types of the operands</a:t>
-            </a:r>
-            <a:r>
-              <a:rPr lang="en-US" altLang="zh-TW" dirty="0" smtClean="0"/>
-              <a:t>.</a:t>
-            </a:r>
-            <a:endParaRPr lang="en-US" altLang="zh-TW" dirty="0"/>
+              <a:t> generates the appropriate code based on the types of the operands.</a:t>
+            </a:r>
           </a:p>
         </p:txBody>
       </p:sp>
@@ -14165,7 +12935,7 @@
           <a:lstStyle/>
           <a:p>
             <a:r>
-              <a:rPr lang="en-US" altLang="zh-TW" dirty="0" smtClean="0"/>
+              <a:rPr lang="en-US" altLang="zh-TW" dirty="0"/>
               <a:t>Operator overloading</a:t>
             </a:r>
             <a:endParaRPr lang="zh-TW" altLang="en-US" dirty="0"/>
@@ -14182,13 +12952,6 @@
   <p:clrMapOvr>
     <a:masterClrMapping/>
   </p:clrMapOvr>
-  <p:timing>
-    <p:tnLst>
-      <p:par>
-        <p:cTn id="1" dur="indefinite" restart="never" nodeType="tmRoot"/>
-      </p:par>
-    </p:tnLst>
-  </p:timing>
 </p:sld>
 </file>
 
